--- a/8.Проектная работа/Презентация проектной работы.pptx
+++ b/8.Проектная работа/Презентация проектной работы.pptx
@@ -5,7 +5,7 @@
     <p:sldMasterId id="2147483662" r:id="rId1"/>
   </p:sldMasterIdLst>
   <p:notesMasterIdLst>
-    <p:notesMasterId r:id="rId17"/>
+    <p:notesMasterId r:id="rId21"/>
   </p:notesMasterIdLst>
   <p:sldIdLst>
     <p:sldId id="256" r:id="rId2"/>
@@ -20,26 +20,30 @@
     <p:sldId id="275" r:id="rId11"/>
     <p:sldId id="276" r:id="rId12"/>
     <p:sldId id="277" r:id="rId13"/>
-    <p:sldId id="278" r:id="rId14"/>
-    <p:sldId id="279" r:id="rId15"/>
-    <p:sldId id="266" r:id="rId16"/>
+    <p:sldId id="280" r:id="rId14"/>
+    <p:sldId id="281" r:id="rId15"/>
+    <p:sldId id="282" r:id="rId16"/>
+    <p:sldId id="278" r:id="rId17"/>
+    <p:sldId id="265" r:id="rId18"/>
+    <p:sldId id="279" r:id="rId19"/>
+    <p:sldId id="266" r:id="rId20"/>
   </p:sldIdLst>
   <p:sldSz cx="9144000" cy="5143500" type="screen16x9"/>
   <p:notesSz cx="6858000" cy="9144000"/>
   <p:embeddedFontLst>
     <p:embeddedFont>
       <p:font typeface="Consolas" panose="020B0609020204030204" pitchFamily="49" charset="0"/>
-      <p:regular r:id="rId18"/>
-      <p:bold r:id="rId19"/>
-      <p:italic r:id="rId20"/>
-      <p:boldItalic r:id="rId21"/>
-    </p:embeddedFont>
-    <p:embeddedFont>
-      <p:font typeface="Roboto" panose="02000000000000000000" pitchFamily="2" charset="0"/>
       <p:regular r:id="rId22"/>
       <p:bold r:id="rId23"/>
       <p:italic r:id="rId24"/>
       <p:boldItalic r:id="rId25"/>
+    </p:embeddedFont>
+    <p:embeddedFont>
+      <p:font typeface="Roboto" panose="02000000000000000000" pitchFamily="2" charset="0"/>
+      <p:regular r:id="rId26"/>
+      <p:bold r:id="rId27"/>
+      <p:italic r:id="rId28"/>
+      <p:boldItalic r:id="rId29"/>
     </p:embeddedFont>
   </p:embeddedFontLst>
   <p:defaultTextStyle>
@@ -288,7 +292,11 @@
             <p14:sldId id="275"/>
             <p14:sldId id="276"/>
             <p14:sldId id="277"/>
+            <p14:sldId id="280"/>
+            <p14:sldId id="281"/>
+            <p14:sldId id="282"/>
             <p14:sldId id="278"/>
+            <p14:sldId id="265"/>
             <p14:sldId id="279"/>
             <p14:sldId id="266"/>
           </p14:sldIdLst>
@@ -1289,7 +1297,7 @@
     </p:spTree>
     <p:extLst>
       <p:ext uri="{BB962C8B-B14F-4D97-AF65-F5344CB8AC3E}">
-        <p14:creationId xmlns:p14="http://schemas.microsoft.com/office/powerpoint/2010/main" val="3599785151"/>
+        <p14:creationId xmlns:p14="http://schemas.microsoft.com/office/powerpoint/2010/main" val="484625699"/>
       </p:ext>
     </p:extLst>
   </p:cSld>
@@ -1398,6 +1406,437 @@
     </p:spTree>
     <p:extLst>
       <p:ext uri="{BB962C8B-B14F-4D97-AF65-F5344CB8AC3E}">
+        <p14:creationId xmlns:p14="http://schemas.microsoft.com/office/powerpoint/2010/main" val="2933002689"/>
+      </p:ext>
+    </p:extLst>
+  </p:cSld>
+  <p:clrMapOvr>
+    <a:masterClrMapping/>
+  </p:clrMapOvr>
+</p:notes>
+</file>
+
+<file path=ppt/notesSlides/notesSlide15.xml><?xml version="1.0" encoding="utf-8"?>
+<p:notes xmlns:a="http://schemas.openxmlformats.org/drawingml/2006/main" xmlns:r="http://schemas.openxmlformats.org/officeDocument/2006/relationships" xmlns:p="http://schemas.openxmlformats.org/presentationml/2006/main" showMasterSp="0" showMasterPhAnim="0">
+  <p:cSld>
+    <p:spTree>
+      <p:nvGrpSpPr>
+        <p:cNvPr id="1" name="Shape 124"/>
+        <p:cNvGrpSpPr/>
+        <p:nvPr/>
+      </p:nvGrpSpPr>
+      <p:grpSpPr>
+        <a:xfrm>
+          <a:off x="0" y="0"/>
+          <a:ext cx="0" cy="0"/>
+          <a:chOff x="0" y="0"/>
+          <a:chExt cx="0" cy="0"/>
+        </a:xfrm>
+      </p:grpSpPr>
+      <p:sp>
+        <p:nvSpPr>
+          <p:cNvPr id="125" name="Google Shape;125;gdf29b9fb24_0_69:notes"/>
+          <p:cNvSpPr>
+            <a:spLocks noGrp="1" noRot="1" noChangeAspect="1"/>
+          </p:cNvSpPr>
+          <p:nvPr>
+            <p:ph type="sldImg" idx="2"/>
+          </p:nvPr>
+        </p:nvSpPr>
+        <p:spPr>
+          <a:xfrm>
+            <a:off x="381000" y="685800"/>
+            <a:ext cx="6096000" cy="3429000"/>
+          </a:xfrm>
+          <a:custGeom>
+            <a:avLst/>
+            <a:gdLst/>
+            <a:ahLst/>
+            <a:cxnLst/>
+            <a:rect l="l" t="t" r="r" b="b"/>
+            <a:pathLst>
+              <a:path w="120000" h="120000" extrusionOk="0">
+                <a:moveTo>
+                  <a:pt x="0" y="0"/>
+                </a:moveTo>
+                <a:lnTo>
+                  <a:pt x="120000" y="0"/>
+                </a:lnTo>
+                <a:lnTo>
+                  <a:pt x="120000" y="120000"/>
+                </a:lnTo>
+                <a:lnTo>
+                  <a:pt x="0" y="120000"/>
+                </a:lnTo>
+                <a:close/>
+              </a:path>
+            </a:pathLst>
+          </a:custGeom>
+        </p:spPr>
+      </p:sp>
+      <p:sp>
+        <p:nvSpPr>
+          <p:cNvPr id="126" name="Google Shape;126;gdf29b9fb24_0_69:notes"/>
+          <p:cNvSpPr txBox="1">
+            <a:spLocks noGrp="1"/>
+          </p:cNvSpPr>
+          <p:nvPr>
+            <p:ph type="body" idx="1"/>
+          </p:nvPr>
+        </p:nvSpPr>
+        <p:spPr>
+          <a:xfrm>
+            <a:off x="685800" y="4343400"/>
+            <a:ext cx="5486400" cy="4114800"/>
+          </a:xfrm>
+          <a:prstGeom prst="rect">
+            <a:avLst/>
+          </a:prstGeom>
+        </p:spPr>
+        <p:txBody>
+          <a:bodyPr spcFirstLastPara="1" wrap="square" lIns="91425" tIns="91425" rIns="91425" bIns="91425" anchor="t" anchorCtr="0">
+            <a:noAutofit/>
+          </a:bodyPr>
+          <a:lstStyle/>
+          <a:p>
+            <a:pPr marL="0" lvl="0" indent="0" algn="l" rtl="0">
+              <a:spcBef>
+                <a:spcPts val="0"/>
+              </a:spcBef>
+              <a:spcAft>
+                <a:spcPts val="0"/>
+              </a:spcAft>
+              <a:buNone/>
+            </a:pPr>
+            <a:endParaRPr/>
+          </a:p>
+        </p:txBody>
+      </p:sp>
+    </p:spTree>
+    <p:extLst>
+      <p:ext uri="{BB962C8B-B14F-4D97-AF65-F5344CB8AC3E}">
+        <p14:creationId xmlns:p14="http://schemas.microsoft.com/office/powerpoint/2010/main" val="3061914335"/>
+      </p:ext>
+    </p:extLst>
+  </p:cSld>
+  <p:clrMapOvr>
+    <a:masterClrMapping/>
+  </p:clrMapOvr>
+</p:notes>
+</file>
+
+<file path=ppt/notesSlides/notesSlide16.xml><?xml version="1.0" encoding="utf-8"?>
+<p:notes xmlns:a="http://schemas.openxmlformats.org/drawingml/2006/main" xmlns:r="http://schemas.openxmlformats.org/officeDocument/2006/relationships" xmlns:p="http://schemas.openxmlformats.org/presentationml/2006/main" showMasterSp="0" showMasterPhAnim="0">
+  <p:cSld>
+    <p:spTree>
+      <p:nvGrpSpPr>
+        <p:cNvPr id="1" name="Shape 124"/>
+        <p:cNvGrpSpPr/>
+        <p:nvPr/>
+      </p:nvGrpSpPr>
+      <p:grpSpPr>
+        <a:xfrm>
+          <a:off x="0" y="0"/>
+          <a:ext cx="0" cy="0"/>
+          <a:chOff x="0" y="0"/>
+          <a:chExt cx="0" cy="0"/>
+        </a:xfrm>
+      </p:grpSpPr>
+      <p:sp>
+        <p:nvSpPr>
+          <p:cNvPr id="125" name="Google Shape;125;gdf29b9fb24_0_69:notes"/>
+          <p:cNvSpPr>
+            <a:spLocks noGrp="1" noRot="1" noChangeAspect="1"/>
+          </p:cNvSpPr>
+          <p:nvPr>
+            <p:ph type="sldImg" idx="2"/>
+          </p:nvPr>
+        </p:nvSpPr>
+        <p:spPr>
+          <a:xfrm>
+            <a:off x="381000" y="685800"/>
+            <a:ext cx="6096000" cy="3429000"/>
+          </a:xfrm>
+          <a:custGeom>
+            <a:avLst/>
+            <a:gdLst/>
+            <a:ahLst/>
+            <a:cxnLst/>
+            <a:rect l="l" t="t" r="r" b="b"/>
+            <a:pathLst>
+              <a:path w="120000" h="120000" extrusionOk="0">
+                <a:moveTo>
+                  <a:pt x="0" y="0"/>
+                </a:moveTo>
+                <a:lnTo>
+                  <a:pt x="120000" y="0"/>
+                </a:lnTo>
+                <a:lnTo>
+                  <a:pt x="120000" y="120000"/>
+                </a:lnTo>
+                <a:lnTo>
+                  <a:pt x="0" y="120000"/>
+                </a:lnTo>
+                <a:close/>
+              </a:path>
+            </a:pathLst>
+          </a:custGeom>
+        </p:spPr>
+      </p:sp>
+      <p:sp>
+        <p:nvSpPr>
+          <p:cNvPr id="126" name="Google Shape;126;gdf29b9fb24_0_69:notes"/>
+          <p:cNvSpPr txBox="1">
+            <a:spLocks noGrp="1"/>
+          </p:cNvSpPr>
+          <p:nvPr>
+            <p:ph type="body" idx="1"/>
+          </p:nvPr>
+        </p:nvSpPr>
+        <p:spPr>
+          <a:xfrm>
+            <a:off x="685800" y="4343400"/>
+            <a:ext cx="5486400" cy="4114800"/>
+          </a:xfrm>
+          <a:prstGeom prst="rect">
+            <a:avLst/>
+          </a:prstGeom>
+        </p:spPr>
+        <p:txBody>
+          <a:bodyPr spcFirstLastPara="1" wrap="square" lIns="91425" tIns="91425" rIns="91425" bIns="91425" anchor="t" anchorCtr="0">
+            <a:noAutofit/>
+          </a:bodyPr>
+          <a:lstStyle/>
+          <a:p>
+            <a:pPr marL="0" lvl="0" indent="0" algn="l" rtl="0">
+              <a:spcBef>
+                <a:spcPts val="0"/>
+              </a:spcBef>
+              <a:spcAft>
+                <a:spcPts val="0"/>
+              </a:spcAft>
+              <a:buNone/>
+            </a:pPr>
+            <a:endParaRPr/>
+          </a:p>
+        </p:txBody>
+      </p:sp>
+    </p:spTree>
+    <p:extLst>
+      <p:ext uri="{BB962C8B-B14F-4D97-AF65-F5344CB8AC3E}">
+        <p14:creationId xmlns:p14="http://schemas.microsoft.com/office/powerpoint/2010/main" val="3599785151"/>
+      </p:ext>
+    </p:extLst>
+  </p:cSld>
+  <p:clrMapOvr>
+    <a:masterClrMapping/>
+  </p:clrMapOvr>
+</p:notes>
+</file>
+
+<file path=ppt/notesSlides/notesSlide17.xml><?xml version="1.0" encoding="utf-8"?>
+<p:notes xmlns:a="http://schemas.openxmlformats.org/drawingml/2006/main" xmlns:r="http://schemas.openxmlformats.org/officeDocument/2006/relationships" xmlns:p="http://schemas.openxmlformats.org/presentationml/2006/main" showMasterSp="0" showMasterPhAnim="0">
+  <p:cSld>
+    <p:spTree>
+      <p:nvGrpSpPr>
+        <p:cNvPr id="1" name="Shape 137"/>
+        <p:cNvGrpSpPr/>
+        <p:nvPr/>
+      </p:nvGrpSpPr>
+      <p:grpSpPr>
+        <a:xfrm>
+          <a:off x="0" y="0"/>
+          <a:ext cx="0" cy="0"/>
+          <a:chOff x="0" y="0"/>
+          <a:chExt cx="0" cy="0"/>
+        </a:xfrm>
+      </p:grpSpPr>
+      <p:sp>
+        <p:nvSpPr>
+          <p:cNvPr id="138" name="Google Shape;138;gf98075b259_0_51:notes"/>
+          <p:cNvSpPr>
+            <a:spLocks noGrp="1" noRot="1" noChangeAspect="1"/>
+          </p:cNvSpPr>
+          <p:nvPr>
+            <p:ph type="sldImg" idx="2"/>
+          </p:nvPr>
+        </p:nvSpPr>
+        <p:spPr>
+          <a:xfrm>
+            <a:off x="381000" y="685800"/>
+            <a:ext cx="6096000" cy="3429000"/>
+          </a:xfrm>
+          <a:custGeom>
+            <a:avLst/>
+            <a:gdLst/>
+            <a:ahLst/>
+            <a:cxnLst/>
+            <a:rect l="l" t="t" r="r" b="b"/>
+            <a:pathLst>
+              <a:path w="120000" h="120000" extrusionOk="0">
+                <a:moveTo>
+                  <a:pt x="0" y="0"/>
+                </a:moveTo>
+                <a:lnTo>
+                  <a:pt x="120000" y="0"/>
+                </a:lnTo>
+                <a:lnTo>
+                  <a:pt x="120000" y="120000"/>
+                </a:lnTo>
+                <a:lnTo>
+                  <a:pt x="0" y="120000"/>
+                </a:lnTo>
+                <a:close/>
+              </a:path>
+            </a:pathLst>
+          </a:custGeom>
+        </p:spPr>
+      </p:sp>
+      <p:sp>
+        <p:nvSpPr>
+          <p:cNvPr id="139" name="Google Shape;139;gf98075b259_0_51:notes"/>
+          <p:cNvSpPr txBox="1">
+            <a:spLocks noGrp="1"/>
+          </p:cNvSpPr>
+          <p:nvPr>
+            <p:ph type="body" idx="1"/>
+          </p:nvPr>
+        </p:nvSpPr>
+        <p:spPr>
+          <a:xfrm>
+            <a:off x="685800" y="4343400"/>
+            <a:ext cx="5486400" cy="4114800"/>
+          </a:xfrm>
+          <a:prstGeom prst="rect">
+            <a:avLst/>
+          </a:prstGeom>
+        </p:spPr>
+        <p:txBody>
+          <a:bodyPr spcFirstLastPara="1" wrap="square" lIns="91425" tIns="91425" rIns="91425" bIns="91425" anchor="t" anchorCtr="0">
+            <a:noAutofit/>
+          </a:bodyPr>
+          <a:lstStyle/>
+          <a:p>
+            <a:pPr marL="0" lvl="0" indent="0" algn="l" rtl="0">
+              <a:spcBef>
+                <a:spcPts val="0"/>
+              </a:spcBef>
+              <a:spcAft>
+                <a:spcPts val="0"/>
+              </a:spcAft>
+              <a:buNone/>
+            </a:pPr>
+            <a:endParaRPr/>
+          </a:p>
+        </p:txBody>
+      </p:sp>
+    </p:spTree>
+  </p:cSld>
+  <p:clrMapOvr>
+    <a:masterClrMapping/>
+  </p:clrMapOvr>
+</p:notes>
+</file>
+
+<file path=ppt/notesSlides/notesSlide18.xml><?xml version="1.0" encoding="utf-8"?>
+<p:notes xmlns:a="http://schemas.openxmlformats.org/drawingml/2006/main" xmlns:r="http://schemas.openxmlformats.org/officeDocument/2006/relationships" xmlns:p="http://schemas.openxmlformats.org/presentationml/2006/main" showMasterSp="0" showMasterPhAnim="0">
+  <p:cSld>
+    <p:spTree>
+      <p:nvGrpSpPr>
+        <p:cNvPr id="1" name="Shape 124"/>
+        <p:cNvGrpSpPr/>
+        <p:nvPr/>
+      </p:nvGrpSpPr>
+      <p:grpSpPr>
+        <a:xfrm>
+          <a:off x="0" y="0"/>
+          <a:ext cx="0" cy="0"/>
+          <a:chOff x="0" y="0"/>
+          <a:chExt cx="0" cy="0"/>
+        </a:xfrm>
+      </p:grpSpPr>
+      <p:sp>
+        <p:nvSpPr>
+          <p:cNvPr id="125" name="Google Shape;125;gdf29b9fb24_0_69:notes"/>
+          <p:cNvSpPr>
+            <a:spLocks noGrp="1" noRot="1" noChangeAspect="1"/>
+          </p:cNvSpPr>
+          <p:nvPr>
+            <p:ph type="sldImg" idx="2"/>
+          </p:nvPr>
+        </p:nvSpPr>
+        <p:spPr>
+          <a:xfrm>
+            <a:off x="381000" y="685800"/>
+            <a:ext cx="6096000" cy="3429000"/>
+          </a:xfrm>
+          <a:custGeom>
+            <a:avLst/>
+            <a:gdLst/>
+            <a:ahLst/>
+            <a:cxnLst/>
+            <a:rect l="l" t="t" r="r" b="b"/>
+            <a:pathLst>
+              <a:path w="120000" h="120000" extrusionOk="0">
+                <a:moveTo>
+                  <a:pt x="0" y="0"/>
+                </a:moveTo>
+                <a:lnTo>
+                  <a:pt x="120000" y="0"/>
+                </a:lnTo>
+                <a:lnTo>
+                  <a:pt x="120000" y="120000"/>
+                </a:lnTo>
+                <a:lnTo>
+                  <a:pt x="0" y="120000"/>
+                </a:lnTo>
+                <a:close/>
+              </a:path>
+            </a:pathLst>
+          </a:custGeom>
+        </p:spPr>
+      </p:sp>
+      <p:sp>
+        <p:nvSpPr>
+          <p:cNvPr id="126" name="Google Shape;126;gdf29b9fb24_0_69:notes"/>
+          <p:cNvSpPr txBox="1">
+            <a:spLocks noGrp="1"/>
+          </p:cNvSpPr>
+          <p:nvPr>
+            <p:ph type="body" idx="1"/>
+          </p:nvPr>
+        </p:nvSpPr>
+        <p:spPr>
+          <a:xfrm>
+            <a:off x="685800" y="4343400"/>
+            <a:ext cx="5486400" cy="4114800"/>
+          </a:xfrm>
+          <a:prstGeom prst="rect">
+            <a:avLst/>
+          </a:prstGeom>
+        </p:spPr>
+        <p:txBody>
+          <a:bodyPr spcFirstLastPara="1" wrap="square" lIns="91425" tIns="91425" rIns="91425" bIns="91425" anchor="t" anchorCtr="0">
+            <a:noAutofit/>
+          </a:bodyPr>
+          <a:lstStyle/>
+          <a:p>
+            <a:pPr marL="0" lvl="0" indent="0" algn="l" rtl="0">
+              <a:spcBef>
+                <a:spcPts val="0"/>
+              </a:spcBef>
+              <a:spcAft>
+                <a:spcPts val="0"/>
+              </a:spcAft>
+              <a:buNone/>
+            </a:pPr>
+            <a:endParaRPr/>
+          </a:p>
+        </p:txBody>
+      </p:sp>
+    </p:spTree>
+    <p:extLst>
+      <p:ext uri="{BB962C8B-B14F-4D97-AF65-F5344CB8AC3E}">
         <p14:creationId xmlns:p14="http://schemas.microsoft.com/office/powerpoint/2010/main" val="976011198"/>
       </p:ext>
     </p:extLst>
@@ -1408,7 +1847,7 @@
 </p:notes>
 </file>
 
-<file path=ppt/notesSlides/notesSlide15.xml><?xml version="1.0" encoding="utf-8"?>
+<file path=ppt/notesSlides/notesSlide19.xml><?xml version="1.0" encoding="utf-8"?>
 <p:notes xmlns:a="http://schemas.openxmlformats.org/drawingml/2006/main" xmlns:r="http://schemas.openxmlformats.org/officeDocument/2006/relationships" xmlns:p="http://schemas.openxmlformats.org/presentationml/2006/main" showMasterSp="0" showMasterPhAnim="0">
   <p:cSld>
     <p:spTree>
@@ -9635,7 +10074,7 @@
         <p:spPr>
           <a:xfrm>
             <a:off x="408137" y="0"/>
-            <a:ext cx="8520600" cy="389123"/>
+            <a:ext cx="8520600" cy="306421"/>
           </a:xfrm>
           <a:prstGeom prst="rect">
             <a:avLst/>
@@ -9657,10 +10096,10 @@
               <a:buNone/>
             </a:pPr>
             <a:r>
-              <a:rPr lang="ru" sz="3000" dirty="0"/>
+              <a:rPr lang="ru" sz="2400" dirty="0"/>
               <a:t>Что получилось</a:t>
             </a:r>
-            <a:endParaRPr sz="3000" dirty="0"/>
+            <a:endParaRPr sz="2400" dirty="0"/>
           </a:p>
         </p:txBody>
       </p:sp>
@@ -9705,8 +10144,8 @@
         </p:nvSpPr>
         <p:spPr>
           <a:xfrm>
-            <a:off x="360002" y="496074"/>
-            <a:ext cx="4654607" cy="4616648"/>
+            <a:off x="296772" y="393934"/>
+            <a:ext cx="4654607" cy="4939814"/>
           </a:xfrm>
           <a:prstGeom prst="rect">
             <a:avLst/>
@@ -9799,6 +10238,18 @@
           <a:p>
             <a:r>
               <a:rPr lang="en-US" sz="1050" dirty="0"/>
+              <a:t>       </a:t>
+            </a:r>
+          </a:p>
+          <a:p>
+            <a:r>
+              <a:rPr lang="en-US" sz="1050" dirty="0"/>
+              <a:t>  --============= index ============================      </a:t>
+            </a:r>
+          </a:p>
+          <a:p>
+            <a:r>
+              <a:rPr lang="en-US" sz="1050" dirty="0"/>
               <a:t>        ,_</a:t>
             </a:r>
             <a:r>
@@ -10071,13 +10522,7 @@
           <a:p>
             <a:r>
               <a:rPr lang="en-US" sz="1050" dirty="0"/>
-              <a:t>    )</a:t>
-            </a:r>
-          </a:p>
-          <a:p>
-            <a:r>
-              <a:rPr lang="en-US" sz="1050" dirty="0"/>
-              <a:t>    ;</a:t>
+              <a:t>    );</a:t>
             </a:r>
             <a:endParaRPr lang="en-US" sz="900" dirty="0"/>
           </a:p>
@@ -10667,8 +11112,8 @@
         </p:nvSpPr>
         <p:spPr>
           <a:xfrm>
-            <a:off x="217555" y="1770435"/>
-            <a:ext cx="3351180" cy="3416320"/>
+            <a:off x="217555" y="1712069"/>
+            <a:ext cx="3351180" cy="3385542"/>
           </a:xfrm>
           <a:prstGeom prst="rect">
             <a:avLst/>
@@ -10918,6 +11363,41 @@
               </a:rPr>
               <a:t>'public'</a:t>
             </a:r>
+          </a:p>
+          <a:p>
+            <a:pPr marL="0" marR="0">
+              <a:spcBef>
+                <a:spcPts val="0"/>
+              </a:spcBef>
+              <a:spcAft>
+                <a:spcPts val="0"/>
+              </a:spcAft>
+            </a:pPr>
+            <a:endParaRPr lang="ru-RU" sz="700" b="1" dirty="0">
+              <a:solidFill>
+                <a:srgbClr val="008000"/>
+              </a:solidFill>
+              <a:effectLst/>
+              <a:highlight>
+                <a:srgbClr val="FFFFFF"/>
+              </a:highlight>
+              <a:latin typeface="Consolas" panose="020B0609020204030204" pitchFamily="49" charset="0"/>
+            </a:endParaRPr>
+          </a:p>
+          <a:p>
+            <a:r>
+              <a:rPr lang="en-US" sz="700" dirty="0">
+                <a:solidFill>
+                  <a:srgbClr val="808080"/>
+                </a:solidFill>
+                <a:effectLst/>
+                <a:highlight>
+                  <a:srgbClr val="FFFFFF"/>
+                </a:highlight>
+                <a:latin typeface="Consolas" panose="020B0609020204030204" pitchFamily="49" charset="0"/>
+              </a:rPr>
+              <a:t>--=============index============================</a:t>
+            </a:r>
             <a:endParaRPr lang="en-US" sz="700" dirty="0">
               <a:solidFill>
                 <a:srgbClr val="000000"/>
@@ -11062,26 +11542,6 @@
               </a:rPr>
               <a:t>'dt'</a:t>
             </a:r>
-            <a:endParaRPr lang="en-US" sz="700" dirty="0">
-              <a:solidFill>
-                <a:srgbClr val="000000"/>
-              </a:solidFill>
-              <a:effectLst/>
-              <a:highlight>
-                <a:srgbClr val="FFFFFF"/>
-              </a:highlight>
-              <a:latin typeface="Consolas" panose="020B0609020204030204" pitchFamily="49" charset="0"/>
-            </a:endParaRPr>
-          </a:p>
-          <a:p>
-            <a:pPr marL="0" marR="0">
-              <a:spcBef>
-                <a:spcPts val="0"/>
-              </a:spcBef>
-              <a:spcAft>
-                <a:spcPts val="0"/>
-              </a:spcAft>
-            </a:pPr>
             <a:br>
               <a:rPr lang="en-US" sz="700" dirty="0">
                 <a:solidFill>
@@ -11295,8 +11755,28 @@
                 </a:highlight>
                 <a:latin typeface="Consolas" panose="020B0609020204030204" pitchFamily="49" charset="0"/>
               </a:rPr>
-              <a:t>'</a:t>
-            </a:r>
+              <a:t>’</a:t>
+            </a:r>
+            <a:endParaRPr lang="ru-RU" sz="700" b="1" dirty="0">
+              <a:solidFill>
+                <a:srgbClr val="008000"/>
+              </a:solidFill>
+              <a:effectLst/>
+              <a:highlight>
+                <a:srgbClr val="FFFFFF"/>
+              </a:highlight>
+              <a:latin typeface="Consolas" panose="020B0609020204030204" pitchFamily="49" charset="0"/>
+            </a:endParaRPr>
+          </a:p>
+          <a:p>
+            <a:pPr marL="0" marR="0">
+              <a:spcBef>
+                <a:spcPts val="0"/>
+              </a:spcBef>
+              <a:spcAft>
+                <a:spcPts val="0"/>
+              </a:spcAft>
+            </a:pPr>
             <a:endParaRPr lang="en-US" sz="700" dirty="0">
               <a:solidFill>
                 <a:srgbClr val="000000"/>
@@ -11814,26 +12294,6 @@
               </a:rPr>
               <a:t>FALSE</a:t>
             </a:r>
-            <a:endParaRPr lang="en-US" sz="700" dirty="0">
-              <a:solidFill>
-                <a:srgbClr val="000000"/>
-              </a:solidFill>
-              <a:effectLst/>
-              <a:highlight>
-                <a:srgbClr val="FFFFFF"/>
-              </a:highlight>
-              <a:latin typeface="Consolas" panose="020B0609020204030204" pitchFamily="49" charset="0"/>
-            </a:endParaRPr>
-          </a:p>
-          <a:p>
-            <a:pPr marL="0" marR="0">
-              <a:spcBef>
-                <a:spcPts val="0"/>
-              </a:spcBef>
-              <a:spcAft>
-                <a:spcPts val="0"/>
-              </a:spcAft>
-            </a:pPr>
             <a:br>
               <a:rPr lang="en-US" sz="700" dirty="0">
                 <a:solidFill>
@@ -12324,18 +12784,6 @@
               </a:rPr>
               <a:t>;</a:t>
             </a:r>
-            <a:endParaRPr lang="en-US" sz="700" dirty="0">
-              <a:solidFill>
-                <a:srgbClr val="000000"/>
-              </a:solidFill>
-              <a:effectLst/>
-              <a:highlight>
-                <a:srgbClr val="FFFFFF"/>
-              </a:highlight>
-              <a:latin typeface="Consolas" panose="020B0609020204030204" pitchFamily="49" charset="0"/>
-            </a:endParaRPr>
-          </a:p>
-          <a:p>
             <a:endParaRPr lang="en-US" sz="900" dirty="0">
               <a:solidFill>
                 <a:srgbClr val="CCCCCC"/>
@@ -14585,6 +15033,4536 @@
         <p:spPr>
           <a:xfrm>
             <a:off x="408137" y="1"/>
+            <a:ext cx="5598693" cy="330740"/>
+          </a:xfrm>
+          <a:prstGeom prst="rect">
+            <a:avLst/>
+          </a:prstGeom>
+        </p:spPr>
+        <p:txBody>
+          <a:bodyPr spcFirstLastPara="1" wrap="square" lIns="91425" tIns="91425" rIns="91425" bIns="91425" anchor="t" anchorCtr="0">
+            <a:noAutofit/>
+          </a:bodyPr>
+          <a:lstStyle/>
+          <a:p>
+            <a:pPr marL="0" lvl="0" indent="0" algn="l" rtl="0">
+              <a:spcBef>
+                <a:spcPts val="0"/>
+              </a:spcBef>
+              <a:spcAft>
+                <a:spcPts val="0"/>
+              </a:spcAft>
+              <a:buNone/>
+            </a:pPr>
+            <a:r>
+              <a:rPr lang="ru-RU" sz="1400" dirty="0"/>
+              <a:t>Релокация данных и создание новых секций схематично</a:t>
+            </a:r>
+            <a:endParaRPr sz="1400" dirty="0"/>
+          </a:p>
+        </p:txBody>
+      </p:sp>
+      <p:grpSp>
+        <p:nvGrpSpPr>
+          <p:cNvPr id="252" name="Группа 251">
+            <a:extLst>
+              <a:ext uri="{FF2B5EF4-FFF2-40B4-BE49-F238E27FC236}">
+                <a16:creationId xmlns:a16="http://schemas.microsoft.com/office/drawing/2014/main" id="{E1FCE352-8279-BEDB-64E0-94D77D059C46}"/>
+              </a:ext>
+            </a:extLst>
+          </p:cNvPr>
+          <p:cNvGrpSpPr/>
+          <p:nvPr/>
+        </p:nvGrpSpPr>
+        <p:grpSpPr>
+          <a:xfrm>
+            <a:off x="1211093" y="1589695"/>
+            <a:ext cx="1153539" cy="1131648"/>
+            <a:chOff x="1211093" y="1787463"/>
+            <a:chExt cx="1153539" cy="1131648"/>
+          </a:xfrm>
+        </p:grpSpPr>
+        <p:sp>
+          <p:nvSpPr>
+            <p:cNvPr id="5" name="Прямоугольник 4">
+              <a:extLst>
+                <a:ext uri="{FF2B5EF4-FFF2-40B4-BE49-F238E27FC236}">
+                  <a16:creationId xmlns:a16="http://schemas.microsoft.com/office/drawing/2014/main" id="{8716197C-D984-E8EC-7AE2-352F2565BD1F}"/>
+                </a:ext>
+              </a:extLst>
+            </p:cNvPr>
+            <p:cNvSpPr/>
+            <p:nvPr/>
+          </p:nvSpPr>
+          <p:spPr>
+            <a:xfrm>
+              <a:off x="1211094" y="1787463"/>
+              <a:ext cx="374515" cy="369651"/>
+            </a:xfrm>
+            <a:prstGeom prst="rect">
+              <a:avLst/>
+            </a:prstGeom>
+          </p:spPr>
+          <p:style>
+            <a:lnRef idx="2">
+              <a:schemeClr val="accent1">
+                <a:shade val="15000"/>
+              </a:schemeClr>
+            </a:lnRef>
+            <a:fillRef idx="1">
+              <a:schemeClr val="accent1"/>
+            </a:fillRef>
+            <a:effectRef idx="0">
+              <a:schemeClr val="accent1"/>
+            </a:effectRef>
+            <a:fontRef idx="minor">
+              <a:schemeClr val="lt1"/>
+            </a:fontRef>
+          </p:style>
+          <p:txBody>
+            <a:bodyPr rtlCol="0" anchor="ctr"/>
+            <a:lstStyle/>
+            <a:p>
+              <a:pPr algn="ctr"/>
+              <a:r>
+                <a:rPr lang="en-US" dirty="0"/>
+                <a:t>1</a:t>
+              </a:r>
+              <a:endParaRPr lang="ru-RU" dirty="0"/>
+            </a:p>
+          </p:txBody>
+        </p:sp>
+        <p:sp>
+          <p:nvSpPr>
+            <p:cNvPr id="7" name="Прямоугольник 6">
+              <a:extLst>
+                <a:ext uri="{FF2B5EF4-FFF2-40B4-BE49-F238E27FC236}">
+                  <a16:creationId xmlns:a16="http://schemas.microsoft.com/office/drawing/2014/main" id="{42D86C5E-6F24-1493-E925-F66A7AEFDA7B}"/>
+                </a:ext>
+              </a:extLst>
+            </p:cNvPr>
+            <p:cNvSpPr/>
+            <p:nvPr/>
+          </p:nvSpPr>
+          <p:spPr>
+            <a:xfrm>
+              <a:off x="1598579" y="1787463"/>
+              <a:ext cx="374515" cy="369651"/>
+            </a:xfrm>
+            <a:prstGeom prst="rect">
+              <a:avLst/>
+            </a:prstGeom>
+          </p:spPr>
+          <p:style>
+            <a:lnRef idx="2">
+              <a:schemeClr val="accent1">
+                <a:shade val="15000"/>
+              </a:schemeClr>
+            </a:lnRef>
+            <a:fillRef idx="1">
+              <a:schemeClr val="accent1"/>
+            </a:fillRef>
+            <a:effectRef idx="0">
+              <a:schemeClr val="accent1"/>
+            </a:effectRef>
+            <a:fontRef idx="minor">
+              <a:schemeClr val="lt1"/>
+            </a:fontRef>
+          </p:style>
+          <p:txBody>
+            <a:bodyPr rtlCol="0" anchor="ctr"/>
+            <a:lstStyle/>
+            <a:p>
+              <a:pPr algn="ctr"/>
+              <a:r>
+                <a:rPr lang="en-US" dirty="0"/>
+                <a:t>2</a:t>
+              </a:r>
+              <a:endParaRPr lang="ru-RU" dirty="0"/>
+            </a:p>
+          </p:txBody>
+        </p:sp>
+        <p:sp>
+          <p:nvSpPr>
+            <p:cNvPr id="8" name="Прямоугольник 7">
+              <a:extLst>
+                <a:ext uri="{FF2B5EF4-FFF2-40B4-BE49-F238E27FC236}">
+                  <a16:creationId xmlns:a16="http://schemas.microsoft.com/office/drawing/2014/main" id="{1B40A230-B763-9CAB-08DA-2FD52BB94565}"/>
+                </a:ext>
+              </a:extLst>
+            </p:cNvPr>
+            <p:cNvSpPr/>
+            <p:nvPr/>
+          </p:nvSpPr>
+          <p:spPr>
+            <a:xfrm>
+              <a:off x="1990117" y="1787463"/>
+              <a:ext cx="374515" cy="369651"/>
+            </a:xfrm>
+            <a:prstGeom prst="rect">
+              <a:avLst/>
+            </a:prstGeom>
+          </p:spPr>
+          <p:style>
+            <a:lnRef idx="2">
+              <a:schemeClr val="accent1">
+                <a:shade val="15000"/>
+              </a:schemeClr>
+            </a:lnRef>
+            <a:fillRef idx="1">
+              <a:schemeClr val="accent1"/>
+            </a:fillRef>
+            <a:effectRef idx="0">
+              <a:schemeClr val="accent1"/>
+            </a:effectRef>
+            <a:fontRef idx="minor">
+              <a:schemeClr val="lt1"/>
+            </a:fontRef>
+          </p:style>
+          <p:txBody>
+            <a:bodyPr rtlCol="0" anchor="ctr"/>
+            <a:lstStyle/>
+            <a:p>
+              <a:pPr algn="ctr"/>
+              <a:r>
+                <a:rPr lang="en-US" dirty="0"/>
+                <a:t>3</a:t>
+              </a:r>
+              <a:endParaRPr lang="ru-RU" dirty="0"/>
+            </a:p>
+          </p:txBody>
+        </p:sp>
+        <p:sp>
+          <p:nvSpPr>
+            <p:cNvPr id="9" name="Прямоугольник 8">
+              <a:extLst>
+                <a:ext uri="{FF2B5EF4-FFF2-40B4-BE49-F238E27FC236}">
+                  <a16:creationId xmlns:a16="http://schemas.microsoft.com/office/drawing/2014/main" id="{362F5BCC-5C36-1BFB-72AD-B15EF3919D05}"/>
+                </a:ext>
+              </a:extLst>
+            </p:cNvPr>
+            <p:cNvSpPr/>
+            <p:nvPr/>
+          </p:nvSpPr>
+          <p:spPr>
+            <a:xfrm>
+              <a:off x="1211093" y="2168461"/>
+              <a:ext cx="374515" cy="369651"/>
+            </a:xfrm>
+            <a:prstGeom prst="rect">
+              <a:avLst/>
+            </a:prstGeom>
+          </p:spPr>
+          <p:style>
+            <a:lnRef idx="2">
+              <a:schemeClr val="accent1">
+                <a:shade val="15000"/>
+              </a:schemeClr>
+            </a:lnRef>
+            <a:fillRef idx="1">
+              <a:schemeClr val="accent1"/>
+            </a:fillRef>
+            <a:effectRef idx="0">
+              <a:schemeClr val="accent1"/>
+            </a:effectRef>
+            <a:fontRef idx="minor">
+              <a:schemeClr val="lt1"/>
+            </a:fontRef>
+          </p:style>
+          <p:txBody>
+            <a:bodyPr rtlCol="0" anchor="ctr"/>
+            <a:lstStyle/>
+            <a:p>
+              <a:pPr algn="ctr"/>
+              <a:r>
+                <a:rPr lang="en-US" dirty="0"/>
+                <a:t>4</a:t>
+              </a:r>
+              <a:endParaRPr lang="ru-RU" dirty="0"/>
+            </a:p>
+          </p:txBody>
+        </p:sp>
+        <p:sp>
+          <p:nvSpPr>
+            <p:cNvPr id="11" name="Прямоугольник 10">
+              <a:extLst>
+                <a:ext uri="{FF2B5EF4-FFF2-40B4-BE49-F238E27FC236}">
+                  <a16:creationId xmlns:a16="http://schemas.microsoft.com/office/drawing/2014/main" id="{FD508D6A-E205-2780-49BF-51A0133362A8}"/>
+                </a:ext>
+              </a:extLst>
+            </p:cNvPr>
+            <p:cNvSpPr/>
+            <p:nvPr/>
+          </p:nvSpPr>
+          <p:spPr>
+            <a:xfrm>
+              <a:off x="1607090" y="2168462"/>
+              <a:ext cx="374515" cy="369651"/>
+            </a:xfrm>
+            <a:prstGeom prst="rect">
+              <a:avLst/>
+            </a:prstGeom>
+          </p:spPr>
+          <p:style>
+            <a:lnRef idx="2">
+              <a:schemeClr val="accent1">
+                <a:shade val="15000"/>
+              </a:schemeClr>
+            </a:lnRef>
+            <a:fillRef idx="1">
+              <a:schemeClr val="accent1"/>
+            </a:fillRef>
+            <a:effectRef idx="0">
+              <a:schemeClr val="accent1"/>
+            </a:effectRef>
+            <a:fontRef idx="minor">
+              <a:schemeClr val="lt1"/>
+            </a:fontRef>
+          </p:style>
+          <p:txBody>
+            <a:bodyPr rtlCol="0" anchor="ctr"/>
+            <a:lstStyle/>
+            <a:p>
+              <a:pPr algn="ctr"/>
+              <a:r>
+                <a:rPr lang="en-US" dirty="0"/>
+                <a:t>5</a:t>
+              </a:r>
+              <a:endParaRPr lang="ru-RU" dirty="0"/>
+            </a:p>
+          </p:txBody>
+        </p:sp>
+        <p:sp>
+          <p:nvSpPr>
+            <p:cNvPr id="12" name="Прямоугольник 11">
+              <a:extLst>
+                <a:ext uri="{FF2B5EF4-FFF2-40B4-BE49-F238E27FC236}">
+                  <a16:creationId xmlns:a16="http://schemas.microsoft.com/office/drawing/2014/main" id="{5D4EBE83-42BC-7E3A-817E-3176211B25C4}"/>
+                </a:ext>
+              </a:extLst>
+            </p:cNvPr>
+            <p:cNvSpPr/>
+            <p:nvPr/>
+          </p:nvSpPr>
+          <p:spPr>
+            <a:xfrm>
+              <a:off x="1990117" y="2168462"/>
+              <a:ext cx="374515" cy="369651"/>
+            </a:xfrm>
+            <a:prstGeom prst="rect">
+              <a:avLst/>
+            </a:prstGeom>
+          </p:spPr>
+          <p:style>
+            <a:lnRef idx="2">
+              <a:schemeClr val="accent1">
+                <a:shade val="15000"/>
+              </a:schemeClr>
+            </a:lnRef>
+            <a:fillRef idx="1">
+              <a:schemeClr val="accent1"/>
+            </a:fillRef>
+            <a:effectRef idx="0">
+              <a:schemeClr val="accent1"/>
+            </a:effectRef>
+            <a:fontRef idx="minor">
+              <a:schemeClr val="lt1"/>
+            </a:fontRef>
+          </p:style>
+          <p:txBody>
+            <a:bodyPr rtlCol="0" anchor="ctr"/>
+            <a:lstStyle/>
+            <a:p>
+              <a:pPr algn="ctr"/>
+              <a:r>
+                <a:rPr lang="en-US" dirty="0"/>
+                <a:t>6</a:t>
+              </a:r>
+              <a:endParaRPr lang="ru-RU" dirty="0"/>
+            </a:p>
+          </p:txBody>
+        </p:sp>
+        <p:sp>
+          <p:nvSpPr>
+            <p:cNvPr id="21" name="Прямоугольник 20">
+              <a:extLst>
+                <a:ext uri="{FF2B5EF4-FFF2-40B4-BE49-F238E27FC236}">
+                  <a16:creationId xmlns:a16="http://schemas.microsoft.com/office/drawing/2014/main" id="{6846E50F-D576-1737-F7FB-27E4652288F6}"/>
+                </a:ext>
+              </a:extLst>
+            </p:cNvPr>
+            <p:cNvSpPr/>
+            <p:nvPr/>
+          </p:nvSpPr>
+          <p:spPr>
+            <a:xfrm>
+              <a:off x="1211093" y="2549459"/>
+              <a:ext cx="374515" cy="369651"/>
+            </a:xfrm>
+            <a:prstGeom prst="rect">
+              <a:avLst/>
+            </a:prstGeom>
+          </p:spPr>
+          <p:style>
+            <a:lnRef idx="2">
+              <a:schemeClr val="accent1">
+                <a:shade val="15000"/>
+              </a:schemeClr>
+            </a:lnRef>
+            <a:fillRef idx="1">
+              <a:schemeClr val="accent1"/>
+            </a:fillRef>
+            <a:effectRef idx="0">
+              <a:schemeClr val="accent1"/>
+            </a:effectRef>
+            <a:fontRef idx="minor">
+              <a:schemeClr val="lt1"/>
+            </a:fontRef>
+          </p:style>
+          <p:txBody>
+            <a:bodyPr rtlCol="0" anchor="ctr"/>
+            <a:lstStyle/>
+            <a:p>
+              <a:pPr algn="ctr"/>
+              <a:r>
+                <a:rPr lang="en-US" dirty="0"/>
+                <a:t>7</a:t>
+              </a:r>
+              <a:endParaRPr lang="ru-RU" dirty="0"/>
+            </a:p>
+          </p:txBody>
+        </p:sp>
+        <p:sp>
+          <p:nvSpPr>
+            <p:cNvPr id="23" name="Прямоугольник 22">
+              <a:extLst>
+                <a:ext uri="{FF2B5EF4-FFF2-40B4-BE49-F238E27FC236}">
+                  <a16:creationId xmlns:a16="http://schemas.microsoft.com/office/drawing/2014/main" id="{9EB7493E-38C0-2010-075E-441D91B9F9D2}"/>
+                </a:ext>
+              </a:extLst>
+            </p:cNvPr>
+            <p:cNvSpPr/>
+            <p:nvPr/>
+          </p:nvSpPr>
+          <p:spPr>
+            <a:xfrm>
+              <a:off x="1607090" y="2549460"/>
+              <a:ext cx="374515" cy="369651"/>
+            </a:xfrm>
+            <a:prstGeom prst="rect">
+              <a:avLst/>
+            </a:prstGeom>
+          </p:spPr>
+          <p:style>
+            <a:lnRef idx="2">
+              <a:schemeClr val="accent1">
+                <a:shade val="15000"/>
+              </a:schemeClr>
+            </a:lnRef>
+            <a:fillRef idx="1">
+              <a:schemeClr val="accent1"/>
+            </a:fillRef>
+            <a:effectRef idx="0">
+              <a:schemeClr val="accent1"/>
+            </a:effectRef>
+            <a:fontRef idx="minor">
+              <a:schemeClr val="lt1"/>
+            </a:fontRef>
+          </p:style>
+          <p:txBody>
+            <a:bodyPr rtlCol="0" anchor="ctr"/>
+            <a:lstStyle/>
+            <a:p>
+              <a:pPr algn="ctr"/>
+              <a:r>
+                <a:rPr lang="en-US" dirty="0"/>
+                <a:t>8</a:t>
+              </a:r>
+              <a:endParaRPr lang="ru-RU" dirty="0"/>
+            </a:p>
+          </p:txBody>
+        </p:sp>
+        <p:sp>
+          <p:nvSpPr>
+            <p:cNvPr id="25" name="Прямоугольник 24">
+              <a:extLst>
+                <a:ext uri="{FF2B5EF4-FFF2-40B4-BE49-F238E27FC236}">
+                  <a16:creationId xmlns:a16="http://schemas.microsoft.com/office/drawing/2014/main" id="{E8D30056-0990-7228-9E66-9056F08D4DBF}"/>
+                </a:ext>
+              </a:extLst>
+            </p:cNvPr>
+            <p:cNvSpPr/>
+            <p:nvPr/>
+          </p:nvSpPr>
+          <p:spPr>
+            <a:xfrm>
+              <a:off x="1990117" y="2549460"/>
+              <a:ext cx="374515" cy="369651"/>
+            </a:xfrm>
+            <a:prstGeom prst="rect">
+              <a:avLst/>
+            </a:prstGeom>
+          </p:spPr>
+          <p:style>
+            <a:lnRef idx="2">
+              <a:schemeClr val="accent1">
+                <a:shade val="15000"/>
+              </a:schemeClr>
+            </a:lnRef>
+            <a:fillRef idx="1">
+              <a:schemeClr val="accent1"/>
+            </a:fillRef>
+            <a:effectRef idx="0">
+              <a:schemeClr val="accent1"/>
+            </a:effectRef>
+            <a:fontRef idx="minor">
+              <a:schemeClr val="lt1"/>
+            </a:fontRef>
+          </p:style>
+          <p:txBody>
+            <a:bodyPr rtlCol="0" anchor="ctr"/>
+            <a:lstStyle/>
+            <a:p>
+              <a:pPr algn="ctr"/>
+              <a:r>
+                <a:rPr lang="en-US" dirty="0"/>
+                <a:t>9</a:t>
+              </a:r>
+              <a:endParaRPr lang="ru-RU" dirty="0"/>
+            </a:p>
+          </p:txBody>
+        </p:sp>
+      </p:grpSp>
+      <p:sp>
+        <p:nvSpPr>
+          <p:cNvPr id="29" name="TextBox 28">
+            <a:extLst>
+              <a:ext uri="{FF2B5EF4-FFF2-40B4-BE49-F238E27FC236}">
+                <a16:creationId xmlns:a16="http://schemas.microsoft.com/office/drawing/2014/main" id="{EC687695-232E-F5CC-53AE-32E914FAEA5C}"/>
+              </a:ext>
+            </a:extLst>
+          </p:cNvPr>
+          <p:cNvSpPr txBox="1"/>
+          <p:nvPr/>
+        </p:nvSpPr>
+        <p:spPr>
+          <a:xfrm>
+            <a:off x="408137" y="330741"/>
+            <a:ext cx="5078634" cy="938719"/>
+          </a:xfrm>
+          <a:prstGeom prst="rect">
+            <a:avLst/>
+          </a:prstGeom>
+          <a:noFill/>
+        </p:spPr>
+        <p:txBody>
+          <a:bodyPr wrap="none" rtlCol="0">
+            <a:spAutoFit/>
+          </a:bodyPr>
+          <a:lstStyle/>
+          <a:p>
+            <a:r>
+              <a:rPr lang="ru-RU" sz="1100" b="1" dirty="0"/>
+              <a:t>1</a:t>
+            </a:r>
+            <a:r>
+              <a:rPr lang="ru-RU" sz="1050" dirty="0"/>
+              <a:t>.</a:t>
+            </a:r>
+            <a:r>
+              <a:rPr lang="ru-RU" sz="1100" dirty="0"/>
+              <a:t> Есть секционированная таблица, которая хранит данные за 9 месяцев. </a:t>
+            </a:r>
+          </a:p>
+          <a:p>
+            <a:r>
+              <a:rPr lang="ru-RU" sz="1100" dirty="0"/>
+              <a:t>Секции ежемесячные. Необходимо</a:t>
+            </a:r>
+            <a:r>
+              <a:rPr lang="en-US" sz="1100" dirty="0"/>
+              <a:t>:</a:t>
+            </a:r>
+            <a:endParaRPr lang="ru-RU" sz="1100" dirty="0"/>
+          </a:p>
+          <a:p>
+            <a:pPr marL="285750" indent="-285750">
+              <a:buFont typeface="Arial" panose="020B0604020202020204" pitchFamily="34" charset="0"/>
+              <a:buChar char="•"/>
+            </a:pPr>
+            <a:r>
+              <a:rPr lang="ru-RU" sz="1100" dirty="0"/>
+              <a:t>Создать новые секции, которые  будут хранить данные за квартал</a:t>
+            </a:r>
+          </a:p>
+          <a:p>
+            <a:pPr marL="285750" indent="-285750">
+              <a:buFont typeface="Arial" panose="020B0604020202020204" pitchFamily="34" charset="0"/>
+              <a:buChar char="•"/>
+            </a:pPr>
+            <a:r>
+              <a:rPr lang="ru-RU" sz="1100" dirty="0"/>
+              <a:t>Из ежемесячных секций перенести данные в новые ежеквартальные</a:t>
+            </a:r>
+          </a:p>
+          <a:p>
+            <a:pPr marL="285750" indent="-285750">
+              <a:buFont typeface="Arial" panose="020B0604020202020204" pitchFamily="34" charset="0"/>
+              <a:buChar char="•"/>
+            </a:pPr>
+            <a:r>
+              <a:rPr lang="ru-RU" sz="1100" dirty="0"/>
+              <a:t>Старые ежемесячные данные удалить</a:t>
+            </a:r>
+            <a:endParaRPr lang="en-US" sz="1100" dirty="0"/>
+          </a:p>
+        </p:txBody>
+      </p:sp>
+      <p:sp>
+        <p:nvSpPr>
+          <p:cNvPr id="30" name="TextBox 29">
+            <a:extLst>
+              <a:ext uri="{FF2B5EF4-FFF2-40B4-BE49-F238E27FC236}">
+                <a16:creationId xmlns:a16="http://schemas.microsoft.com/office/drawing/2014/main" id="{343142DF-0C64-2B4E-5315-ACC9199DD7EC}"/>
+              </a:ext>
+            </a:extLst>
+          </p:cNvPr>
+          <p:cNvSpPr txBox="1"/>
+          <p:nvPr/>
+        </p:nvSpPr>
+        <p:spPr>
+          <a:xfrm>
+            <a:off x="466275" y="1297784"/>
+            <a:ext cx="4128247" cy="276999"/>
+          </a:xfrm>
+          <a:prstGeom prst="rect">
+            <a:avLst/>
+          </a:prstGeom>
+          <a:noFill/>
+        </p:spPr>
+        <p:txBody>
+          <a:bodyPr wrap="square" rtlCol="0">
+            <a:spAutoFit/>
+          </a:bodyPr>
+          <a:lstStyle/>
+          <a:p>
+            <a:r>
+              <a:rPr lang="ru-RU" sz="1200" dirty="0"/>
+              <a:t>Таблица 1 с ежемесячными</a:t>
+            </a:r>
+            <a:r>
+              <a:rPr lang="en-US" sz="1200" dirty="0"/>
+              <a:t> </a:t>
+            </a:r>
+            <a:r>
+              <a:rPr lang="ru-RU" sz="1200" dirty="0"/>
+              <a:t>секциями</a:t>
+            </a:r>
+            <a:r>
+              <a:rPr lang="en-US" sz="1200" dirty="0"/>
+              <a:t>:</a:t>
+            </a:r>
+            <a:endParaRPr lang="ru-RU" sz="1200" dirty="0"/>
+          </a:p>
+        </p:txBody>
+      </p:sp>
+      <p:sp>
+        <p:nvSpPr>
+          <p:cNvPr id="31" name="TextBox 30">
+            <a:extLst>
+              <a:ext uri="{FF2B5EF4-FFF2-40B4-BE49-F238E27FC236}">
+                <a16:creationId xmlns:a16="http://schemas.microsoft.com/office/drawing/2014/main" id="{AD72BEF5-BF37-1489-3318-DEF78F6C7CDA}"/>
+              </a:ext>
+            </a:extLst>
+          </p:cNvPr>
+          <p:cNvSpPr txBox="1"/>
+          <p:nvPr/>
+        </p:nvSpPr>
+        <p:spPr>
+          <a:xfrm>
+            <a:off x="408137" y="2724268"/>
+            <a:ext cx="5851282" cy="600164"/>
+          </a:xfrm>
+          <a:prstGeom prst="rect">
+            <a:avLst/>
+          </a:prstGeom>
+          <a:noFill/>
+        </p:spPr>
+        <p:txBody>
+          <a:bodyPr wrap="none" rtlCol="0">
+            <a:spAutoFit/>
+          </a:bodyPr>
+          <a:lstStyle/>
+          <a:p>
+            <a:r>
+              <a:rPr lang="en-US" sz="1100" b="1" dirty="0"/>
+              <a:t>2</a:t>
+            </a:r>
+            <a:r>
+              <a:rPr lang="ru-RU" sz="1050" dirty="0"/>
+              <a:t>.</a:t>
+            </a:r>
+            <a:r>
+              <a:rPr lang="ru-RU" sz="1100" dirty="0"/>
+              <a:t> После запуска процедуры сначала происходит отсоединение ежемесячных секций,</a:t>
+            </a:r>
+          </a:p>
+          <a:p>
+            <a:r>
+              <a:rPr lang="ru-RU" sz="1100" dirty="0"/>
+              <a:t>Выполняется команда </a:t>
+            </a:r>
+            <a:r>
+              <a:rPr lang="en-US" sz="1100" dirty="0"/>
+              <a:t>DETACH PARTITION:</a:t>
+            </a:r>
+          </a:p>
+          <a:p>
+            <a:endParaRPr lang="en-US" sz="1100" dirty="0"/>
+          </a:p>
+        </p:txBody>
+      </p:sp>
+      <p:sp>
+        <p:nvSpPr>
+          <p:cNvPr id="129" name="Прямоугольник 128">
+            <a:extLst>
+              <a:ext uri="{FF2B5EF4-FFF2-40B4-BE49-F238E27FC236}">
+                <a16:creationId xmlns:a16="http://schemas.microsoft.com/office/drawing/2014/main" id="{9EC85B33-E80B-D624-F791-6EABDE70F0E9}"/>
+              </a:ext>
+            </a:extLst>
+          </p:cNvPr>
+          <p:cNvSpPr/>
+          <p:nvPr/>
+        </p:nvSpPr>
+        <p:spPr>
+          <a:xfrm>
+            <a:off x="1189734" y="3686418"/>
+            <a:ext cx="374515" cy="369651"/>
+          </a:xfrm>
+          <a:prstGeom prst="rect">
+            <a:avLst/>
+          </a:prstGeom>
+          <a:noFill/>
+          <a:ln w="12700">
+            <a:prstDash val="dash"/>
+          </a:ln>
+        </p:spPr>
+        <p:style>
+          <a:lnRef idx="2">
+            <a:schemeClr val="accent1">
+              <a:shade val="15000"/>
+            </a:schemeClr>
+          </a:lnRef>
+          <a:fillRef idx="1">
+            <a:schemeClr val="accent1"/>
+          </a:fillRef>
+          <a:effectRef idx="0">
+            <a:schemeClr val="accent1"/>
+          </a:effectRef>
+          <a:fontRef idx="minor">
+            <a:schemeClr val="lt1"/>
+          </a:fontRef>
+        </p:style>
+        <p:txBody>
+          <a:bodyPr rtlCol="0" anchor="ctr"/>
+          <a:lstStyle/>
+          <a:p>
+            <a:pPr algn="ctr"/>
+            <a:endParaRPr lang="ru-RU" dirty="0"/>
+          </a:p>
+        </p:txBody>
+      </p:sp>
+      <p:sp>
+        <p:nvSpPr>
+          <p:cNvPr id="130" name="Прямоугольник 129">
+            <a:extLst>
+              <a:ext uri="{FF2B5EF4-FFF2-40B4-BE49-F238E27FC236}">
+                <a16:creationId xmlns:a16="http://schemas.microsoft.com/office/drawing/2014/main" id="{C6956E68-859E-4F06-946E-C7A42089DF89}"/>
+              </a:ext>
+            </a:extLst>
+          </p:cNvPr>
+          <p:cNvSpPr/>
+          <p:nvPr/>
+        </p:nvSpPr>
+        <p:spPr>
+          <a:xfrm>
+            <a:off x="1585608" y="4083122"/>
+            <a:ext cx="374515" cy="344534"/>
+          </a:xfrm>
+          <a:prstGeom prst="rect">
+            <a:avLst/>
+          </a:prstGeom>
+          <a:noFill/>
+          <a:ln w="12700">
+            <a:prstDash val="dash"/>
+          </a:ln>
+        </p:spPr>
+        <p:style>
+          <a:lnRef idx="2">
+            <a:schemeClr val="accent1">
+              <a:shade val="15000"/>
+            </a:schemeClr>
+          </a:lnRef>
+          <a:fillRef idx="1">
+            <a:schemeClr val="accent1"/>
+          </a:fillRef>
+          <a:effectRef idx="0">
+            <a:schemeClr val="accent1"/>
+          </a:effectRef>
+          <a:fontRef idx="minor">
+            <a:schemeClr val="lt1"/>
+          </a:fontRef>
+        </p:style>
+        <p:txBody>
+          <a:bodyPr rtlCol="0" anchor="ctr"/>
+          <a:lstStyle/>
+          <a:p>
+            <a:pPr algn="ctr"/>
+            <a:endParaRPr lang="ru-RU" dirty="0"/>
+          </a:p>
+        </p:txBody>
+      </p:sp>
+      <p:sp>
+        <p:nvSpPr>
+          <p:cNvPr id="131" name="Прямоугольник 130">
+            <a:extLst>
+              <a:ext uri="{FF2B5EF4-FFF2-40B4-BE49-F238E27FC236}">
+                <a16:creationId xmlns:a16="http://schemas.microsoft.com/office/drawing/2014/main" id="{96B2D3D5-E2EE-E5FB-64D4-C91D77663050}"/>
+              </a:ext>
+            </a:extLst>
+          </p:cNvPr>
+          <p:cNvSpPr/>
+          <p:nvPr/>
+        </p:nvSpPr>
+        <p:spPr>
+          <a:xfrm>
+            <a:off x="1990117" y="3686416"/>
+            <a:ext cx="374515" cy="360242"/>
+          </a:xfrm>
+          <a:prstGeom prst="rect">
+            <a:avLst/>
+          </a:prstGeom>
+          <a:noFill/>
+          <a:ln w="12700">
+            <a:prstDash val="dash"/>
+          </a:ln>
+        </p:spPr>
+        <p:style>
+          <a:lnRef idx="2">
+            <a:schemeClr val="accent1">
+              <a:shade val="15000"/>
+            </a:schemeClr>
+          </a:lnRef>
+          <a:fillRef idx="1">
+            <a:schemeClr val="accent1"/>
+          </a:fillRef>
+          <a:effectRef idx="0">
+            <a:schemeClr val="accent1"/>
+          </a:effectRef>
+          <a:fontRef idx="minor">
+            <a:schemeClr val="lt1"/>
+          </a:fontRef>
+        </p:style>
+        <p:txBody>
+          <a:bodyPr rtlCol="0" anchor="ctr"/>
+          <a:lstStyle/>
+          <a:p>
+            <a:pPr algn="ctr"/>
+            <a:endParaRPr lang="ru-RU" dirty="0"/>
+          </a:p>
+        </p:txBody>
+      </p:sp>
+      <p:sp>
+        <p:nvSpPr>
+          <p:cNvPr id="133" name="Прямоугольник 132">
+            <a:extLst>
+              <a:ext uri="{FF2B5EF4-FFF2-40B4-BE49-F238E27FC236}">
+                <a16:creationId xmlns:a16="http://schemas.microsoft.com/office/drawing/2014/main" id="{20E1767E-9F3C-EF8D-B39C-C1EAE0FBA914}"/>
+              </a:ext>
+            </a:extLst>
+          </p:cNvPr>
+          <p:cNvSpPr/>
+          <p:nvPr/>
+        </p:nvSpPr>
+        <p:spPr>
+          <a:xfrm>
+            <a:off x="1585608" y="4457024"/>
+            <a:ext cx="374515" cy="351629"/>
+          </a:xfrm>
+          <a:prstGeom prst="rect">
+            <a:avLst/>
+          </a:prstGeom>
+          <a:noFill/>
+          <a:ln w="12700">
+            <a:prstDash val="dash"/>
+          </a:ln>
+        </p:spPr>
+        <p:style>
+          <a:lnRef idx="2">
+            <a:schemeClr val="accent1">
+              <a:shade val="15000"/>
+            </a:schemeClr>
+          </a:lnRef>
+          <a:fillRef idx="1">
+            <a:schemeClr val="accent1"/>
+          </a:fillRef>
+          <a:effectRef idx="0">
+            <a:schemeClr val="accent1"/>
+          </a:effectRef>
+          <a:fontRef idx="minor">
+            <a:schemeClr val="lt1"/>
+          </a:fontRef>
+        </p:style>
+        <p:txBody>
+          <a:bodyPr rtlCol="0" anchor="ctr"/>
+          <a:lstStyle/>
+          <a:p>
+            <a:pPr algn="ctr"/>
+            <a:endParaRPr lang="ru-RU" dirty="0"/>
+          </a:p>
+        </p:txBody>
+      </p:sp>
+      <p:sp>
+        <p:nvSpPr>
+          <p:cNvPr id="135" name="Прямоугольник 134">
+            <a:extLst>
+              <a:ext uri="{FF2B5EF4-FFF2-40B4-BE49-F238E27FC236}">
+                <a16:creationId xmlns:a16="http://schemas.microsoft.com/office/drawing/2014/main" id="{6316475B-6ACC-5899-D5C3-59C739A871B9}"/>
+              </a:ext>
+            </a:extLst>
+          </p:cNvPr>
+          <p:cNvSpPr/>
+          <p:nvPr/>
+        </p:nvSpPr>
+        <p:spPr>
+          <a:xfrm>
+            <a:off x="1185559" y="4457024"/>
+            <a:ext cx="374515" cy="351631"/>
+          </a:xfrm>
+          <a:prstGeom prst="rect">
+            <a:avLst/>
+          </a:prstGeom>
+          <a:noFill/>
+          <a:ln w="12700">
+            <a:prstDash val="dash"/>
+          </a:ln>
+        </p:spPr>
+        <p:style>
+          <a:lnRef idx="2">
+            <a:schemeClr val="accent1">
+              <a:shade val="15000"/>
+            </a:schemeClr>
+          </a:lnRef>
+          <a:fillRef idx="1">
+            <a:schemeClr val="accent1"/>
+          </a:fillRef>
+          <a:effectRef idx="0">
+            <a:schemeClr val="accent1"/>
+          </a:effectRef>
+          <a:fontRef idx="minor">
+            <a:schemeClr val="lt1"/>
+          </a:fontRef>
+        </p:style>
+        <p:txBody>
+          <a:bodyPr rtlCol="0" anchor="ctr"/>
+          <a:lstStyle/>
+          <a:p>
+            <a:pPr algn="ctr"/>
+            <a:endParaRPr lang="ru-RU" dirty="0"/>
+          </a:p>
+        </p:txBody>
+      </p:sp>
+      <p:sp>
+        <p:nvSpPr>
+          <p:cNvPr id="137" name="Прямоугольник 136">
+            <a:extLst>
+              <a:ext uri="{FF2B5EF4-FFF2-40B4-BE49-F238E27FC236}">
+                <a16:creationId xmlns:a16="http://schemas.microsoft.com/office/drawing/2014/main" id="{826B91F7-44AF-4E34-0B49-35458F4DE9D2}"/>
+              </a:ext>
+            </a:extLst>
+          </p:cNvPr>
+          <p:cNvSpPr/>
+          <p:nvPr/>
+        </p:nvSpPr>
+        <p:spPr>
+          <a:xfrm>
+            <a:off x="1990117" y="4457024"/>
+            <a:ext cx="374515" cy="351631"/>
+          </a:xfrm>
+          <a:prstGeom prst="rect">
+            <a:avLst/>
+          </a:prstGeom>
+          <a:noFill/>
+          <a:ln w="12700">
+            <a:prstDash val="dash"/>
+          </a:ln>
+        </p:spPr>
+        <p:style>
+          <a:lnRef idx="2">
+            <a:schemeClr val="accent1">
+              <a:shade val="15000"/>
+            </a:schemeClr>
+          </a:lnRef>
+          <a:fillRef idx="1">
+            <a:schemeClr val="accent1"/>
+          </a:fillRef>
+          <a:effectRef idx="0">
+            <a:schemeClr val="accent1"/>
+          </a:effectRef>
+          <a:fontRef idx="minor">
+            <a:schemeClr val="lt1"/>
+          </a:fontRef>
+        </p:style>
+        <p:txBody>
+          <a:bodyPr rtlCol="0" anchor="ctr"/>
+          <a:lstStyle/>
+          <a:p>
+            <a:pPr algn="ctr"/>
+            <a:endParaRPr lang="ru-RU" dirty="0"/>
+          </a:p>
+        </p:txBody>
+      </p:sp>
+      <p:cxnSp>
+        <p:nvCxnSpPr>
+          <p:cNvPr id="177" name="Соединитель: изогнутый 176">
+            <a:extLst>
+              <a:ext uri="{FF2B5EF4-FFF2-40B4-BE49-F238E27FC236}">
+                <a16:creationId xmlns:a16="http://schemas.microsoft.com/office/drawing/2014/main" id="{883DCE98-0F20-2AF3-930D-EC3623319540}"/>
+              </a:ext>
+            </a:extLst>
+          </p:cNvPr>
+          <p:cNvCxnSpPr>
+            <a:cxnSpLocks/>
+            <a:stCxn id="129" idx="0"/>
+          </p:cNvCxnSpPr>
+          <p:nvPr/>
+        </p:nvCxnSpPr>
+        <p:spPr>
+          <a:xfrm rot="5400000" flipH="1" flipV="1">
+            <a:off x="2709781" y="2064221"/>
+            <a:ext cx="289408" cy="2954987"/>
+          </a:xfrm>
+          <a:prstGeom prst="curvedConnector2">
+            <a:avLst/>
+          </a:prstGeom>
+          <a:ln>
+            <a:tailEnd type="triangle"/>
+          </a:ln>
+        </p:spPr>
+        <p:style>
+          <a:lnRef idx="1">
+            <a:schemeClr val="accent1"/>
+          </a:lnRef>
+          <a:fillRef idx="0">
+            <a:schemeClr val="accent1"/>
+          </a:fillRef>
+          <a:effectRef idx="0">
+            <a:schemeClr val="accent1"/>
+          </a:effectRef>
+          <a:fontRef idx="minor">
+            <a:schemeClr val="tx1"/>
+          </a:fontRef>
+        </p:style>
+      </p:cxnSp>
+      <p:sp>
+        <p:nvSpPr>
+          <p:cNvPr id="185" name="Прямоугольник 184">
+            <a:extLst>
+              <a:ext uri="{FF2B5EF4-FFF2-40B4-BE49-F238E27FC236}">
+                <a16:creationId xmlns:a16="http://schemas.microsoft.com/office/drawing/2014/main" id="{B5C5C28A-D72B-F4AB-A6AF-67227BD76372}"/>
+              </a:ext>
+            </a:extLst>
+          </p:cNvPr>
+          <p:cNvSpPr/>
+          <p:nvPr/>
+        </p:nvSpPr>
+        <p:spPr>
+          <a:xfrm>
+            <a:off x="4353338" y="3222951"/>
+            <a:ext cx="374515" cy="369651"/>
+          </a:xfrm>
+          <a:prstGeom prst="rect">
+            <a:avLst/>
+          </a:prstGeom>
+        </p:spPr>
+        <p:style>
+          <a:lnRef idx="2">
+            <a:schemeClr val="accent1">
+              <a:shade val="15000"/>
+            </a:schemeClr>
+          </a:lnRef>
+          <a:fillRef idx="1">
+            <a:schemeClr val="accent1"/>
+          </a:fillRef>
+          <a:effectRef idx="0">
+            <a:schemeClr val="accent1"/>
+          </a:effectRef>
+          <a:fontRef idx="minor">
+            <a:schemeClr val="lt1"/>
+          </a:fontRef>
+        </p:style>
+        <p:txBody>
+          <a:bodyPr rtlCol="0" anchor="ctr"/>
+          <a:lstStyle/>
+          <a:p>
+            <a:pPr algn="ctr"/>
+            <a:r>
+              <a:rPr lang="en-US" dirty="0"/>
+              <a:t>1</a:t>
+            </a:r>
+            <a:endParaRPr lang="ru-RU" dirty="0"/>
+          </a:p>
+        </p:txBody>
+      </p:sp>
+      <p:cxnSp>
+        <p:nvCxnSpPr>
+          <p:cNvPr id="186" name="Соединитель: изогнутый 185">
+            <a:extLst>
+              <a:ext uri="{FF2B5EF4-FFF2-40B4-BE49-F238E27FC236}">
+                <a16:creationId xmlns:a16="http://schemas.microsoft.com/office/drawing/2014/main" id="{B73CD085-AC7A-6404-CB2E-8C9D8E907264}"/>
+              </a:ext>
+            </a:extLst>
+          </p:cNvPr>
+          <p:cNvCxnSpPr>
+            <a:cxnSpLocks/>
+            <a:stCxn id="199" idx="0"/>
+            <a:endCxn id="190" idx="2"/>
+          </p:cNvCxnSpPr>
+          <p:nvPr/>
+        </p:nvCxnSpPr>
+        <p:spPr>
+          <a:xfrm rot="16200000" flipH="1">
+            <a:off x="3437539" y="2030378"/>
+            <a:ext cx="62717" cy="3374796"/>
+          </a:xfrm>
+          <a:prstGeom prst="curvedConnector5">
+            <a:avLst>
+              <a:gd name="adj1" fmla="val -364494"/>
+              <a:gd name="adj2" fmla="val 50000"/>
+              <a:gd name="adj3" fmla="val 464494"/>
+            </a:avLst>
+          </a:prstGeom>
+          <a:ln>
+            <a:tailEnd type="triangle"/>
+          </a:ln>
+        </p:spPr>
+        <p:style>
+          <a:lnRef idx="1">
+            <a:schemeClr val="accent1"/>
+          </a:lnRef>
+          <a:fillRef idx="0">
+            <a:schemeClr val="accent1"/>
+          </a:fillRef>
+          <a:effectRef idx="0">
+            <a:schemeClr val="accent1"/>
+          </a:effectRef>
+          <a:fontRef idx="minor">
+            <a:schemeClr val="tx1"/>
+          </a:fontRef>
+        </p:style>
+      </p:cxnSp>
+      <p:sp>
+        <p:nvSpPr>
+          <p:cNvPr id="190" name="Прямоугольник 189">
+            <a:extLst>
+              <a:ext uri="{FF2B5EF4-FFF2-40B4-BE49-F238E27FC236}">
+                <a16:creationId xmlns:a16="http://schemas.microsoft.com/office/drawing/2014/main" id="{C9E0FFC8-1332-DC32-C8E1-0BE7AD7B17EE}"/>
+              </a:ext>
+            </a:extLst>
+          </p:cNvPr>
+          <p:cNvSpPr/>
+          <p:nvPr/>
+        </p:nvSpPr>
+        <p:spPr>
+          <a:xfrm>
+            <a:off x="4969038" y="3379484"/>
+            <a:ext cx="374515" cy="369651"/>
+          </a:xfrm>
+          <a:prstGeom prst="rect">
+            <a:avLst/>
+          </a:prstGeom>
+        </p:spPr>
+        <p:style>
+          <a:lnRef idx="2">
+            <a:schemeClr val="accent1">
+              <a:shade val="15000"/>
+            </a:schemeClr>
+          </a:lnRef>
+          <a:fillRef idx="1">
+            <a:schemeClr val="accent1"/>
+          </a:fillRef>
+          <a:effectRef idx="0">
+            <a:schemeClr val="accent1"/>
+          </a:effectRef>
+          <a:fontRef idx="minor">
+            <a:schemeClr val="lt1"/>
+          </a:fontRef>
+        </p:style>
+        <p:txBody>
+          <a:bodyPr rtlCol="0" anchor="ctr"/>
+          <a:lstStyle/>
+          <a:p>
+            <a:pPr algn="ctr"/>
+            <a:r>
+              <a:rPr lang="en-US" dirty="0"/>
+              <a:t>2</a:t>
+            </a:r>
+            <a:endParaRPr lang="ru-RU" dirty="0"/>
+          </a:p>
+        </p:txBody>
+      </p:sp>
+      <p:sp>
+        <p:nvSpPr>
+          <p:cNvPr id="197" name="Прямоугольник 196">
+            <a:extLst>
+              <a:ext uri="{FF2B5EF4-FFF2-40B4-BE49-F238E27FC236}">
+                <a16:creationId xmlns:a16="http://schemas.microsoft.com/office/drawing/2014/main" id="{B3079F6C-4F93-8503-36C5-AD6888BD46D8}"/>
+              </a:ext>
+            </a:extLst>
+          </p:cNvPr>
+          <p:cNvSpPr/>
+          <p:nvPr/>
+        </p:nvSpPr>
+        <p:spPr>
+          <a:xfrm>
+            <a:off x="1185559" y="4086946"/>
+            <a:ext cx="374515" cy="333606"/>
+          </a:xfrm>
+          <a:prstGeom prst="rect">
+            <a:avLst/>
+          </a:prstGeom>
+          <a:noFill/>
+          <a:ln w="12700">
+            <a:prstDash val="dash"/>
+          </a:ln>
+        </p:spPr>
+        <p:style>
+          <a:lnRef idx="2">
+            <a:schemeClr val="accent1">
+              <a:shade val="15000"/>
+            </a:schemeClr>
+          </a:lnRef>
+          <a:fillRef idx="1">
+            <a:schemeClr val="accent1"/>
+          </a:fillRef>
+          <a:effectRef idx="0">
+            <a:schemeClr val="accent1"/>
+          </a:effectRef>
+          <a:fontRef idx="minor">
+            <a:schemeClr val="lt1"/>
+          </a:fontRef>
+        </p:style>
+        <p:txBody>
+          <a:bodyPr rtlCol="0" anchor="ctr"/>
+          <a:lstStyle/>
+          <a:p>
+            <a:pPr algn="ctr"/>
+            <a:endParaRPr lang="ru-RU" dirty="0"/>
+          </a:p>
+        </p:txBody>
+      </p:sp>
+      <p:sp>
+        <p:nvSpPr>
+          <p:cNvPr id="198" name="Прямоугольник 197">
+            <a:extLst>
+              <a:ext uri="{FF2B5EF4-FFF2-40B4-BE49-F238E27FC236}">
+                <a16:creationId xmlns:a16="http://schemas.microsoft.com/office/drawing/2014/main" id="{6E17877C-B447-1157-77C1-F52808274D90}"/>
+              </a:ext>
+            </a:extLst>
+          </p:cNvPr>
+          <p:cNvSpPr/>
+          <p:nvPr/>
+        </p:nvSpPr>
+        <p:spPr>
+          <a:xfrm>
+            <a:off x="1981605" y="4076554"/>
+            <a:ext cx="383027" cy="360241"/>
+          </a:xfrm>
+          <a:prstGeom prst="rect">
+            <a:avLst/>
+          </a:prstGeom>
+          <a:noFill/>
+          <a:ln w="12700">
+            <a:prstDash val="dash"/>
+          </a:ln>
+        </p:spPr>
+        <p:style>
+          <a:lnRef idx="2">
+            <a:schemeClr val="accent1">
+              <a:shade val="15000"/>
+            </a:schemeClr>
+          </a:lnRef>
+          <a:fillRef idx="1">
+            <a:schemeClr val="accent1"/>
+          </a:fillRef>
+          <a:effectRef idx="0">
+            <a:schemeClr val="accent1"/>
+          </a:effectRef>
+          <a:fontRef idx="minor">
+            <a:schemeClr val="lt1"/>
+          </a:fontRef>
+        </p:style>
+        <p:txBody>
+          <a:bodyPr rtlCol="0" anchor="ctr"/>
+          <a:lstStyle/>
+          <a:p>
+            <a:pPr algn="ctr"/>
+            <a:endParaRPr lang="ru-RU" dirty="0"/>
+          </a:p>
+        </p:txBody>
+      </p:sp>
+      <p:sp>
+        <p:nvSpPr>
+          <p:cNvPr id="199" name="Прямоугольник 198">
+            <a:extLst>
+              <a:ext uri="{FF2B5EF4-FFF2-40B4-BE49-F238E27FC236}">
+                <a16:creationId xmlns:a16="http://schemas.microsoft.com/office/drawing/2014/main" id="{27737D2E-8B0F-A6BE-8A73-EF8862D3CF21}"/>
+              </a:ext>
+            </a:extLst>
+          </p:cNvPr>
+          <p:cNvSpPr/>
+          <p:nvPr/>
+        </p:nvSpPr>
+        <p:spPr>
+          <a:xfrm>
+            <a:off x="1594242" y="3686418"/>
+            <a:ext cx="374515" cy="367336"/>
+          </a:xfrm>
+          <a:prstGeom prst="rect">
+            <a:avLst/>
+          </a:prstGeom>
+          <a:noFill/>
+          <a:ln w="12700">
+            <a:prstDash val="dash"/>
+          </a:ln>
+        </p:spPr>
+        <p:style>
+          <a:lnRef idx="2">
+            <a:schemeClr val="accent1">
+              <a:shade val="15000"/>
+            </a:schemeClr>
+          </a:lnRef>
+          <a:fillRef idx="1">
+            <a:schemeClr val="accent1"/>
+          </a:fillRef>
+          <a:effectRef idx="0">
+            <a:schemeClr val="accent1"/>
+          </a:effectRef>
+          <a:fontRef idx="minor">
+            <a:schemeClr val="lt1"/>
+          </a:fontRef>
+        </p:style>
+        <p:txBody>
+          <a:bodyPr rtlCol="0" anchor="ctr"/>
+          <a:lstStyle/>
+          <a:p>
+            <a:pPr algn="ctr"/>
+            <a:endParaRPr lang="ru-RU" dirty="0"/>
+          </a:p>
+        </p:txBody>
+      </p:sp>
+      <p:sp>
+        <p:nvSpPr>
+          <p:cNvPr id="203" name="Прямоугольник 202">
+            <a:extLst>
+              <a:ext uri="{FF2B5EF4-FFF2-40B4-BE49-F238E27FC236}">
+                <a16:creationId xmlns:a16="http://schemas.microsoft.com/office/drawing/2014/main" id="{CB7FA8FF-39E7-3DE9-4484-D5FE80311D15}"/>
+              </a:ext>
+            </a:extLst>
+          </p:cNvPr>
+          <p:cNvSpPr/>
+          <p:nvPr/>
+        </p:nvSpPr>
+        <p:spPr>
+          <a:xfrm>
+            <a:off x="5518385" y="3222951"/>
+            <a:ext cx="374515" cy="369651"/>
+          </a:xfrm>
+          <a:prstGeom prst="rect">
+            <a:avLst/>
+          </a:prstGeom>
+        </p:spPr>
+        <p:style>
+          <a:lnRef idx="2">
+            <a:schemeClr val="accent1">
+              <a:shade val="15000"/>
+            </a:schemeClr>
+          </a:lnRef>
+          <a:fillRef idx="1">
+            <a:schemeClr val="accent1"/>
+          </a:fillRef>
+          <a:effectRef idx="0">
+            <a:schemeClr val="accent1"/>
+          </a:effectRef>
+          <a:fontRef idx="minor">
+            <a:schemeClr val="lt1"/>
+          </a:fontRef>
+        </p:style>
+        <p:txBody>
+          <a:bodyPr rtlCol="0" anchor="ctr"/>
+          <a:lstStyle/>
+          <a:p>
+            <a:pPr algn="ctr"/>
+            <a:r>
+              <a:rPr lang="en-US" dirty="0"/>
+              <a:t>3</a:t>
+            </a:r>
+            <a:endParaRPr lang="ru-RU" dirty="0"/>
+          </a:p>
+        </p:txBody>
+      </p:sp>
+      <p:cxnSp>
+        <p:nvCxnSpPr>
+          <p:cNvPr id="205" name="Соединитель: изогнутый 204">
+            <a:extLst>
+              <a:ext uri="{FF2B5EF4-FFF2-40B4-BE49-F238E27FC236}">
+                <a16:creationId xmlns:a16="http://schemas.microsoft.com/office/drawing/2014/main" id="{10F89F49-DBBA-5F57-61C4-E0D0F6C8D7F2}"/>
+              </a:ext>
+            </a:extLst>
+          </p:cNvPr>
+          <p:cNvCxnSpPr>
+            <a:cxnSpLocks/>
+            <a:stCxn id="131" idx="3"/>
+            <a:endCxn id="203" idx="0"/>
+          </p:cNvCxnSpPr>
+          <p:nvPr/>
+        </p:nvCxnSpPr>
+        <p:spPr>
+          <a:xfrm flipV="1">
+            <a:off x="2364632" y="3222951"/>
+            <a:ext cx="3341011" cy="643586"/>
+          </a:xfrm>
+          <a:prstGeom prst="curvedConnector4">
+            <a:avLst>
+              <a:gd name="adj1" fmla="val 47198"/>
+              <a:gd name="adj2" fmla="val 135520"/>
+            </a:avLst>
+          </a:prstGeom>
+          <a:ln>
+            <a:tailEnd type="triangle"/>
+          </a:ln>
+        </p:spPr>
+        <p:style>
+          <a:lnRef idx="1">
+            <a:schemeClr val="accent1"/>
+          </a:lnRef>
+          <a:fillRef idx="0">
+            <a:schemeClr val="accent1"/>
+          </a:fillRef>
+          <a:effectRef idx="0">
+            <a:schemeClr val="accent1"/>
+          </a:effectRef>
+          <a:fontRef idx="minor">
+            <a:schemeClr val="tx1"/>
+          </a:fontRef>
+        </p:style>
+      </p:cxnSp>
+      <p:sp>
+        <p:nvSpPr>
+          <p:cNvPr id="217" name="Прямоугольник 216">
+            <a:extLst>
+              <a:ext uri="{FF2B5EF4-FFF2-40B4-BE49-F238E27FC236}">
+                <a16:creationId xmlns:a16="http://schemas.microsoft.com/office/drawing/2014/main" id="{79337012-62B8-F8FE-17A6-31A8DE748615}"/>
+              </a:ext>
+            </a:extLst>
+          </p:cNvPr>
+          <p:cNvSpPr/>
+          <p:nvPr/>
+        </p:nvSpPr>
+        <p:spPr>
+          <a:xfrm>
+            <a:off x="5705642" y="3861832"/>
+            <a:ext cx="374515" cy="369651"/>
+          </a:xfrm>
+          <a:prstGeom prst="rect">
+            <a:avLst/>
+          </a:prstGeom>
+        </p:spPr>
+        <p:style>
+          <a:lnRef idx="2">
+            <a:schemeClr val="accent1">
+              <a:shade val="15000"/>
+            </a:schemeClr>
+          </a:lnRef>
+          <a:fillRef idx="1">
+            <a:schemeClr val="accent1"/>
+          </a:fillRef>
+          <a:effectRef idx="0">
+            <a:schemeClr val="accent1"/>
+          </a:effectRef>
+          <a:fontRef idx="minor">
+            <a:schemeClr val="lt1"/>
+          </a:fontRef>
+        </p:style>
+        <p:txBody>
+          <a:bodyPr rtlCol="0" anchor="ctr"/>
+          <a:lstStyle/>
+          <a:p>
+            <a:pPr algn="ctr"/>
+            <a:r>
+              <a:rPr lang="en-US" dirty="0"/>
+              <a:t>4</a:t>
+            </a:r>
+            <a:endParaRPr lang="ru-RU" dirty="0"/>
+          </a:p>
+        </p:txBody>
+      </p:sp>
+      <p:cxnSp>
+        <p:nvCxnSpPr>
+          <p:cNvPr id="218" name="Соединитель: изогнутый 217">
+            <a:extLst>
+              <a:ext uri="{FF2B5EF4-FFF2-40B4-BE49-F238E27FC236}">
+                <a16:creationId xmlns:a16="http://schemas.microsoft.com/office/drawing/2014/main" id="{0FEAE613-2CCD-6C84-A0A9-81A7C366ED78}"/>
+              </a:ext>
+            </a:extLst>
+          </p:cNvPr>
+          <p:cNvCxnSpPr>
+            <a:cxnSpLocks/>
+            <a:stCxn id="197" idx="1"/>
+            <a:endCxn id="217" idx="2"/>
+          </p:cNvCxnSpPr>
+          <p:nvPr/>
+        </p:nvCxnSpPr>
+        <p:spPr>
+          <a:xfrm rot="10800000" flipH="1">
+            <a:off x="1185558" y="4231483"/>
+            <a:ext cx="4707341" cy="22266"/>
+          </a:xfrm>
+          <a:prstGeom prst="curvedConnector4">
+            <a:avLst>
+              <a:gd name="adj1" fmla="val -13196"/>
+              <a:gd name="adj2" fmla="val -3628299"/>
+            </a:avLst>
+          </a:prstGeom>
+          <a:ln>
+            <a:tailEnd type="triangle"/>
+          </a:ln>
+        </p:spPr>
+        <p:style>
+          <a:lnRef idx="1">
+            <a:schemeClr val="accent1"/>
+          </a:lnRef>
+          <a:fillRef idx="0">
+            <a:schemeClr val="accent1"/>
+          </a:fillRef>
+          <a:effectRef idx="0">
+            <a:schemeClr val="accent1"/>
+          </a:effectRef>
+          <a:fontRef idx="minor">
+            <a:schemeClr val="tx1"/>
+          </a:fontRef>
+        </p:style>
+      </p:cxnSp>
+      <p:sp>
+        <p:nvSpPr>
+          <p:cNvPr id="225" name="Прямоугольник 224">
+            <a:extLst>
+              <a:ext uri="{FF2B5EF4-FFF2-40B4-BE49-F238E27FC236}">
+                <a16:creationId xmlns:a16="http://schemas.microsoft.com/office/drawing/2014/main" id="{F58E9306-FE7B-15D7-65EB-DC4B3399E62D}"/>
+              </a:ext>
+            </a:extLst>
+          </p:cNvPr>
+          <p:cNvSpPr/>
+          <p:nvPr/>
+        </p:nvSpPr>
+        <p:spPr>
+          <a:xfrm>
+            <a:off x="5112256" y="4132868"/>
+            <a:ext cx="374515" cy="369651"/>
+          </a:xfrm>
+          <a:prstGeom prst="rect">
+            <a:avLst/>
+          </a:prstGeom>
+        </p:spPr>
+        <p:style>
+          <a:lnRef idx="2">
+            <a:schemeClr val="accent1">
+              <a:shade val="15000"/>
+            </a:schemeClr>
+          </a:lnRef>
+          <a:fillRef idx="1">
+            <a:schemeClr val="accent1"/>
+          </a:fillRef>
+          <a:effectRef idx="0">
+            <a:schemeClr val="accent1"/>
+          </a:effectRef>
+          <a:fontRef idx="minor">
+            <a:schemeClr val="lt1"/>
+          </a:fontRef>
+        </p:style>
+        <p:txBody>
+          <a:bodyPr rtlCol="0" anchor="ctr"/>
+          <a:lstStyle/>
+          <a:p>
+            <a:pPr algn="ctr"/>
+            <a:r>
+              <a:rPr lang="en-US" dirty="0"/>
+              <a:t>5</a:t>
+            </a:r>
+            <a:endParaRPr lang="ru-RU" dirty="0"/>
+          </a:p>
+        </p:txBody>
+      </p:sp>
+      <p:cxnSp>
+        <p:nvCxnSpPr>
+          <p:cNvPr id="226" name="Соединитель: изогнутый 225">
+            <a:extLst>
+              <a:ext uri="{FF2B5EF4-FFF2-40B4-BE49-F238E27FC236}">
+                <a16:creationId xmlns:a16="http://schemas.microsoft.com/office/drawing/2014/main" id="{2C505BE2-C73E-3DF0-CF01-F09B36AE5908}"/>
+              </a:ext>
+            </a:extLst>
+          </p:cNvPr>
+          <p:cNvCxnSpPr>
+            <a:cxnSpLocks/>
+            <a:stCxn id="198" idx="1"/>
+            <a:endCxn id="225" idx="2"/>
+          </p:cNvCxnSpPr>
+          <p:nvPr/>
+        </p:nvCxnSpPr>
+        <p:spPr>
+          <a:xfrm rot="10800000" flipH="1" flipV="1">
+            <a:off x="1981604" y="4256675"/>
+            <a:ext cx="3317909" cy="245844"/>
+          </a:xfrm>
+          <a:prstGeom prst="curvedConnector4">
+            <a:avLst>
+              <a:gd name="adj1" fmla="val 20220"/>
+              <a:gd name="adj2" fmla="val 192986"/>
+            </a:avLst>
+          </a:prstGeom>
+          <a:ln>
+            <a:tailEnd type="triangle"/>
+          </a:ln>
+        </p:spPr>
+        <p:style>
+          <a:lnRef idx="1">
+            <a:schemeClr val="accent1"/>
+          </a:lnRef>
+          <a:fillRef idx="0">
+            <a:schemeClr val="accent1"/>
+          </a:fillRef>
+          <a:effectRef idx="0">
+            <a:schemeClr val="accent1"/>
+          </a:effectRef>
+          <a:fontRef idx="minor">
+            <a:schemeClr val="tx1"/>
+          </a:fontRef>
+        </p:style>
+      </p:cxnSp>
+      <p:sp>
+        <p:nvSpPr>
+          <p:cNvPr id="229" name="Прямоугольник 228">
+            <a:extLst>
+              <a:ext uri="{FF2B5EF4-FFF2-40B4-BE49-F238E27FC236}">
+                <a16:creationId xmlns:a16="http://schemas.microsoft.com/office/drawing/2014/main" id="{ADC330A0-08B5-448C-2072-6405D9535160}"/>
+              </a:ext>
+            </a:extLst>
+          </p:cNvPr>
+          <p:cNvSpPr/>
+          <p:nvPr/>
+        </p:nvSpPr>
+        <p:spPr>
+          <a:xfrm>
+            <a:off x="6155444" y="3276430"/>
+            <a:ext cx="374515" cy="369651"/>
+          </a:xfrm>
+          <a:prstGeom prst="rect">
+            <a:avLst/>
+          </a:prstGeom>
+        </p:spPr>
+        <p:style>
+          <a:lnRef idx="2">
+            <a:schemeClr val="accent1">
+              <a:shade val="15000"/>
+            </a:schemeClr>
+          </a:lnRef>
+          <a:fillRef idx="1">
+            <a:schemeClr val="accent1"/>
+          </a:fillRef>
+          <a:effectRef idx="0">
+            <a:schemeClr val="accent1"/>
+          </a:effectRef>
+          <a:fontRef idx="minor">
+            <a:schemeClr val="lt1"/>
+          </a:fontRef>
+        </p:style>
+        <p:txBody>
+          <a:bodyPr rtlCol="0" anchor="ctr"/>
+          <a:lstStyle/>
+          <a:p>
+            <a:pPr algn="ctr"/>
+            <a:r>
+              <a:rPr lang="en-US" dirty="0"/>
+              <a:t>6</a:t>
+            </a:r>
+            <a:endParaRPr lang="ru-RU" dirty="0"/>
+          </a:p>
+        </p:txBody>
+      </p:sp>
+      <p:cxnSp>
+        <p:nvCxnSpPr>
+          <p:cNvPr id="230" name="Соединитель: изогнутый 229">
+            <a:extLst>
+              <a:ext uri="{FF2B5EF4-FFF2-40B4-BE49-F238E27FC236}">
+                <a16:creationId xmlns:a16="http://schemas.microsoft.com/office/drawing/2014/main" id="{FD8E6452-303A-A43F-95D7-574BE138DD96}"/>
+              </a:ext>
+            </a:extLst>
+          </p:cNvPr>
+          <p:cNvCxnSpPr>
+            <a:cxnSpLocks/>
+            <a:stCxn id="198" idx="3"/>
+            <a:endCxn id="229" idx="2"/>
+          </p:cNvCxnSpPr>
+          <p:nvPr/>
+        </p:nvCxnSpPr>
+        <p:spPr>
+          <a:xfrm flipV="1">
+            <a:off x="2364632" y="3646081"/>
+            <a:ext cx="3978070" cy="610594"/>
+          </a:xfrm>
+          <a:prstGeom prst="curvedConnector2">
+            <a:avLst/>
+          </a:prstGeom>
+          <a:ln>
+            <a:tailEnd type="triangle"/>
+          </a:ln>
+        </p:spPr>
+        <p:style>
+          <a:lnRef idx="1">
+            <a:schemeClr val="accent1"/>
+          </a:lnRef>
+          <a:fillRef idx="0">
+            <a:schemeClr val="accent1"/>
+          </a:fillRef>
+          <a:effectRef idx="0">
+            <a:schemeClr val="accent1"/>
+          </a:effectRef>
+          <a:fontRef idx="minor">
+            <a:schemeClr val="tx1"/>
+          </a:fontRef>
+        </p:style>
+      </p:cxnSp>
+      <p:sp>
+        <p:nvSpPr>
+          <p:cNvPr id="233" name="Прямоугольник 232">
+            <a:extLst>
+              <a:ext uri="{FF2B5EF4-FFF2-40B4-BE49-F238E27FC236}">
+                <a16:creationId xmlns:a16="http://schemas.microsoft.com/office/drawing/2014/main" id="{BE119EE0-1979-77DB-640F-C1993CD6A87F}"/>
+              </a:ext>
+            </a:extLst>
+          </p:cNvPr>
+          <p:cNvSpPr/>
+          <p:nvPr/>
+        </p:nvSpPr>
+        <p:spPr>
+          <a:xfrm>
+            <a:off x="6529959" y="3898296"/>
+            <a:ext cx="374515" cy="369651"/>
+          </a:xfrm>
+          <a:prstGeom prst="rect">
+            <a:avLst/>
+          </a:prstGeom>
+        </p:spPr>
+        <p:style>
+          <a:lnRef idx="2">
+            <a:schemeClr val="accent1">
+              <a:shade val="15000"/>
+            </a:schemeClr>
+          </a:lnRef>
+          <a:fillRef idx="1">
+            <a:schemeClr val="accent1"/>
+          </a:fillRef>
+          <a:effectRef idx="0">
+            <a:schemeClr val="accent1"/>
+          </a:effectRef>
+          <a:fontRef idx="minor">
+            <a:schemeClr val="lt1"/>
+          </a:fontRef>
+        </p:style>
+        <p:txBody>
+          <a:bodyPr rtlCol="0" anchor="ctr"/>
+          <a:lstStyle/>
+          <a:p>
+            <a:pPr algn="ctr"/>
+            <a:r>
+              <a:rPr lang="en-US" dirty="0"/>
+              <a:t>7</a:t>
+            </a:r>
+            <a:endParaRPr lang="ru-RU" dirty="0"/>
+          </a:p>
+        </p:txBody>
+      </p:sp>
+      <p:cxnSp>
+        <p:nvCxnSpPr>
+          <p:cNvPr id="234" name="Соединитель: изогнутый 233">
+            <a:extLst>
+              <a:ext uri="{FF2B5EF4-FFF2-40B4-BE49-F238E27FC236}">
+                <a16:creationId xmlns:a16="http://schemas.microsoft.com/office/drawing/2014/main" id="{7F3A899C-A91E-A214-D348-46604F02BAFB}"/>
+              </a:ext>
+            </a:extLst>
+          </p:cNvPr>
+          <p:cNvCxnSpPr>
+            <a:cxnSpLocks/>
+            <a:stCxn id="135" idx="1"/>
+            <a:endCxn id="233" idx="2"/>
+          </p:cNvCxnSpPr>
+          <p:nvPr/>
+        </p:nvCxnSpPr>
+        <p:spPr>
+          <a:xfrm rot="10800000" flipH="1">
+            <a:off x="1185559" y="4267948"/>
+            <a:ext cx="5531658" cy="364893"/>
+          </a:xfrm>
+          <a:prstGeom prst="curvedConnector4">
+            <a:avLst>
+              <a:gd name="adj1" fmla="val -4133"/>
+              <a:gd name="adj2" fmla="val -87978"/>
+            </a:avLst>
+          </a:prstGeom>
+          <a:ln>
+            <a:tailEnd type="triangle"/>
+          </a:ln>
+        </p:spPr>
+        <p:style>
+          <a:lnRef idx="1">
+            <a:schemeClr val="accent1"/>
+          </a:lnRef>
+          <a:fillRef idx="0">
+            <a:schemeClr val="accent1"/>
+          </a:fillRef>
+          <a:effectRef idx="0">
+            <a:schemeClr val="accent1"/>
+          </a:effectRef>
+          <a:fontRef idx="minor">
+            <a:schemeClr val="tx1"/>
+          </a:fontRef>
+        </p:style>
+      </p:cxnSp>
+      <p:sp>
+        <p:nvSpPr>
+          <p:cNvPr id="238" name="Прямоугольник 237">
+            <a:extLst>
+              <a:ext uri="{FF2B5EF4-FFF2-40B4-BE49-F238E27FC236}">
+                <a16:creationId xmlns:a16="http://schemas.microsoft.com/office/drawing/2014/main" id="{5C987778-0EAC-EEAA-5F70-4E9A3DC26568}"/>
+              </a:ext>
+            </a:extLst>
+          </p:cNvPr>
+          <p:cNvSpPr/>
+          <p:nvPr/>
+        </p:nvSpPr>
+        <p:spPr>
+          <a:xfrm>
+            <a:off x="4594523" y="4249578"/>
+            <a:ext cx="374515" cy="369651"/>
+          </a:xfrm>
+          <a:prstGeom prst="rect">
+            <a:avLst/>
+          </a:prstGeom>
+        </p:spPr>
+        <p:style>
+          <a:lnRef idx="2">
+            <a:schemeClr val="accent1">
+              <a:shade val="15000"/>
+            </a:schemeClr>
+          </a:lnRef>
+          <a:fillRef idx="1">
+            <a:schemeClr val="accent1"/>
+          </a:fillRef>
+          <a:effectRef idx="0">
+            <a:schemeClr val="accent1"/>
+          </a:effectRef>
+          <a:fontRef idx="minor">
+            <a:schemeClr val="lt1"/>
+          </a:fontRef>
+        </p:style>
+        <p:txBody>
+          <a:bodyPr rtlCol="0" anchor="ctr"/>
+          <a:lstStyle/>
+          <a:p>
+            <a:pPr algn="ctr"/>
+            <a:r>
+              <a:rPr lang="en-US" dirty="0"/>
+              <a:t>8</a:t>
+            </a:r>
+            <a:endParaRPr lang="ru-RU" dirty="0"/>
+          </a:p>
+        </p:txBody>
+      </p:sp>
+      <p:cxnSp>
+        <p:nvCxnSpPr>
+          <p:cNvPr id="239" name="Соединитель: изогнутый 238">
+            <a:extLst>
+              <a:ext uri="{FF2B5EF4-FFF2-40B4-BE49-F238E27FC236}">
+                <a16:creationId xmlns:a16="http://schemas.microsoft.com/office/drawing/2014/main" id="{D8FBFCD4-45D2-58DF-1470-482A5E5FCB25}"/>
+              </a:ext>
+            </a:extLst>
+          </p:cNvPr>
+          <p:cNvCxnSpPr>
+            <a:cxnSpLocks/>
+            <a:stCxn id="133" idx="2"/>
+            <a:endCxn id="238" idx="1"/>
+          </p:cNvCxnSpPr>
+          <p:nvPr/>
+        </p:nvCxnSpPr>
+        <p:spPr>
+          <a:xfrm rot="5400000" flipH="1" flipV="1">
+            <a:off x="2996569" y="3210700"/>
+            <a:ext cx="374249" cy="2821657"/>
+          </a:xfrm>
+          <a:prstGeom prst="curvedConnector4">
+            <a:avLst>
+              <a:gd name="adj1" fmla="val -61082"/>
+              <a:gd name="adj2" fmla="val 53318"/>
+            </a:avLst>
+          </a:prstGeom>
+          <a:ln>
+            <a:tailEnd type="triangle"/>
+          </a:ln>
+        </p:spPr>
+        <p:style>
+          <a:lnRef idx="1">
+            <a:schemeClr val="accent1"/>
+          </a:lnRef>
+          <a:fillRef idx="0">
+            <a:schemeClr val="accent1"/>
+          </a:fillRef>
+          <a:effectRef idx="0">
+            <a:schemeClr val="accent1"/>
+          </a:effectRef>
+          <a:fontRef idx="minor">
+            <a:schemeClr val="tx1"/>
+          </a:fontRef>
+        </p:style>
+      </p:cxnSp>
+      <p:sp>
+        <p:nvSpPr>
+          <p:cNvPr id="243" name="Прямоугольник 242">
+            <a:extLst>
+              <a:ext uri="{FF2B5EF4-FFF2-40B4-BE49-F238E27FC236}">
+                <a16:creationId xmlns:a16="http://schemas.microsoft.com/office/drawing/2014/main" id="{47A1CD6F-8429-1A1E-E13B-73078C586BB2}"/>
+              </a:ext>
+            </a:extLst>
+          </p:cNvPr>
+          <p:cNvSpPr/>
+          <p:nvPr/>
+        </p:nvSpPr>
+        <p:spPr>
+          <a:xfrm>
+            <a:off x="4072929" y="3725702"/>
+            <a:ext cx="374515" cy="369651"/>
+          </a:xfrm>
+          <a:prstGeom prst="rect">
+            <a:avLst/>
+          </a:prstGeom>
+        </p:spPr>
+        <p:style>
+          <a:lnRef idx="2">
+            <a:schemeClr val="accent1">
+              <a:shade val="15000"/>
+            </a:schemeClr>
+          </a:lnRef>
+          <a:fillRef idx="1">
+            <a:schemeClr val="accent1"/>
+          </a:fillRef>
+          <a:effectRef idx="0">
+            <a:schemeClr val="accent1"/>
+          </a:effectRef>
+          <a:fontRef idx="minor">
+            <a:schemeClr val="lt1"/>
+          </a:fontRef>
+        </p:style>
+        <p:txBody>
+          <a:bodyPr rtlCol="0" anchor="ctr"/>
+          <a:lstStyle/>
+          <a:p>
+            <a:pPr algn="ctr"/>
+            <a:r>
+              <a:rPr lang="en-US" dirty="0"/>
+              <a:t>9</a:t>
+            </a:r>
+            <a:endParaRPr lang="ru-RU" dirty="0"/>
+          </a:p>
+        </p:txBody>
+      </p:sp>
+      <p:cxnSp>
+        <p:nvCxnSpPr>
+          <p:cNvPr id="244" name="Соединитель: изогнутый 243">
+            <a:extLst>
+              <a:ext uri="{FF2B5EF4-FFF2-40B4-BE49-F238E27FC236}">
+                <a16:creationId xmlns:a16="http://schemas.microsoft.com/office/drawing/2014/main" id="{A19159F9-A38D-65B0-96E2-5AA7ACC755FB}"/>
+              </a:ext>
+            </a:extLst>
+          </p:cNvPr>
+          <p:cNvCxnSpPr>
+            <a:cxnSpLocks/>
+            <a:stCxn id="137" idx="3"/>
+            <a:endCxn id="243" idx="2"/>
+          </p:cNvCxnSpPr>
+          <p:nvPr/>
+        </p:nvCxnSpPr>
+        <p:spPr>
+          <a:xfrm flipV="1">
+            <a:off x="2364632" y="4095353"/>
+            <a:ext cx="1895555" cy="537487"/>
+          </a:xfrm>
+          <a:prstGeom prst="curvedConnector2">
+            <a:avLst/>
+          </a:prstGeom>
+          <a:ln>
+            <a:tailEnd type="triangle"/>
+          </a:ln>
+        </p:spPr>
+        <p:style>
+          <a:lnRef idx="1">
+            <a:schemeClr val="accent1"/>
+          </a:lnRef>
+          <a:fillRef idx="0">
+            <a:schemeClr val="accent1"/>
+          </a:fillRef>
+          <a:effectRef idx="0">
+            <a:schemeClr val="accent1"/>
+          </a:effectRef>
+          <a:fontRef idx="minor">
+            <a:schemeClr val="tx1"/>
+          </a:fontRef>
+        </p:style>
+      </p:cxnSp>
+    </p:spTree>
+    <p:extLst>
+      <p:ext uri="{BB962C8B-B14F-4D97-AF65-F5344CB8AC3E}">
+        <p14:creationId xmlns:p14="http://schemas.microsoft.com/office/powerpoint/2010/main" val="2937965676"/>
+      </p:ext>
+    </p:extLst>
+  </p:cSld>
+  <p:clrMapOvr>
+    <a:masterClrMapping/>
+  </p:clrMapOvr>
+</p:sld>
+</file>
+
+<file path=ppt/slides/slide14.xml><?xml version="1.0" encoding="utf-8"?>
+<p:sld xmlns:a="http://schemas.openxmlformats.org/drawingml/2006/main" xmlns:r="http://schemas.openxmlformats.org/officeDocument/2006/relationships" xmlns:p="http://schemas.openxmlformats.org/presentationml/2006/main">
+  <p:cSld>
+    <p:spTree>
+      <p:nvGrpSpPr>
+        <p:cNvPr id="1" name="Shape 127"/>
+        <p:cNvGrpSpPr/>
+        <p:nvPr/>
+      </p:nvGrpSpPr>
+      <p:grpSpPr>
+        <a:xfrm>
+          <a:off x="0" y="0"/>
+          <a:ext cx="0" cy="0"/>
+          <a:chOff x="0" y="0"/>
+          <a:chExt cx="0" cy="0"/>
+        </a:xfrm>
+      </p:grpSpPr>
+      <p:sp>
+        <p:nvSpPr>
+          <p:cNvPr id="128" name="Google Shape;128;p23"/>
+          <p:cNvSpPr txBox="1">
+            <a:spLocks noGrp="1"/>
+          </p:cNvSpPr>
+          <p:nvPr>
+            <p:ph type="title"/>
+          </p:nvPr>
+        </p:nvSpPr>
+        <p:spPr>
+          <a:xfrm>
+            <a:off x="408137" y="1"/>
+            <a:ext cx="5598693" cy="330740"/>
+          </a:xfrm>
+          <a:prstGeom prst="rect">
+            <a:avLst/>
+          </a:prstGeom>
+        </p:spPr>
+        <p:txBody>
+          <a:bodyPr spcFirstLastPara="1" wrap="square" lIns="91425" tIns="91425" rIns="91425" bIns="91425" anchor="t" anchorCtr="0">
+            <a:noAutofit/>
+          </a:bodyPr>
+          <a:lstStyle/>
+          <a:p>
+            <a:pPr marL="0" lvl="0" indent="0" algn="l" rtl="0">
+              <a:spcBef>
+                <a:spcPts val="0"/>
+              </a:spcBef>
+              <a:spcAft>
+                <a:spcPts val="0"/>
+              </a:spcAft>
+              <a:buNone/>
+            </a:pPr>
+            <a:r>
+              <a:rPr lang="ru-RU" sz="1400" dirty="0"/>
+              <a:t>Релокация данных и создание новых секций схематично</a:t>
+            </a:r>
+            <a:endParaRPr sz="1400" dirty="0"/>
+          </a:p>
+        </p:txBody>
+      </p:sp>
+      <p:grpSp>
+        <p:nvGrpSpPr>
+          <p:cNvPr id="3" name="Группа 2">
+            <a:extLst>
+              <a:ext uri="{FF2B5EF4-FFF2-40B4-BE49-F238E27FC236}">
+                <a16:creationId xmlns:a16="http://schemas.microsoft.com/office/drawing/2014/main" id="{D3C41BF0-669D-B49C-317E-A675F6FCDF71}"/>
+              </a:ext>
+            </a:extLst>
+          </p:cNvPr>
+          <p:cNvGrpSpPr/>
+          <p:nvPr/>
+        </p:nvGrpSpPr>
+        <p:grpSpPr>
+          <a:xfrm>
+            <a:off x="1511400" y="986005"/>
+            <a:ext cx="1153539" cy="1131647"/>
+            <a:chOff x="1211093" y="1787463"/>
+            <a:chExt cx="1153539" cy="1131647"/>
+          </a:xfrm>
+        </p:grpSpPr>
+        <p:sp>
+          <p:nvSpPr>
+            <p:cNvPr id="5" name="Прямоугольник 4">
+              <a:extLst>
+                <a:ext uri="{FF2B5EF4-FFF2-40B4-BE49-F238E27FC236}">
+                  <a16:creationId xmlns:a16="http://schemas.microsoft.com/office/drawing/2014/main" id="{8716197C-D984-E8EC-7AE2-352F2565BD1F}"/>
+                </a:ext>
+              </a:extLst>
+            </p:cNvPr>
+            <p:cNvSpPr/>
+            <p:nvPr/>
+          </p:nvSpPr>
+          <p:spPr>
+            <a:xfrm>
+              <a:off x="1211094" y="1787463"/>
+              <a:ext cx="1153538" cy="369651"/>
+            </a:xfrm>
+            <a:prstGeom prst="rect">
+              <a:avLst/>
+            </a:prstGeom>
+          </p:spPr>
+          <p:style>
+            <a:lnRef idx="2">
+              <a:schemeClr val="accent1">
+                <a:shade val="15000"/>
+              </a:schemeClr>
+            </a:lnRef>
+            <a:fillRef idx="1">
+              <a:schemeClr val="accent1"/>
+            </a:fillRef>
+            <a:effectRef idx="0">
+              <a:schemeClr val="accent1"/>
+            </a:effectRef>
+            <a:fontRef idx="minor">
+              <a:schemeClr val="lt1"/>
+            </a:fontRef>
+          </p:style>
+          <p:txBody>
+            <a:bodyPr rtlCol="0" anchor="ctr"/>
+            <a:lstStyle/>
+            <a:p>
+              <a:pPr algn="ctr"/>
+              <a:r>
+                <a:rPr lang="en-US" dirty="0"/>
+                <a:t>1</a:t>
+              </a:r>
+              <a:r>
+                <a:rPr lang="ru-RU" dirty="0"/>
+                <a:t> кв</a:t>
+              </a:r>
+            </a:p>
+          </p:txBody>
+        </p:sp>
+        <p:sp>
+          <p:nvSpPr>
+            <p:cNvPr id="9" name="Прямоугольник 8">
+              <a:extLst>
+                <a:ext uri="{FF2B5EF4-FFF2-40B4-BE49-F238E27FC236}">
+                  <a16:creationId xmlns:a16="http://schemas.microsoft.com/office/drawing/2014/main" id="{362F5BCC-5C36-1BFB-72AD-B15EF3919D05}"/>
+                </a:ext>
+              </a:extLst>
+            </p:cNvPr>
+            <p:cNvSpPr/>
+            <p:nvPr/>
+          </p:nvSpPr>
+          <p:spPr>
+            <a:xfrm>
+              <a:off x="1211093" y="2168461"/>
+              <a:ext cx="1153538" cy="369651"/>
+            </a:xfrm>
+            <a:prstGeom prst="rect">
+              <a:avLst/>
+            </a:prstGeom>
+          </p:spPr>
+          <p:style>
+            <a:lnRef idx="2">
+              <a:schemeClr val="accent1">
+                <a:shade val="15000"/>
+              </a:schemeClr>
+            </a:lnRef>
+            <a:fillRef idx="1">
+              <a:schemeClr val="accent1"/>
+            </a:fillRef>
+            <a:effectRef idx="0">
+              <a:schemeClr val="accent1"/>
+            </a:effectRef>
+            <a:fontRef idx="minor">
+              <a:schemeClr val="lt1"/>
+            </a:fontRef>
+          </p:style>
+          <p:txBody>
+            <a:bodyPr rtlCol="0" anchor="ctr"/>
+            <a:lstStyle/>
+            <a:p>
+              <a:pPr algn="ctr"/>
+              <a:r>
+                <a:rPr lang="ru-RU" dirty="0"/>
+                <a:t>2 кв</a:t>
+              </a:r>
+            </a:p>
+          </p:txBody>
+        </p:sp>
+        <p:sp>
+          <p:nvSpPr>
+            <p:cNvPr id="21" name="Прямоугольник 20">
+              <a:extLst>
+                <a:ext uri="{FF2B5EF4-FFF2-40B4-BE49-F238E27FC236}">
+                  <a16:creationId xmlns:a16="http://schemas.microsoft.com/office/drawing/2014/main" id="{6846E50F-D576-1737-F7FB-27E4652288F6}"/>
+                </a:ext>
+              </a:extLst>
+            </p:cNvPr>
+            <p:cNvSpPr/>
+            <p:nvPr/>
+          </p:nvSpPr>
+          <p:spPr>
+            <a:xfrm>
+              <a:off x="1211093" y="2549459"/>
+              <a:ext cx="1153538" cy="369651"/>
+            </a:xfrm>
+            <a:prstGeom prst="rect">
+              <a:avLst/>
+            </a:prstGeom>
+          </p:spPr>
+          <p:style>
+            <a:lnRef idx="2">
+              <a:schemeClr val="accent1">
+                <a:shade val="15000"/>
+              </a:schemeClr>
+            </a:lnRef>
+            <a:fillRef idx="1">
+              <a:schemeClr val="accent1"/>
+            </a:fillRef>
+            <a:effectRef idx="0">
+              <a:schemeClr val="accent1"/>
+            </a:effectRef>
+            <a:fontRef idx="minor">
+              <a:schemeClr val="lt1"/>
+            </a:fontRef>
+          </p:style>
+          <p:txBody>
+            <a:bodyPr rtlCol="0" anchor="ctr"/>
+            <a:lstStyle/>
+            <a:p>
+              <a:pPr algn="ctr"/>
+              <a:r>
+                <a:rPr lang="ru-RU" dirty="0"/>
+                <a:t>3 кв</a:t>
+              </a:r>
+            </a:p>
+          </p:txBody>
+        </p:sp>
+      </p:grpSp>
+      <p:sp>
+        <p:nvSpPr>
+          <p:cNvPr id="26" name="Прямоугольник 25">
+            <a:extLst>
+              <a:ext uri="{FF2B5EF4-FFF2-40B4-BE49-F238E27FC236}">
+                <a16:creationId xmlns:a16="http://schemas.microsoft.com/office/drawing/2014/main" id="{B3AC36F4-F46D-8EBA-5B38-D4D645FD9B87}"/>
+              </a:ext>
+            </a:extLst>
+          </p:cNvPr>
+          <p:cNvSpPr/>
+          <p:nvPr/>
+        </p:nvSpPr>
+        <p:spPr>
+          <a:xfrm>
+            <a:off x="2647273" y="2610794"/>
+            <a:ext cx="374515" cy="369651"/>
+          </a:xfrm>
+          <a:prstGeom prst="rect">
+            <a:avLst/>
+          </a:prstGeom>
+        </p:spPr>
+        <p:style>
+          <a:lnRef idx="2">
+            <a:schemeClr val="accent1">
+              <a:shade val="15000"/>
+            </a:schemeClr>
+          </a:lnRef>
+          <a:fillRef idx="1">
+            <a:schemeClr val="accent1"/>
+          </a:fillRef>
+          <a:effectRef idx="0">
+            <a:schemeClr val="accent1"/>
+          </a:effectRef>
+          <a:fontRef idx="minor">
+            <a:schemeClr val="lt1"/>
+          </a:fontRef>
+        </p:style>
+        <p:txBody>
+          <a:bodyPr rtlCol="0" anchor="ctr"/>
+          <a:lstStyle/>
+          <a:p>
+            <a:pPr algn="ctr"/>
+            <a:r>
+              <a:rPr lang="ru-RU" dirty="0"/>
+              <a:t>1</a:t>
+            </a:r>
+          </a:p>
+        </p:txBody>
+      </p:sp>
+      <p:sp>
+        <p:nvSpPr>
+          <p:cNvPr id="27" name="Прямоугольник 26">
+            <a:extLst>
+              <a:ext uri="{FF2B5EF4-FFF2-40B4-BE49-F238E27FC236}">
+                <a16:creationId xmlns:a16="http://schemas.microsoft.com/office/drawing/2014/main" id="{985B48AC-2090-8CC0-C627-08F7DC2E73DD}"/>
+              </a:ext>
+            </a:extLst>
+          </p:cNvPr>
+          <p:cNvSpPr/>
+          <p:nvPr/>
+        </p:nvSpPr>
+        <p:spPr>
+          <a:xfrm>
+            <a:off x="3113834" y="3140653"/>
+            <a:ext cx="374515" cy="369651"/>
+          </a:xfrm>
+          <a:prstGeom prst="rect">
+            <a:avLst/>
+          </a:prstGeom>
+        </p:spPr>
+        <p:style>
+          <a:lnRef idx="2">
+            <a:schemeClr val="accent1">
+              <a:shade val="15000"/>
+            </a:schemeClr>
+          </a:lnRef>
+          <a:fillRef idx="1">
+            <a:schemeClr val="accent1"/>
+          </a:fillRef>
+          <a:effectRef idx="0">
+            <a:schemeClr val="accent1"/>
+          </a:effectRef>
+          <a:fontRef idx="minor">
+            <a:schemeClr val="lt1"/>
+          </a:fontRef>
+        </p:style>
+        <p:txBody>
+          <a:bodyPr rtlCol="0" anchor="ctr"/>
+          <a:lstStyle/>
+          <a:p>
+            <a:pPr algn="ctr"/>
+            <a:r>
+              <a:rPr lang="ru-RU" dirty="0"/>
+              <a:t>3</a:t>
+            </a:r>
+          </a:p>
+        </p:txBody>
+      </p:sp>
+      <p:sp>
+        <p:nvSpPr>
+          <p:cNvPr id="28" name="Прямоугольник 27">
+            <a:extLst>
+              <a:ext uri="{FF2B5EF4-FFF2-40B4-BE49-F238E27FC236}">
+                <a16:creationId xmlns:a16="http://schemas.microsoft.com/office/drawing/2014/main" id="{7D67FE49-81FA-701A-492B-1B5B2017E39D}"/>
+              </a:ext>
+            </a:extLst>
+          </p:cNvPr>
+          <p:cNvSpPr/>
+          <p:nvPr/>
+        </p:nvSpPr>
+        <p:spPr>
+          <a:xfrm>
+            <a:off x="3826356" y="3140652"/>
+            <a:ext cx="374515" cy="369651"/>
+          </a:xfrm>
+          <a:prstGeom prst="rect">
+            <a:avLst/>
+          </a:prstGeom>
+        </p:spPr>
+        <p:style>
+          <a:lnRef idx="2">
+            <a:schemeClr val="accent1">
+              <a:shade val="15000"/>
+            </a:schemeClr>
+          </a:lnRef>
+          <a:fillRef idx="1">
+            <a:schemeClr val="accent1"/>
+          </a:fillRef>
+          <a:effectRef idx="0">
+            <a:schemeClr val="accent1"/>
+          </a:effectRef>
+          <a:fontRef idx="minor">
+            <a:schemeClr val="lt1"/>
+          </a:fontRef>
+        </p:style>
+        <p:txBody>
+          <a:bodyPr rtlCol="0" anchor="ctr"/>
+          <a:lstStyle/>
+          <a:p>
+            <a:pPr algn="ctr"/>
+            <a:r>
+              <a:rPr lang="ru-RU" dirty="0"/>
+              <a:t>4</a:t>
+            </a:r>
+          </a:p>
+        </p:txBody>
+      </p:sp>
+      <p:sp>
+        <p:nvSpPr>
+          <p:cNvPr id="2" name="TextBox 1">
+            <a:extLst>
+              <a:ext uri="{FF2B5EF4-FFF2-40B4-BE49-F238E27FC236}">
+                <a16:creationId xmlns:a16="http://schemas.microsoft.com/office/drawing/2014/main" id="{7F033468-ECF2-CDBA-53D6-823E1954FA1F}"/>
+              </a:ext>
+            </a:extLst>
+          </p:cNvPr>
+          <p:cNvSpPr txBox="1"/>
+          <p:nvPr/>
+        </p:nvSpPr>
+        <p:spPr>
+          <a:xfrm>
+            <a:off x="281843" y="467585"/>
+            <a:ext cx="4111254" cy="446276"/>
+          </a:xfrm>
+          <a:prstGeom prst="rect">
+            <a:avLst/>
+          </a:prstGeom>
+          <a:noFill/>
+        </p:spPr>
+        <p:txBody>
+          <a:bodyPr wrap="square" rtlCol="0">
+            <a:spAutoFit/>
+          </a:bodyPr>
+          <a:lstStyle/>
+          <a:p>
+            <a:r>
+              <a:rPr lang="ru-RU" sz="1100" b="1" dirty="0"/>
+              <a:t>3</a:t>
+            </a:r>
+            <a:r>
+              <a:rPr lang="ru-RU" sz="1050" dirty="0"/>
+              <a:t>.</a:t>
+            </a:r>
+            <a:r>
+              <a:rPr lang="ru-RU" sz="1100" dirty="0"/>
+              <a:t> Затем </a:t>
+            </a:r>
+            <a:r>
+              <a:rPr lang="ru-RU" sz="1200" dirty="0"/>
+              <a:t>происходит</a:t>
+            </a:r>
+            <a:r>
+              <a:rPr lang="ru-RU" sz="1100" dirty="0"/>
+              <a:t> создание новых квартальных секций. </a:t>
+            </a:r>
+          </a:p>
+          <a:p>
+            <a:r>
+              <a:rPr lang="ru-RU" sz="1100" dirty="0"/>
+              <a:t>Таблица 1 после создания квартальных секций</a:t>
+            </a:r>
+            <a:r>
+              <a:rPr lang="en-US" sz="1100" dirty="0"/>
+              <a:t>:</a:t>
+            </a:r>
+          </a:p>
+        </p:txBody>
+      </p:sp>
+      <p:sp>
+        <p:nvSpPr>
+          <p:cNvPr id="4" name="TextBox 3">
+            <a:extLst>
+              <a:ext uri="{FF2B5EF4-FFF2-40B4-BE49-F238E27FC236}">
+                <a16:creationId xmlns:a16="http://schemas.microsoft.com/office/drawing/2014/main" id="{0212771A-97AB-076C-818D-DD713BFDDDE9}"/>
+              </a:ext>
+            </a:extLst>
+          </p:cNvPr>
+          <p:cNvSpPr txBox="1"/>
+          <p:nvPr/>
+        </p:nvSpPr>
+        <p:spPr>
+          <a:xfrm>
+            <a:off x="321599" y="2146029"/>
+            <a:ext cx="4111254" cy="430887"/>
+          </a:xfrm>
+          <a:prstGeom prst="rect">
+            <a:avLst/>
+          </a:prstGeom>
+          <a:noFill/>
+        </p:spPr>
+        <p:txBody>
+          <a:bodyPr wrap="square" rtlCol="0">
+            <a:spAutoFit/>
+          </a:bodyPr>
+          <a:lstStyle/>
+          <a:p>
+            <a:r>
+              <a:rPr lang="ru-RU" sz="1100" b="1" dirty="0"/>
+              <a:t>4</a:t>
+            </a:r>
+            <a:r>
+              <a:rPr lang="ru-RU" sz="1050" dirty="0"/>
+              <a:t>.</a:t>
+            </a:r>
+            <a:r>
+              <a:rPr lang="ru-RU" sz="1100" dirty="0"/>
+              <a:t> Из отсоединенных ежемесячных секций данные переносятся во вновь созданные квартальные</a:t>
+            </a:r>
+            <a:endParaRPr lang="en-US" sz="1100" dirty="0"/>
+          </a:p>
+        </p:txBody>
+      </p:sp>
+      <p:grpSp>
+        <p:nvGrpSpPr>
+          <p:cNvPr id="6" name="Группа 5">
+            <a:extLst>
+              <a:ext uri="{FF2B5EF4-FFF2-40B4-BE49-F238E27FC236}">
+                <a16:creationId xmlns:a16="http://schemas.microsoft.com/office/drawing/2014/main" id="{0CEC5CC6-4497-756F-A9ED-B7C6E8C401FF}"/>
+              </a:ext>
+            </a:extLst>
+          </p:cNvPr>
+          <p:cNvGrpSpPr/>
+          <p:nvPr/>
+        </p:nvGrpSpPr>
+        <p:grpSpPr>
+          <a:xfrm>
+            <a:off x="1511399" y="3170944"/>
+            <a:ext cx="1153539" cy="1131647"/>
+            <a:chOff x="1211093" y="1787463"/>
+            <a:chExt cx="1153539" cy="1131647"/>
+          </a:xfrm>
+        </p:grpSpPr>
+        <p:sp>
+          <p:nvSpPr>
+            <p:cNvPr id="10" name="Прямоугольник 9">
+              <a:extLst>
+                <a:ext uri="{FF2B5EF4-FFF2-40B4-BE49-F238E27FC236}">
+                  <a16:creationId xmlns:a16="http://schemas.microsoft.com/office/drawing/2014/main" id="{8EC7CC12-F00D-17F7-5F5D-6A29EBD2F928}"/>
+                </a:ext>
+              </a:extLst>
+            </p:cNvPr>
+            <p:cNvSpPr/>
+            <p:nvPr/>
+          </p:nvSpPr>
+          <p:spPr>
+            <a:xfrm>
+              <a:off x="1211094" y="1787463"/>
+              <a:ext cx="1153538" cy="369651"/>
+            </a:xfrm>
+            <a:prstGeom prst="rect">
+              <a:avLst/>
+            </a:prstGeom>
+            <a:solidFill>
+              <a:schemeClr val="accent1">
+                <a:lumMod val="40000"/>
+                <a:lumOff val="60000"/>
+              </a:schemeClr>
+            </a:solidFill>
+          </p:spPr>
+          <p:style>
+            <a:lnRef idx="2">
+              <a:schemeClr val="accent1">
+                <a:shade val="15000"/>
+              </a:schemeClr>
+            </a:lnRef>
+            <a:fillRef idx="1">
+              <a:schemeClr val="accent1"/>
+            </a:fillRef>
+            <a:effectRef idx="0">
+              <a:schemeClr val="accent1"/>
+            </a:effectRef>
+            <a:fontRef idx="minor">
+              <a:schemeClr val="lt1"/>
+            </a:fontRef>
+          </p:style>
+          <p:txBody>
+            <a:bodyPr rtlCol="0" anchor="ctr"/>
+            <a:lstStyle/>
+            <a:p>
+              <a:pPr algn="ctr"/>
+              <a:r>
+                <a:rPr lang="en-US" dirty="0"/>
+                <a:t>1</a:t>
+              </a:r>
+              <a:r>
+                <a:rPr lang="ru-RU" dirty="0"/>
+                <a:t> кв</a:t>
+              </a:r>
+            </a:p>
+          </p:txBody>
+        </p:sp>
+        <p:sp>
+          <p:nvSpPr>
+            <p:cNvPr id="13" name="Прямоугольник 12">
+              <a:extLst>
+                <a:ext uri="{FF2B5EF4-FFF2-40B4-BE49-F238E27FC236}">
+                  <a16:creationId xmlns:a16="http://schemas.microsoft.com/office/drawing/2014/main" id="{103EBDB2-C6BA-74D2-C895-8ED234B2DF0D}"/>
+                </a:ext>
+              </a:extLst>
+            </p:cNvPr>
+            <p:cNvSpPr/>
+            <p:nvPr/>
+          </p:nvSpPr>
+          <p:spPr>
+            <a:xfrm>
+              <a:off x="1211093" y="2168461"/>
+              <a:ext cx="1153538" cy="369651"/>
+            </a:xfrm>
+            <a:prstGeom prst="rect">
+              <a:avLst/>
+            </a:prstGeom>
+            <a:solidFill>
+              <a:schemeClr val="accent1">
+                <a:lumMod val="40000"/>
+                <a:lumOff val="60000"/>
+              </a:schemeClr>
+            </a:solidFill>
+          </p:spPr>
+          <p:style>
+            <a:lnRef idx="2">
+              <a:schemeClr val="accent1">
+                <a:shade val="15000"/>
+              </a:schemeClr>
+            </a:lnRef>
+            <a:fillRef idx="1">
+              <a:schemeClr val="accent1"/>
+            </a:fillRef>
+            <a:effectRef idx="0">
+              <a:schemeClr val="accent1"/>
+            </a:effectRef>
+            <a:fontRef idx="minor">
+              <a:schemeClr val="lt1"/>
+            </a:fontRef>
+          </p:style>
+          <p:txBody>
+            <a:bodyPr rtlCol="0" anchor="ctr"/>
+            <a:lstStyle/>
+            <a:p>
+              <a:pPr algn="ctr"/>
+              <a:r>
+                <a:rPr lang="ru-RU" dirty="0"/>
+                <a:t>2 кв</a:t>
+              </a:r>
+            </a:p>
+          </p:txBody>
+        </p:sp>
+        <p:sp>
+          <p:nvSpPr>
+            <p:cNvPr id="14" name="Прямоугольник 13">
+              <a:extLst>
+                <a:ext uri="{FF2B5EF4-FFF2-40B4-BE49-F238E27FC236}">
+                  <a16:creationId xmlns:a16="http://schemas.microsoft.com/office/drawing/2014/main" id="{6ED94F5B-D24A-FBFA-1373-4C72056F339B}"/>
+                </a:ext>
+              </a:extLst>
+            </p:cNvPr>
+            <p:cNvSpPr/>
+            <p:nvPr/>
+          </p:nvSpPr>
+          <p:spPr>
+            <a:xfrm>
+              <a:off x="1211093" y="2549459"/>
+              <a:ext cx="1153538" cy="369651"/>
+            </a:xfrm>
+            <a:prstGeom prst="rect">
+              <a:avLst/>
+            </a:prstGeom>
+            <a:solidFill>
+              <a:schemeClr val="accent1">
+                <a:lumMod val="40000"/>
+                <a:lumOff val="60000"/>
+              </a:schemeClr>
+            </a:solidFill>
+          </p:spPr>
+          <p:style>
+            <a:lnRef idx="2">
+              <a:schemeClr val="accent1">
+                <a:shade val="15000"/>
+              </a:schemeClr>
+            </a:lnRef>
+            <a:fillRef idx="1">
+              <a:schemeClr val="accent1"/>
+            </a:fillRef>
+            <a:effectRef idx="0">
+              <a:schemeClr val="accent1"/>
+            </a:effectRef>
+            <a:fontRef idx="minor">
+              <a:schemeClr val="lt1"/>
+            </a:fontRef>
+          </p:style>
+          <p:txBody>
+            <a:bodyPr rtlCol="0" anchor="ctr"/>
+            <a:lstStyle/>
+            <a:p>
+              <a:pPr algn="ctr"/>
+              <a:r>
+                <a:rPr lang="ru-RU" dirty="0"/>
+                <a:t>3 кв</a:t>
+              </a:r>
+            </a:p>
+          </p:txBody>
+        </p:sp>
+      </p:grpSp>
+      <p:sp>
+        <p:nvSpPr>
+          <p:cNvPr id="15" name="Прямоугольник 14">
+            <a:extLst>
+              <a:ext uri="{FF2B5EF4-FFF2-40B4-BE49-F238E27FC236}">
+                <a16:creationId xmlns:a16="http://schemas.microsoft.com/office/drawing/2014/main" id="{D0795722-DBE9-A882-A500-AF338A436E62}"/>
+              </a:ext>
+            </a:extLst>
+          </p:cNvPr>
+          <p:cNvSpPr/>
+          <p:nvPr/>
+        </p:nvSpPr>
+        <p:spPr>
+          <a:xfrm>
+            <a:off x="2431764" y="4526968"/>
+            <a:ext cx="374515" cy="369651"/>
+          </a:xfrm>
+          <a:prstGeom prst="rect">
+            <a:avLst/>
+          </a:prstGeom>
+        </p:spPr>
+        <p:style>
+          <a:lnRef idx="2">
+            <a:schemeClr val="accent1">
+              <a:shade val="15000"/>
+            </a:schemeClr>
+          </a:lnRef>
+          <a:fillRef idx="1">
+            <a:schemeClr val="accent1"/>
+          </a:fillRef>
+          <a:effectRef idx="0">
+            <a:schemeClr val="accent1"/>
+          </a:effectRef>
+          <a:fontRef idx="minor">
+            <a:schemeClr val="lt1"/>
+          </a:fontRef>
+        </p:style>
+        <p:txBody>
+          <a:bodyPr rtlCol="0" anchor="ctr"/>
+          <a:lstStyle/>
+          <a:p>
+            <a:pPr algn="ctr"/>
+            <a:r>
+              <a:rPr lang="ru-RU" dirty="0"/>
+              <a:t>7</a:t>
+            </a:r>
+          </a:p>
+        </p:txBody>
+      </p:sp>
+      <p:sp>
+        <p:nvSpPr>
+          <p:cNvPr id="16" name="Прямоугольник 15">
+            <a:extLst>
+              <a:ext uri="{FF2B5EF4-FFF2-40B4-BE49-F238E27FC236}">
+                <a16:creationId xmlns:a16="http://schemas.microsoft.com/office/drawing/2014/main" id="{172FA4AD-E9C8-2A5F-404C-022C4512C739}"/>
+              </a:ext>
+            </a:extLst>
+          </p:cNvPr>
+          <p:cNvSpPr/>
+          <p:nvPr/>
+        </p:nvSpPr>
+        <p:spPr>
+          <a:xfrm>
+            <a:off x="3020205" y="4098649"/>
+            <a:ext cx="374515" cy="369651"/>
+          </a:xfrm>
+          <a:prstGeom prst="rect">
+            <a:avLst/>
+          </a:prstGeom>
+        </p:spPr>
+        <p:style>
+          <a:lnRef idx="2">
+            <a:schemeClr val="accent1">
+              <a:shade val="15000"/>
+            </a:schemeClr>
+          </a:lnRef>
+          <a:fillRef idx="1">
+            <a:schemeClr val="accent1"/>
+          </a:fillRef>
+          <a:effectRef idx="0">
+            <a:schemeClr val="accent1"/>
+          </a:effectRef>
+          <a:fontRef idx="minor">
+            <a:schemeClr val="lt1"/>
+          </a:fontRef>
+        </p:style>
+        <p:txBody>
+          <a:bodyPr rtlCol="0" anchor="ctr"/>
+          <a:lstStyle/>
+          <a:p>
+            <a:pPr algn="ctr"/>
+            <a:r>
+              <a:rPr lang="ru-RU" dirty="0"/>
+              <a:t>8</a:t>
+            </a:r>
+          </a:p>
+        </p:txBody>
+      </p:sp>
+      <p:sp>
+        <p:nvSpPr>
+          <p:cNvPr id="17" name="Прямоугольник 16">
+            <a:extLst>
+              <a:ext uri="{FF2B5EF4-FFF2-40B4-BE49-F238E27FC236}">
+                <a16:creationId xmlns:a16="http://schemas.microsoft.com/office/drawing/2014/main" id="{5561662D-ECB0-026F-7CD2-A5B59387223A}"/>
+              </a:ext>
+            </a:extLst>
+          </p:cNvPr>
+          <p:cNvSpPr/>
+          <p:nvPr/>
+        </p:nvSpPr>
+        <p:spPr>
+          <a:xfrm>
+            <a:off x="3937247" y="4109618"/>
+            <a:ext cx="374515" cy="369651"/>
+          </a:xfrm>
+          <a:prstGeom prst="rect">
+            <a:avLst/>
+          </a:prstGeom>
+        </p:spPr>
+        <p:style>
+          <a:lnRef idx="2">
+            <a:schemeClr val="accent1">
+              <a:shade val="15000"/>
+            </a:schemeClr>
+          </a:lnRef>
+          <a:fillRef idx="1">
+            <a:schemeClr val="accent1"/>
+          </a:fillRef>
+          <a:effectRef idx="0">
+            <a:schemeClr val="accent1"/>
+          </a:effectRef>
+          <a:fontRef idx="minor">
+            <a:schemeClr val="lt1"/>
+          </a:fontRef>
+        </p:style>
+        <p:txBody>
+          <a:bodyPr rtlCol="0" anchor="ctr"/>
+          <a:lstStyle/>
+          <a:p>
+            <a:pPr algn="ctr"/>
+            <a:r>
+              <a:rPr lang="ru-RU" dirty="0"/>
+              <a:t>6</a:t>
+            </a:r>
+          </a:p>
+        </p:txBody>
+      </p:sp>
+      <p:sp>
+        <p:nvSpPr>
+          <p:cNvPr id="18" name="Прямоугольник 17">
+            <a:extLst>
+              <a:ext uri="{FF2B5EF4-FFF2-40B4-BE49-F238E27FC236}">
+                <a16:creationId xmlns:a16="http://schemas.microsoft.com/office/drawing/2014/main" id="{4EAB4D63-DA6B-9A25-D6B5-D789D40F5D2E}"/>
+              </a:ext>
+            </a:extLst>
+          </p:cNvPr>
+          <p:cNvSpPr/>
+          <p:nvPr/>
+        </p:nvSpPr>
+        <p:spPr>
+          <a:xfrm>
+            <a:off x="3301092" y="4605395"/>
+            <a:ext cx="374515" cy="369651"/>
+          </a:xfrm>
+          <a:prstGeom prst="rect">
+            <a:avLst/>
+          </a:prstGeom>
+        </p:spPr>
+        <p:style>
+          <a:lnRef idx="2">
+            <a:schemeClr val="accent1">
+              <a:shade val="15000"/>
+            </a:schemeClr>
+          </a:lnRef>
+          <a:fillRef idx="1">
+            <a:schemeClr val="accent1"/>
+          </a:fillRef>
+          <a:effectRef idx="0">
+            <a:schemeClr val="accent1"/>
+          </a:effectRef>
+          <a:fontRef idx="minor">
+            <a:schemeClr val="lt1"/>
+          </a:fontRef>
+        </p:style>
+        <p:txBody>
+          <a:bodyPr rtlCol="0" anchor="ctr"/>
+          <a:lstStyle/>
+          <a:p>
+            <a:pPr algn="ctr"/>
+            <a:r>
+              <a:rPr lang="ru-RU" dirty="0"/>
+              <a:t>9</a:t>
+            </a:r>
+          </a:p>
+        </p:txBody>
+      </p:sp>
+      <p:sp>
+        <p:nvSpPr>
+          <p:cNvPr id="19" name="Прямоугольник 18">
+            <a:extLst>
+              <a:ext uri="{FF2B5EF4-FFF2-40B4-BE49-F238E27FC236}">
+                <a16:creationId xmlns:a16="http://schemas.microsoft.com/office/drawing/2014/main" id="{68A891BD-93E5-575F-F737-8639DC4C9661}"/>
+              </a:ext>
+            </a:extLst>
+          </p:cNvPr>
+          <p:cNvSpPr/>
+          <p:nvPr/>
+        </p:nvSpPr>
+        <p:spPr>
+          <a:xfrm>
+            <a:off x="4245594" y="3624258"/>
+            <a:ext cx="374515" cy="369651"/>
+          </a:xfrm>
+          <a:prstGeom prst="rect">
+            <a:avLst/>
+          </a:prstGeom>
+        </p:spPr>
+        <p:style>
+          <a:lnRef idx="2">
+            <a:schemeClr val="accent1">
+              <a:shade val="15000"/>
+            </a:schemeClr>
+          </a:lnRef>
+          <a:fillRef idx="1">
+            <a:schemeClr val="accent1"/>
+          </a:fillRef>
+          <a:effectRef idx="0">
+            <a:schemeClr val="accent1"/>
+          </a:effectRef>
+          <a:fontRef idx="minor">
+            <a:schemeClr val="lt1"/>
+          </a:fontRef>
+        </p:style>
+        <p:txBody>
+          <a:bodyPr rtlCol="0" anchor="ctr"/>
+          <a:lstStyle/>
+          <a:p>
+            <a:pPr algn="ctr"/>
+            <a:r>
+              <a:rPr lang="ru-RU" dirty="0"/>
+              <a:t>5</a:t>
+            </a:r>
+          </a:p>
+        </p:txBody>
+      </p:sp>
+      <p:sp>
+        <p:nvSpPr>
+          <p:cNvPr id="20" name="Прямоугольник 19">
+            <a:extLst>
+              <a:ext uri="{FF2B5EF4-FFF2-40B4-BE49-F238E27FC236}">
+                <a16:creationId xmlns:a16="http://schemas.microsoft.com/office/drawing/2014/main" id="{046A5D84-9C09-6066-2F03-0FBFC808CFEB}"/>
+              </a:ext>
+            </a:extLst>
+          </p:cNvPr>
+          <p:cNvSpPr/>
+          <p:nvPr/>
+        </p:nvSpPr>
+        <p:spPr>
+          <a:xfrm>
+            <a:off x="3301091" y="2605293"/>
+            <a:ext cx="374515" cy="369651"/>
+          </a:xfrm>
+          <a:prstGeom prst="rect">
+            <a:avLst/>
+          </a:prstGeom>
+        </p:spPr>
+        <p:style>
+          <a:lnRef idx="2">
+            <a:schemeClr val="accent1">
+              <a:shade val="15000"/>
+            </a:schemeClr>
+          </a:lnRef>
+          <a:fillRef idx="1">
+            <a:schemeClr val="accent1"/>
+          </a:fillRef>
+          <a:effectRef idx="0">
+            <a:schemeClr val="accent1"/>
+          </a:effectRef>
+          <a:fontRef idx="minor">
+            <a:schemeClr val="lt1"/>
+          </a:fontRef>
+        </p:style>
+        <p:txBody>
+          <a:bodyPr rtlCol="0" anchor="ctr"/>
+          <a:lstStyle/>
+          <a:p>
+            <a:pPr algn="ctr"/>
+            <a:r>
+              <a:rPr lang="ru-RU" dirty="0"/>
+              <a:t>2</a:t>
+            </a:r>
+          </a:p>
+        </p:txBody>
+      </p:sp>
+      <p:cxnSp>
+        <p:nvCxnSpPr>
+          <p:cNvPr id="24" name="Соединитель: изогнутый 23">
+            <a:extLst>
+              <a:ext uri="{FF2B5EF4-FFF2-40B4-BE49-F238E27FC236}">
+                <a16:creationId xmlns:a16="http://schemas.microsoft.com/office/drawing/2014/main" id="{1698506F-21B0-84A1-8362-028E6F001A31}"/>
+              </a:ext>
+            </a:extLst>
+          </p:cNvPr>
+          <p:cNvCxnSpPr>
+            <a:cxnSpLocks/>
+            <a:endCxn id="10" idx="1"/>
+          </p:cNvCxnSpPr>
+          <p:nvPr/>
+        </p:nvCxnSpPr>
+        <p:spPr>
+          <a:xfrm rot="10800000" flipV="1">
+            <a:off x="1511400" y="2605290"/>
+            <a:ext cx="1323130" cy="750479"/>
+          </a:xfrm>
+          <a:prstGeom prst="curvedConnector3">
+            <a:avLst>
+              <a:gd name="adj1" fmla="val 117277"/>
+            </a:avLst>
+          </a:prstGeom>
+          <a:ln>
+            <a:tailEnd type="triangle"/>
+          </a:ln>
+        </p:spPr>
+        <p:style>
+          <a:lnRef idx="1">
+            <a:schemeClr val="accent1"/>
+          </a:lnRef>
+          <a:fillRef idx="0">
+            <a:schemeClr val="accent1"/>
+          </a:fillRef>
+          <a:effectRef idx="0">
+            <a:schemeClr val="accent1"/>
+          </a:effectRef>
+          <a:fontRef idx="minor">
+            <a:schemeClr val="tx1"/>
+          </a:fontRef>
+        </p:style>
+      </p:cxnSp>
+      <p:cxnSp>
+        <p:nvCxnSpPr>
+          <p:cNvPr id="129" name="Соединитель: изогнутый 128">
+            <a:extLst>
+              <a:ext uri="{FF2B5EF4-FFF2-40B4-BE49-F238E27FC236}">
+                <a16:creationId xmlns:a16="http://schemas.microsoft.com/office/drawing/2014/main" id="{935ED3B4-885A-0785-8D6E-4ECF99AF857E}"/>
+              </a:ext>
+            </a:extLst>
+          </p:cNvPr>
+          <p:cNvCxnSpPr>
+            <a:cxnSpLocks/>
+            <a:stCxn id="20" idx="2"/>
+            <a:endCxn id="10" idx="0"/>
+          </p:cNvCxnSpPr>
+          <p:nvPr/>
+        </p:nvCxnSpPr>
+        <p:spPr>
+          <a:xfrm rot="5400000">
+            <a:off x="2690259" y="2372854"/>
+            <a:ext cx="196000" cy="1400180"/>
+          </a:xfrm>
+          <a:prstGeom prst="curvedConnector3">
+            <a:avLst>
+              <a:gd name="adj1" fmla="val 50000"/>
+            </a:avLst>
+          </a:prstGeom>
+          <a:ln>
+            <a:tailEnd type="triangle"/>
+          </a:ln>
+        </p:spPr>
+        <p:style>
+          <a:lnRef idx="1">
+            <a:schemeClr val="accent1"/>
+          </a:lnRef>
+          <a:fillRef idx="0">
+            <a:schemeClr val="accent1"/>
+          </a:fillRef>
+          <a:effectRef idx="0">
+            <a:schemeClr val="accent1"/>
+          </a:effectRef>
+          <a:fontRef idx="minor">
+            <a:schemeClr val="tx1"/>
+          </a:fontRef>
+        </p:style>
+      </p:cxnSp>
+      <p:cxnSp>
+        <p:nvCxnSpPr>
+          <p:cNvPr id="134" name="Соединитель: изогнутый 133">
+            <a:extLst>
+              <a:ext uri="{FF2B5EF4-FFF2-40B4-BE49-F238E27FC236}">
+                <a16:creationId xmlns:a16="http://schemas.microsoft.com/office/drawing/2014/main" id="{4E5B61A1-4DE7-A08F-5EE4-3C3C3A570C60}"/>
+              </a:ext>
+            </a:extLst>
+          </p:cNvPr>
+          <p:cNvCxnSpPr>
+            <a:cxnSpLocks/>
+            <a:stCxn id="27" idx="0"/>
+            <a:endCxn id="10" idx="3"/>
+          </p:cNvCxnSpPr>
+          <p:nvPr/>
+        </p:nvCxnSpPr>
+        <p:spPr>
+          <a:xfrm rot="16200000" flipH="1" flipV="1">
+            <a:off x="2875456" y="2930134"/>
+            <a:ext cx="215117" cy="636154"/>
+          </a:xfrm>
+          <a:prstGeom prst="curvedConnector4">
+            <a:avLst>
+              <a:gd name="adj1" fmla="val -18482"/>
+              <a:gd name="adj2" fmla="val 64718"/>
+            </a:avLst>
+          </a:prstGeom>
+          <a:ln>
+            <a:tailEnd type="triangle"/>
+          </a:ln>
+        </p:spPr>
+        <p:style>
+          <a:lnRef idx="1">
+            <a:schemeClr val="accent1"/>
+          </a:lnRef>
+          <a:fillRef idx="0">
+            <a:schemeClr val="accent1"/>
+          </a:fillRef>
+          <a:effectRef idx="0">
+            <a:schemeClr val="accent1"/>
+          </a:effectRef>
+          <a:fontRef idx="minor">
+            <a:schemeClr val="tx1"/>
+          </a:fontRef>
+        </p:style>
+      </p:cxnSp>
+      <p:cxnSp>
+        <p:nvCxnSpPr>
+          <p:cNvPr id="138" name="Соединитель: изогнутый 137">
+            <a:extLst>
+              <a:ext uri="{FF2B5EF4-FFF2-40B4-BE49-F238E27FC236}">
+                <a16:creationId xmlns:a16="http://schemas.microsoft.com/office/drawing/2014/main" id="{FC52D9BC-1C94-214F-541C-17AE5A3F8614}"/>
+              </a:ext>
+            </a:extLst>
+          </p:cNvPr>
+          <p:cNvCxnSpPr>
+            <a:cxnSpLocks/>
+            <a:stCxn id="28" idx="1"/>
+          </p:cNvCxnSpPr>
+          <p:nvPr/>
+        </p:nvCxnSpPr>
+        <p:spPr>
+          <a:xfrm rot="10800000" flipV="1">
+            <a:off x="2664936" y="3325478"/>
+            <a:ext cx="1161420" cy="422636"/>
+          </a:xfrm>
+          <a:prstGeom prst="curvedConnector3">
+            <a:avLst>
+              <a:gd name="adj1" fmla="val 17481"/>
+            </a:avLst>
+          </a:prstGeom>
+          <a:ln>
+            <a:tailEnd type="triangle"/>
+          </a:ln>
+        </p:spPr>
+        <p:style>
+          <a:lnRef idx="1">
+            <a:schemeClr val="accent1"/>
+          </a:lnRef>
+          <a:fillRef idx="0">
+            <a:schemeClr val="accent1"/>
+          </a:fillRef>
+          <a:effectRef idx="0">
+            <a:schemeClr val="accent1"/>
+          </a:effectRef>
+          <a:fontRef idx="minor">
+            <a:schemeClr val="tx1"/>
+          </a:fontRef>
+        </p:style>
+      </p:cxnSp>
+      <p:cxnSp>
+        <p:nvCxnSpPr>
+          <p:cNvPr id="141" name="Соединитель: изогнутый 140">
+            <a:extLst>
+              <a:ext uri="{FF2B5EF4-FFF2-40B4-BE49-F238E27FC236}">
+                <a16:creationId xmlns:a16="http://schemas.microsoft.com/office/drawing/2014/main" id="{EA03CE4C-477A-7B86-021B-96EA3B81C465}"/>
+              </a:ext>
+            </a:extLst>
+          </p:cNvPr>
+          <p:cNvCxnSpPr>
+            <a:cxnSpLocks/>
+            <a:stCxn id="19" idx="1"/>
+            <a:endCxn id="13" idx="3"/>
+          </p:cNvCxnSpPr>
+          <p:nvPr/>
+        </p:nvCxnSpPr>
+        <p:spPr>
+          <a:xfrm rot="10800000">
+            <a:off x="2664938" y="3736768"/>
+            <a:ext cx="1580657" cy="72316"/>
+          </a:xfrm>
+          <a:prstGeom prst="curvedConnector3">
+            <a:avLst>
+              <a:gd name="adj1" fmla="val 50000"/>
+            </a:avLst>
+          </a:prstGeom>
+          <a:ln>
+            <a:tailEnd type="triangle"/>
+          </a:ln>
+        </p:spPr>
+        <p:style>
+          <a:lnRef idx="1">
+            <a:schemeClr val="accent1"/>
+          </a:lnRef>
+          <a:fillRef idx="0">
+            <a:schemeClr val="accent1"/>
+          </a:fillRef>
+          <a:effectRef idx="0">
+            <a:schemeClr val="accent1"/>
+          </a:effectRef>
+          <a:fontRef idx="minor">
+            <a:schemeClr val="tx1"/>
+          </a:fontRef>
+        </p:style>
+      </p:cxnSp>
+      <p:cxnSp>
+        <p:nvCxnSpPr>
+          <p:cNvPr id="144" name="Соединитель: изогнутый 143">
+            <a:extLst>
+              <a:ext uri="{FF2B5EF4-FFF2-40B4-BE49-F238E27FC236}">
+                <a16:creationId xmlns:a16="http://schemas.microsoft.com/office/drawing/2014/main" id="{95D37D6C-7B2F-9AE9-3E05-C119ED583BA2}"/>
+              </a:ext>
+            </a:extLst>
+          </p:cNvPr>
+          <p:cNvCxnSpPr>
+            <a:cxnSpLocks/>
+            <a:stCxn id="17" idx="0"/>
+            <a:endCxn id="13" idx="3"/>
+          </p:cNvCxnSpPr>
+          <p:nvPr/>
+        </p:nvCxnSpPr>
+        <p:spPr>
+          <a:xfrm rot="16200000" flipV="1">
+            <a:off x="3208296" y="3193409"/>
+            <a:ext cx="372850" cy="1459568"/>
+          </a:xfrm>
+          <a:prstGeom prst="curvedConnector2">
+            <a:avLst/>
+          </a:prstGeom>
+          <a:ln>
+            <a:tailEnd type="triangle"/>
+          </a:ln>
+        </p:spPr>
+        <p:style>
+          <a:lnRef idx="1">
+            <a:schemeClr val="accent1"/>
+          </a:lnRef>
+          <a:fillRef idx="0">
+            <a:schemeClr val="accent1"/>
+          </a:fillRef>
+          <a:effectRef idx="0">
+            <a:schemeClr val="accent1"/>
+          </a:effectRef>
+          <a:fontRef idx="minor">
+            <a:schemeClr val="tx1"/>
+          </a:fontRef>
+        </p:style>
+      </p:cxnSp>
+      <p:cxnSp>
+        <p:nvCxnSpPr>
+          <p:cNvPr id="147" name="Соединитель: изогнутый 146">
+            <a:extLst>
+              <a:ext uri="{FF2B5EF4-FFF2-40B4-BE49-F238E27FC236}">
+                <a16:creationId xmlns:a16="http://schemas.microsoft.com/office/drawing/2014/main" id="{96E33C17-88FD-A542-CB2D-2CE1827B849C}"/>
+              </a:ext>
+            </a:extLst>
+          </p:cNvPr>
+          <p:cNvCxnSpPr>
+            <a:cxnSpLocks/>
+            <a:stCxn id="15" idx="0"/>
+            <a:endCxn id="14" idx="2"/>
+          </p:cNvCxnSpPr>
+          <p:nvPr/>
+        </p:nvCxnSpPr>
+        <p:spPr>
+          <a:xfrm rot="16200000" flipV="1">
+            <a:off x="2241407" y="4149353"/>
+            <a:ext cx="224377" cy="530854"/>
+          </a:xfrm>
+          <a:prstGeom prst="curvedConnector3">
+            <a:avLst>
+              <a:gd name="adj1" fmla="val 50000"/>
+            </a:avLst>
+          </a:prstGeom>
+          <a:ln>
+            <a:tailEnd type="triangle"/>
+          </a:ln>
+        </p:spPr>
+        <p:style>
+          <a:lnRef idx="1">
+            <a:schemeClr val="accent1"/>
+          </a:lnRef>
+          <a:fillRef idx="0">
+            <a:schemeClr val="accent1"/>
+          </a:fillRef>
+          <a:effectRef idx="0">
+            <a:schemeClr val="accent1"/>
+          </a:effectRef>
+          <a:fontRef idx="minor">
+            <a:schemeClr val="tx1"/>
+          </a:fontRef>
+        </p:style>
+      </p:cxnSp>
+      <p:cxnSp>
+        <p:nvCxnSpPr>
+          <p:cNvPr id="150" name="Соединитель: изогнутый 149">
+            <a:extLst>
+              <a:ext uri="{FF2B5EF4-FFF2-40B4-BE49-F238E27FC236}">
+                <a16:creationId xmlns:a16="http://schemas.microsoft.com/office/drawing/2014/main" id="{DD676893-5345-1C70-FE8E-C3EED0E02937}"/>
+              </a:ext>
+            </a:extLst>
+          </p:cNvPr>
+          <p:cNvCxnSpPr>
+            <a:cxnSpLocks/>
+            <a:stCxn id="16" idx="0"/>
+            <a:endCxn id="14" idx="3"/>
+          </p:cNvCxnSpPr>
+          <p:nvPr/>
+        </p:nvCxnSpPr>
+        <p:spPr>
+          <a:xfrm rot="16200000" flipH="1" flipV="1">
+            <a:off x="2926641" y="3836944"/>
+            <a:ext cx="19117" cy="542526"/>
+          </a:xfrm>
+          <a:prstGeom prst="curvedConnector4">
+            <a:avLst>
+              <a:gd name="adj1" fmla="val -623895"/>
+              <a:gd name="adj2" fmla="val 67258"/>
+            </a:avLst>
+          </a:prstGeom>
+          <a:ln>
+            <a:tailEnd type="triangle"/>
+          </a:ln>
+        </p:spPr>
+        <p:style>
+          <a:lnRef idx="1">
+            <a:schemeClr val="accent1"/>
+          </a:lnRef>
+          <a:fillRef idx="0">
+            <a:schemeClr val="accent1"/>
+          </a:fillRef>
+          <a:effectRef idx="0">
+            <a:schemeClr val="accent1"/>
+          </a:effectRef>
+          <a:fontRef idx="minor">
+            <a:schemeClr val="tx1"/>
+          </a:fontRef>
+        </p:style>
+      </p:cxnSp>
+      <p:cxnSp>
+        <p:nvCxnSpPr>
+          <p:cNvPr id="155" name="Соединитель: изогнутый 154">
+            <a:extLst>
+              <a:ext uri="{FF2B5EF4-FFF2-40B4-BE49-F238E27FC236}">
+                <a16:creationId xmlns:a16="http://schemas.microsoft.com/office/drawing/2014/main" id="{A3003A93-CAAD-0EB2-BB38-758FE8D29AC7}"/>
+              </a:ext>
+            </a:extLst>
+          </p:cNvPr>
+          <p:cNvCxnSpPr>
+            <a:cxnSpLocks/>
+            <a:stCxn id="18" idx="1"/>
+            <a:endCxn id="14" idx="3"/>
+          </p:cNvCxnSpPr>
+          <p:nvPr/>
+        </p:nvCxnSpPr>
+        <p:spPr>
+          <a:xfrm rot="10800000">
+            <a:off x="2664938" y="4117767"/>
+            <a:ext cx="636155" cy="672455"/>
+          </a:xfrm>
+          <a:prstGeom prst="curvedConnector3">
+            <a:avLst>
+              <a:gd name="adj1" fmla="val 50000"/>
+            </a:avLst>
+          </a:prstGeom>
+          <a:ln>
+            <a:tailEnd type="triangle"/>
+          </a:ln>
+        </p:spPr>
+        <p:style>
+          <a:lnRef idx="1">
+            <a:schemeClr val="accent1"/>
+          </a:lnRef>
+          <a:fillRef idx="0">
+            <a:schemeClr val="accent1"/>
+          </a:fillRef>
+          <a:effectRef idx="0">
+            <a:schemeClr val="accent1"/>
+          </a:effectRef>
+          <a:fontRef idx="minor">
+            <a:schemeClr val="tx1"/>
+          </a:fontRef>
+        </p:style>
+      </p:cxnSp>
+    </p:spTree>
+    <p:extLst>
+      <p:ext uri="{BB962C8B-B14F-4D97-AF65-F5344CB8AC3E}">
+        <p14:creationId xmlns:p14="http://schemas.microsoft.com/office/powerpoint/2010/main" val="1294617794"/>
+      </p:ext>
+    </p:extLst>
+  </p:cSld>
+  <p:clrMapOvr>
+    <a:masterClrMapping/>
+  </p:clrMapOvr>
+</p:sld>
+</file>
+
+<file path=ppt/slides/slide15.xml><?xml version="1.0" encoding="utf-8"?>
+<p:sld xmlns:a="http://schemas.openxmlformats.org/drawingml/2006/main" xmlns:r="http://schemas.openxmlformats.org/officeDocument/2006/relationships" xmlns:p="http://schemas.openxmlformats.org/presentationml/2006/main">
+  <p:cSld>
+    <p:spTree>
+      <p:nvGrpSpPr>
+        <p:cNvPr id="1" name="Shape 127"/>
+        <p:cNvGrpSpPr/>
+        <p:nvPr/>
+      </p:nvGrpSpPr>
+      <p:grpSpPr>
+        <a:xfrm>
+          <a:off x="0" y="0"/>
+          <a:ext cx="0" cy="0"/>
+          <a:chOff x="0" y="0"/>
+          <a:chExt cx="0" cy="0"/>
+        </a:xfrm>
+      </p:grpSpPr>
+      <p:sp>
+        <p:nvSpPr>
+          <p:cNvPr id="128" name="Google Shape;128;p23"/>
+          <p:cNvSpPr txBox="1">
+            <a:spLocks noGrp="1"/>
+          </p:cNvSpPr>
+          <p:nvPr>
+            <p:ph type="title"/>
+          </p:nvPr>
+        </p:nvSpPr>
+        <p:spPr>
+          <a:xfrm>
+            <a:off x="408137" y="1"/>
+            <a:ext cx="5598693" cy="330740"/>
+          </a:xfrm>
+          <a:prstGeom prst="rect">
+            <a:avLst/>
+          </a:prstGeom>
+        </p:spPr>
+        <p:txBody>
+          <a:bodyPr spcFirstLastPara="1" wrap="square" lIns="91425" tIns="91425" rIns="91425" bIns="91425" anchor="t" anchorCtr="0">
+            <a:noAutofit/>
+          </a:bodyPr>
+          <a:lstStyle/>
+          <a:p>
+            <a:pPr marL="0" lvl="0" indent="0" algn="l" rtl="0">
+              <a:spcBef>
+                <a:spcPts val="0"/>
+              </a:spcBef>
+              <a:spcAft>
+                <a:spcPts val="0"/>
+              </a:spcAft>
+              <a:buNone/>
+            </a:pPr>
+            <a:r>
+              <a:rPr lang="ru-RU" sz="1400" dirty="0"/>
+              <a:t>Релокация данных и создание новых секций схематично</a:t>
+            </a:r>
+            <a:endParaRPr sz="1400" dirty="0"/>
+          </a:p>
+        </p:txBody>
+      </p:sp>
+      <p:grpSp>
+        <p:nvGrpSpPr>
+          <p:cNvPr id="3" name="Группа 2">
+            <a:extLst>
+              <a:ext uri="{FF2B5EF4-FFF2-40B4-BE49-F238E27FC236}">
+                <a16:creationId xmlns:a16="http://schemas.microsoft.com/office/drawing/2014/main" id="{D3C41BF0-669D-B49C-317E-A675F6FCDF71}"/>
+              </a:ext>
+            </a:extLst>
+          </p:cNvPr>
+          <p:cNvGrpSpPr/>
+          <p:nvPr/>
+        </p:nvGrpSpPr>
+        <p:grpSpPr>
+          <a:xfrm>
+            <a:off x="1511400" y="986005"/>
+            <a:ext cx="1153539" cy="1131647"/>
+            <a:chOff x="1211093" y="1787463"/>
+            <a:chExt cx="1153539" cy="1131647"/>
+          </a:xfrm>
+        </p:grpSpPr>
+        <p:sp>
+          <p:nvSpPr>
+            <p:cNvPr id="5" name="Прямоугольник 4">
+              <a:extLst>
+                <a:ext uri="{FF2B5EF4-FFF2-40B4-BE49-F238E27FC236}">
+                  <a16:creationId xmlns:a16="http://schemas.microsoft.com/office/drawing/2014/main" id="{8716197C-D984-E8EC-7AE2-352F2565BD1F}"/>
+                </a:ext>
+              </a:extLst>
+            </p:cNvPr>
+            <p:cNvSpPr/>
+            <p:nvPr/>
+          </p:nvSpPr>
+          <p:spPr>
+            <a:xfrm>
+              <a:off x="1211094" y="1787463"/>
+              <a:ext cx="1153538" cy="369651"/>
+            </a:xfrm>
+            <a:prstGeom prst="rect">
+              <a:avLst/>
+            </a:prstGeom>
+          </p:spPr>
+          <p:style>
+            <a:lnRef idx="2">
+              <a:schemeClr val="accent1">
+                <a:shade val="15000"/>
+              </a:schemeClr>
+            </a:lnRef>
+            <a:fillRef idx="1">
+              <a:schemeClr val="accent1"/>
+            </a:fillRef>
+            <a:effectRef idx="0">
+              <a:schemeClr val="accent1"/>
+            </a:effectRef>
+            <a:fontRef idx="minor">
+              <a:schemeClr val="lt1"/>
+            </a:fontRef>
+          </p:style>
+          <p:txBody>
+            <a:bodyPr rtlCol="0" anchor="ctr"/>
+            <a:lstStyle/>
+            <a:p>
+              <a:pPr algn="ctr"/>
+              <a:r>
+                <a:rPr lang="en-US" dirty="0"/>
+                <a:t>1</a:t>
+              </a:r>
+              <a:r>
+                <a:rPr lang="ru-RU" dirty="0"/>
+                <a:t> кв</a:t>
+              </a:r>
+            </a:p>
+          </p:txBody>
+        </p:sp>
+        <p:sp>
+          <p:nvSpPr>
+            <p:cNvPr id="9" name="Прямоугольник 8">
+              <a:extLst>
+                <a:ext uri="{FF2B5EF4-FFF2-40B4-BE49-F238E27FC236}">
+                  <a16:creationId xmlns:a16="http://schemas.microsoft.com/office/drawing/2014/main" id="{362F5BCC-5C36-1BFB-72AD-B15EF3919D05}"/>
+                </a:ext>
+              </a:extLst>
+            </p:cNvPr>
+            <p:cNvSpPr/>
+            <p:nvPr/>
+          </p:nvSpPr>
+          <p:spPr>
+            <a:xfrm>
+              <a:off x="1211093" y="2168461"/>
+              <a:ext cx="1153538" cy="369651"/>
+            </a:xfrm>
+            <a:prstGeom prst="rect">
+              <a:avLst/>
+            </a:prstGeom>
+          </p:spPr>
+          <p:style>
+            <a:lnRef idx="2">
+              <a:schemeClr val="accent1">
+                <a:shade val="15000"/>
+              </a:schemeClr>
+            </a:lnRef>
+            <a:fillRef idx="1">
+              <a:schemeClr val="accent1"/>
+            </a:fillRef>
+            <a:effectRef idx="0">
+              <a:schemeClr val="accent1"/>
+            </a:effectRef>
+            <a:fontRef idx="minor">
+              <a:schemeClr val="lt1"/>
+            </a:fontRef>
+          </p:style>
+          <p:txBody>
+            <a:bodyPr rtlCol="0" anchor="ctr"/>
+            <a:lstStyle/>
+            <a:p>
+              <a:pPr algn="ctr"/>
+              <a:r>
+                <a:rPr lang="ru-RU" dirty="0"/>
+                <a:t>2 кв</a:t>
+              </a:r>
+            </a:p>
+          </p:txBody>
+        </p:sp>
+        <p:sp>
+          <p:nvSpPr>
+            <p:cNvPr id="21" name="Прямоугольник 20">
+              <a:extLst>
+                <a:ext uri="{FF2B5EF4-FFF2-40B4-BE49-F238E27FC236}">
+                  <a16:creationId xmlns:a16="http://schemas.microsoft.com/office/drawing/2014/main" id="{6846E50F-D576-1737-F7FB-27E4652288F6}"/>
+                </a:ext>
+              </a:extLst>
+            </p:cNvPr>
+            <p:cNvSpPr/>
+            <p:nvPr/>
+          </p:nvSpPr>
+          <p:spPr>
+            <a:xfrm>
+              <a:off x="1211093" y="2549459"/>
+              <a:ext cx="1153538" cy="369651"/>
+            </a:xfrm>
+            <a:prstGeom prst="rect">
+              <a:avLst/>
+            </a:prstGeom>
+          </p:spPr>
+          <p:style>
+            <a:lnRef idx="2">
+              <a:schemeClr val="accent1">
+                <a:shade val="15000"/>
+              </a:schemeClr>
+            </a:lnRef>
+            <a:fillRef idx="1">
+              <a:schemeClr val="accent1"/>
+            </a:fillRef>
+            <a:effectRef idx="0">
+              <a:schemeClr val="accent1"/>
+            </a:effectRef>
+            <a:fontRef idx="minor">
+              <a:schemeClr val="lt1"/>
+            </a:fontRef>
+          </p:style>
+          <p:txBody>
+            <a:bodyPr rtlCol="0" anchor="ctr"/>
+            <a:lstStyle/>
+            <a:p>
+              <a:pPr algn="ctr"/>
+              <a:r>
+                <a:rPr lang="ru-RU" dirty="0"/>
+                <a:t>3 кв</a:t>
+              </a:r>
+            </a:p>
+          </p:txBody>
+        </p:sp>
+      </p:grpSp>
+      <p:sp>
+        <p:nvSpPr>
+          <p:cNvPr id="26" name="Прямоугольник 25">
+            <a:extLst>
+              <a:ext uri="{FF2B5EF4-FFF2-40B4-BE49-F238E27FC236}">
+                <a16:creationId xmlns:a16="http://schemas.microsoft.com/office/drawing/2014/main" id="{B3AC36F4-F46D-8EBA-5B38-D4D645FD9B87}"/>
+              </a:ext>
+            </a:extLst>
+          </p:cNvPr>
+          <p:cNvSpPr/>
+          <p:nvPr/>
+        </p:nvSpPr>
+        <p:spPr>
+          <a:xfrm>
+            <a:off x="3060710" y="991260"/>
+            <a:ext cx="374515" cy="369651"/>
+          </a:xfrm>
+          <a:prstGeom prst="rect">
+            <a:avLst/>
+          </a:prstGeom>
+          <a:solidFill>
+            <a:schemeClr val="accent1">
+              <a:lumMod val="40000"/>
+              <a:lumOff val="60000"/>
+            </a:schemeClr>
+          </a:solidFill>
+        </p:spPr>
+        <p:style>
+          <a:lnRef idx="2">
+            <a:schemeClr val="accent1">
+              <a:shade val="15000"/>
+            </a:schemeClr>
+          </a:lnRef>
+          <a:fillRef idx="1">
+            <a:schemeClr val="accent1"/>
+          </a:fillRef>
+          <a:effectRef idx="0">
+            <a:schemeClr val="accent1"/>
+          </a:effectRef>
+          <a:fontRef idx="minor">
+            <a:schemeClr val="lt1"/>
+          </a:fontRef>
+        </p:style>
+        <p:txBody>
+          <a:bodyPr rtlCol="0" anchor="ctr"/>
+          <a:lstStyle/>
+          <a:p>
+            <a:pPr algn="ctr"/>
+            <a:r>
+              <a:rPr lang="ru-RU" dirty="0"/>
+              <a:t>1</a:t>
+            </a:r>
+          </a:p>
+        </p:txBody>
+      </p:sp>
+      <p:sp>
+        <p:nvSpPr>
+          <p:cNvPr id="27" name="Прямоугольник 26">
+            <a:extLst>
+              <a:ext uri="{FF2B5EF4-FFF2-40B4-BE49-F238E27FC236}">
+                <a16:creationId xmlns:a16="http://schemas.microsoft.com/office/drawing/2014/main" id="{985B48AC-2090-8CC0-C627-08F7DC2E73DD}"/>
+              </a:ext>
+            </a:extLst>
+          </p:cNvPr>
+          <p:cNvSpPr/>
+          <p:nvPr/>
+        </p:nvSpPr>
+        <p:spPr>
+          <a:xfrm>
+            <a:off x="4366662" y="872305"/>
+            <a:ext cx="374515" cy="369651"/>
+          </a:xfrm>
+          <a:prstGeom prst="rect">
+            <a:avLst/>
+          </a:prstGeom>
+          <a:solidFill>
+            <a:schemeClr val="accent1">
+              <a:lumMod val="40000"/>
+              <a:lumOff val="60000"/>
+            </a:schemeClr>
+          </a:solidFill>
+        </p:spPr>
+        <p:style>
+          <a:lnRef idx="2">
+            <a:schemeClr val="accent1">
+              <a:shade val="15000"/>
+            </a:schemeClr>
+          </a:lnRef>
+          <a:fillRef idx="1">
+            <a:schemeClr val="accent1"/>
+          </a:fillRef>
+          <a:effectRef idx="0">
+            <a:schemeClr val="accent1"/>
+          </a:effectRef>
+          <a:fontRef idx="minor">
+            <a:schemeClr val="lt1"/>
+          </a:fontRef>
+        </p:style>
+        <p:txBody>
+          <a:bodyPr rtlCol="0" anchor="ctr"/>
+          <a:lstStyle/>
+          <a:p>
+            <a:pPr algn="ctr"/>
+            <a:r>
+              <a:rPr lang="ru-RU" dirty="0"/>
+              <a:t>3</a:t>
+            </a:r>
+          </a:p>
+        </p:txBody>
+      </p:sp>
+      <p:sp>
+        <p:nvSpPr>
+          <p:cNvPr id="28" name="Прямоугольник 27">
+            <a:extLst>
+              <a:ext uri="{FF2B5EF4-FFF2-40B4-BE49-F238E27FC236}">
+                <a16:creationId xmlns:a16="http://schemas.microsoft.com/office/drawing/2014/main" id="{7D67FE49-81FA-701A-492B-1B5B2017E39D}"/>
+              </a:ext>
+            </a:extLst>
+          </p:cNvPr>
+          <p:cNvSpPr/>
+          <p:nvPr/>
+        </p:nvSpPr>
+        <p:spPr>
+          <a:xfrm>
+            <a:off x="2964215" y="1712358"/>
+            <a:ext cx="374515" cy="369651"/>
+          </a:xfrm>
+          <a:prstGeom prst="rect">
+            <a:avLst/>
+          </a:prstGeom>
+          <a:solidFill>
+            <a:schemeClr val="accent1">
+              <a:lumMod val="40000"/>
+              <a:lumOff val="60000"/>
+            </a:schemeClr>
+          </a:solidFill>
+        </p:spPr>
+        <p:style>
+          <a:lnRef idx="2">
+            <a:schemeClr val="accent1">
+              <a:shade val="15000"/>
+            </a:schemeClr>
+          </a:lnRef>
+          <a:fillRef idx="1">
+            <a:schemeClr val="accent1"/>
+          </a:fillRef>
+          <a:effectRef idx="0">
+            <a:schemeClr val="accent1"/>
+          </a:effectRef>
+          <a:fontRef idx="minor">
+            <a:schemeClr val="lt1"/>
+          </a:fontRef>
+        </p:style>
+        <p:txBody>
+          <a:bodyPr rtlCol="0" anchor="ctr"/>
+          <a:lstStyle/>
+          <a:p>
+            <a:pPr algn="ctr"/>
+            <a:r>
+              <a:rPr lang="ru-RU" dirty="0"/>
+              <a:t>4</a:t>
+            </a:r>
+          </a:p>
+        </p:txBody>
+      </p:sp>
+      <p:sp>
+        <p:nvSpPr>
+          <p:cNvPr id="2" name="TextBox 1">
+            <a:extLst>
+              <a:ext uri="{FF2B5EF4-FFF2-40B4-BE49-F238E27FC236}">
+                <a16:creationId xmlns:a16="http://schemas.microsoft.com/office/drawing/2014/main" id="{7F033468-ECF2-CDBA-53D6-823E1954FA1F}"/>
+              </a:ext>
+            </a:extLst>
+          </p:cNvPr>
+          <p:cNvSpPr txBox="1"/>
+          <p:nvPr/>
+        </p:nvSpPr>
+        <p:spPr>
+          <a:xfrm>
+            <a:off x="281843" y="467585"/>
+            <a:ext cx="4111254" cy="430887"/>
+          </a:xfrm>
+          <a:prstGeom prst="rect">
+            <a:avLst/>
+          </a:prstGeom>
+          <a:noFill/>
+        </p:spPr>
+        <p:txBody>
+          <a:bodyPr wrap="square" rtlCol="0">
+            <a:spAutoFit/>
+          </a:bodyPr>
+          <a:lstStyle/>
+          <a:p>
+            <a:r>
+              <a:rPr lang="ru-RU" sz="1100" b="1" dirty="0"/>
+              <a:t>5</a:t>
+            </a:r>
+            <a:r>
+              <a:rPr lang="ru-RU" sz="1050" dirty="0"/>
+              <a:t>.</a:t>
+            </a:r>
+            <a:r>
+              <a:rPr lang="ru-RU" sz="1100" dirty="0"/>
+              <a:t> После перегрузки данных, отсоединенные ежемесячные секции удаляются командой </a:t>
+            </a:r>
+            <a:r>
+              <a:rPr lang="en-US" sz="1100" dirty="0"/>
+              <a:t>DROP TABLE:</a:t>
+            </a:r>
+          </a:p>
+        </p:txBody>
+      </p:sp>
+      <p:sp>
+        <p:nvSpPr>
+          <p:cNvPr id="15" name="Прямоугольник 14">
+            <a:extLst>
+              <a:ext uri="{FF2B5EF4-FFF2-40B4-BE49-F238E27FC236}">
+                <a16:creationId xmlns:a16="http://schemas.microsoft.com/office/drawing/2014/main" id="{D0795722-DBE9-A882-A500-AF338A436E62}"/>
+              </a:ext>
+            </a:extLst>
+          </p:cNvPr>
+          <p:cNvSpPr/>
+          <p:nvPr/>
+        </p:nvSpPr>
+        <p:spPr>
+          <a:xfrm>
+            <a:off x="2947331" y="2329407"/>
+            <a:ext cx="374515" cy="369651"/>
+          </a:xfrm>
+          <a:prstGeom prst="rect">
+            <a:avLst/>
+          </a:prstGeom>
+          <a:solidFill>
+            <a:schemeClr val="accent1">
+              <a:lumMod val="40000"/>
+              <a:lumOff val="60000"/>
+            </a:schemeClr>
+          </a:solidFill>
+        </p:spPr>
+        <p:style>
+          <a:lnRef idx="2">
+            <a:schemeClr val="accent1">
+              <a:shade val="15000"/>
+            </a:schemeClr>
+          </a:lnRef>
+          <a:fillRef idx="1">
+            <a:schemeClr val="accent1"/>
+          </a:fillRef>
+          <a:effectRef idx="0">
+            <a:schemeClr val="accent1"/>
+          </a:effectRef>
+          <a:fontRef idx="minor">
+            <a:schemeClr val="lt1"/>
+          </a:fontRef>
+        </p:style>
+        <p:txBody>
+          <a:bodyPr rtlCol="0" anchor="ctr"/>
+          <a:lstStyle/>
+          <a:p>
+            <a:pPr algn="ctr"/>
+            <a:r>
+              <a:rPr lang="ru-RU" dirty="0"/>
+              <a:t>7</a:t>
+            </a:r>
+          </a:p>
+        </p:txBody>
+      </p:sp>
+      <p:sp>
+        <p:nvSpPr>
+          <p:cNvPr id="16" name="Прямоугольник 15">
+            <a:extLst>
+              <a:ext uri="{FF2B5EF4-FFF2-40B4-BE49-F238E27FC236}">
+                <a16:creationId xmlns:a16="http://schemas.microsoft.com/office/drawing/2014/main" id="{172FA4AD-E9C8-2A5F-404C-022C4512C739}"/>
+              </a:ext>
+            </a:extLst>
+          </p:cNvPr>
+          <p:cNvSpPr/>
+          <p:nvPr/>
+        </p:nvSpPr>
+        <p:spPr>
+          <a:xfrm>
+            <a:off x="3662333" y="2351252"/>
+            <a:ext cx="374515" cy="369651"/>
+          </a:xfrm>
+          <a:prstGeom prst="rect">
+            <a:avLst/>
+          </a:prstGeom>
+          <a:solidFill>
+            <a:schemeClr val="accent1">
+              <a:lumMod val="40000"/>
+              <a:lumOff val="60000"/>
+            </a:schemeClr>
+          </a:solidFill>
+        </p:spPr>
+        <p:style>
+          <a:lnRef idx="2">
+            <a:schemeClr val="accent1">
+              <a:shade val="15000"/>
+            </a:schemeClr>
+          </a:lnRef>
+          <a:fillRef idx="1">
+            <a:schemeClr val="accent1"/>
+          </a:fillRef>
+          <a:effectRef idx="0">
+            <a:schemeClr val="accent1"/>
+          </a:effectRef>
+          <a:fontRef idx="minor">
+            <a:schemeClr val="lt1"/>
+          </a:fontRef>
+        </p:style>
+        <p:txBody>
+          <a:bodyPr rtlCol="0" anchor="ctr"/>
+          <a:lstStyle/>
+          <a:p>
+            <a:pPr algn="ctr"/>
+            <a:r>
+              <a:rPr lang="ru-RU" dirty="0"/>
+              <a:t>8</a:t>
+            </a:r>
+          </a:p>
+        </p:txBody>
+      </p:sp>
+      <p:sp>
+        <p:nvSpPr>
+          <p:cNvPr id="17" name="Прямоугольник 16">
+            <a:extLst>
+              <a:ext uri="{FF2B5EF4-FFF2-40B4-BE49-F238E27FC236}">
+                <a16:creationId xmlns:a16="http://schemas.microsoft.com/office/drawing/2014/main" id="{5561662D-ECB0-026F-7CD2-A5B59387223A}"/>
+              </a:ext>
+            </a:extLst>
+          </p:cNvPr>
+          <p:cNvSpPr/>
+          <p:nvPr/>
+        </p:nvSpPr>
+        <p:spPr>
+          <a:xfrm>
+            <a:off x="4384742" y="1449393"/>
+            <a:ext cx="374515" cy="369651"/>
+          </a:xfrm>
+          <a:prstGeom prst="rect">
+            <a:avLst/>
+          </a:prstGeom>
+          <a:solidFill>
+            <a:schemeClr val="accent1">
+              <a:lumMod val="40000"/>
+              <a:lumOff val="60000"/>
+            </a:schemeClr>
+          </a:solidFill>
+        </p:spPr>
+        <p:style>
+          <a:lnRef idx="2">
+            <a:schemeClr val="accent1">
+              <a:shade val="15000"/>
+            </a:schemeClr>
+          </a:lnRef>
+          <a:fillRef idx="1">
+            <a:schemeClr val="accent1"/>
+          </a:fillRef>
+          <a:effectRef idx="0">
+            <a:schemeClr val="accent1"/>
+          </a:effectRef>
+          <a:fontRef idx="minor">
+            <a:schemeClr val="lt1"/>
+          </a:fontRef>
+        </p:style>
+        <p:txBody>
+          <a:bodyPr rtlCol="0" anchor="ctr"/>
+          <a:lstStyle/>
+          <a:p>
+            <a:pPr algn="ctr"/>
+            <a:r>
+              <a:rPr lang="ru-RU" dirty="0"/>
+              <a:t>6</a:t>
+            </a:r>
+          </a:p>
+        </p:txBody>
+      </p:sp>
+      <p:sp>
+        <p:nvSpPr>
+          <p:cNvPr id="18" name="Прямоугольник 17">
+            <a:extLst>
+              <a:ext uri="{FF2B5EF4-FFF2-40B4-BE49-F238E27FC236}">
+                <a16:creationId xmlns:a16="http://schemas.microsoft.com/office/drawing/2014/main" id="{4EAB4D63-DA6B-9A25-D6B5-D789D40F5D2E}"/>
+              </a:ext>
+            </a:extLst>
+          </p:cNvPr>
+          <p:cNvSpPr/>
+          <p:nvPr/>
+        </p:nvSpPr>
+        <p:spPr>
+          <a:xfrm>
+            <a:off x="4297594" y="2072872"/>
+            <a:ext cx="374515" cy="369651"/>
+          </a:xfrm>
+          <a:prstGeom prst="rect">
+            <a:avLst/>
+          </a:prstGeom>
+          <a:solidFill>
+            <a:schemeClr val="accent1">
+              <a:lumMod val="40000"/>
+              <a:lumOff val="60000"/>
+            </a:schemeClr>
+          </a:solidFill>
+        </p:spPr>
+        <p:style>
+          <a:lnRef idx="2">
+            <a:schemeClr val="accent1">
+              <a:shade val="15000"/>
+            </a:schemeClr>
+          </a:lnRef>
+          <a:fillRef idx="1">
+            <a:schemeClr val="accent1"/>
+          </a:fillRef>
+          <a:effectRef idx="0">
+            <a:schemeClr val="accent1"/>
+          </a:effectRef>
+          <a:fontRef idx="minor">
+            <a:schemeClr val="lt1"/>
+          </a:fontRef>
+        </p:style>
+        <p:txBody>
+          <a:bodyPr rtlCol="0" anchor="ctr"/>
+          <a:lstStyle/>
+          <a:p>
+            <a:pPr algn="ctr"/>
+            <a:r>
+              <a:rPr lang="ru-RU" dirty="0"/>
+              <a:t>9</a:t>
+            </a:r>
+          </a:p>
+        </p:txBody>
+      </p:sp>
+      <p:sp>
+        <p:nvSpPr>
+          <p:cNvPr id="19" name="Прямоугольник 18">
+            <a:extLst>
+              <a:ext uri="{FF2B5EF4-FFF2-40B4-BE49-F238E27FC236}">
+                <a16:creationId xmlns:a16="http://schemas.microsoft.com/office/drawing/2014/main" id="{68A891BD-93E5-575F-F737-8639DC4C9661}"/>
+              </a:ext>
+            </a:extLst>
+          </p:cNvPr>
+          <p:cNvSpPr/>
+          <p:nvPr/>
+        </p:nvSpPr>
+        <p:spPr>
+          <a:xfrm>
+            <a:off x="3656360" y="1642077"/>
+            <a:ext cx="374515" cy="369651"/>
+          </a:xfrm>
+          <a:prstGeom prst="rect">
+            <a:avLst/>
+          </a:prstGeom>
+          <a:solidFill>
+            <a:schemeClr val="accent1">
+              <a:lumMod val="40000"/>
+              <a:lumOff val="60000"/>
+            </a:schemeClr>
+          </a:solidFill>
+        </p:spPr>
+        <p:style>
+          <a:lnRef idx="2">
+            <a:schemeClr val="accent1">
+              <a:shade val="15000"/>
+            </a:schemeClr>
+          </a:lnRef>
+          <a:fillRef idx="1">
+            <a:schemeClr val="accent1"/>
+          </a:fillRef>
+          <a:effectRef idx="0">
+            <a:schemeClr val="accent1"/>
+          </a:effectRef>
+          <a:fontRef idx="minor">
+            <a:schemeClr val="lt1"/>
+          </a:fontRef>
+        </p:style>
+        <p:txBody>
+          <a:bodyPr rtlCol="0" anchor="ctr"/>
+          <a:lstStyle/>
+          <a:p>
+            <a:pPr algn="ctr"/>
+            <a:r>
+              <a:rPr lang="ru-RU" dirty="0"/>
+              <a:t>5</a:t>
+            </a:r>
+          </a:p>
+        </p:txBody>
+      </p:sp>
+      <p:sp>
+        <p:nvSpPr>
+          <p:cNvPr id="20" name="Прямоугольник 19">
+            <a:extLst>
+              <a:ext uri="{FF2B5EF4-FFF2-40B4-BE49-F238E27FC236}">
+                <a16:creationId xmlns:a16="http://schemas.microsoft.com/office/drawing/2014/main" id="{046A5D84-9C09-6066-2F03-0FBFC808CFEB}"/>
+              </a:ext>
+            </a:extLst>
+          </p:cNvPr>
+          <p:cNvSpPr/>
+          <p:nvPr/>
+        </p:nvSpPr>
+        <p:spPr>
+          <a:xfrm>
+            <a:off x="3735249" y="826094"/>
+            <a:ext cx="374515" cy="369651"/>
+          </a:xfrm>
+          <a:prstGeom prst="rect">
+            <a:avLst/>
+          </a:prstGeom>
+          <a:solidFill>
+            <a:schemeClr val="accent1">
+              <a:lumMod val="40000"/>
+              <a:lumOff val="60000"/>
+            </a:schemeClr>
+          </a:solidFill>
+        </p:spPr>
+        <p:style>
+          <a:lnRef idx="2">
+            <a:schemeClr val="accent1">
+              <a:shade val="15000"/>
+            </a:schemeClr>
+          </a:lnRef>
+          <a:fillRef idx="1">
+            <a:schemeClr val="accent1"/>
+          </a:fillRef>
+          <a:effectRef idx="0">
+            <a:schemeClr val="accent1"/>
+          </a:effectRef>
+          <a:fontRef idx="minor">
+            <a:schemeClr val="lt1"/>
+          </a:fontRef>
+        </p:style>
+        <p:txBody>
+          <a:bodyPr rtlCol="0" anchor="ctr"/>
+          <a:lstStyle/>
+          <a:p>
+            <a:pPr algn="ctr"/>
+            <a:r>
+              <a:rPr lang="ru-RU" dirty="0"/>
+              <a:t>2</a:t>
+            </a:r>
+          </a:p>
+        </p:txBody>
+      </p:sp>
+      <p:pic>
+        <p:nvPicPr>
+          <p:cNvPr id="11" name="Рисунок 10" descr="Закрыть">
+            <a:extLst>
+              <a:ext uri="{FF2B5EF4-FFF2-40B4-BE49-F238E27FC236}">
+                <a16:creationId xmlns:a16="http://schemas.microsoft.com/office/drawing/2014/main" id="{840A9E9D-1ACD-1A55-F148-4E3AD666995E}"/>
+              </a:ext>
+            </a:extLst>
+          </p:cNvPr>
+          <p:cNvPicPr>
+            <a:picLocks noChangeAspect="1"/>
+          </p:cNvPicPr>
+          <p:nvPr/>
+        </p:nvPicPr>
+        <p:blipFill>
+          <a:blip r:embed="rId3">
+            <a:extLst>
+              <a:ext uri="{96DAC541-7B7A-43D3-8B79-37D633B846F1}">
+                <asvg:svgBlip xmlns:asvg="http://schemas.microsoft.com/office/drawing/2016/SVG/main" r:embed="rId4"/>
+              </a:ext>
+            </a:extLst>
+          </a:blip>
+          <a:stretch>
+            <a:fillRect/>
+          </a:stretch>
+        </p:blipFill>
+        <p:spPr>
+          <a:xfrm>
+            <a:off x="2810035" y="872305"/>
+            <a:ext cx="843680" cy="843680"/>
+          </a:xfrm>
+          <a:prstGeom prst="rect">
+            <a:avLst/>
+          </a:prstGeom>
+        </p:spPr>
+      </p:pic>
+      <p:pic>
+        <p:nvPicPr>
+          <p:cNvPr id="12" name="Рисунок 11" descr="Закрыть">
+            <a:extLst>
+              <a:ext uri="{FF2B5EF4-FFF2-40B4-BE49-F238E27FC236}">
+                <a16:creationId xmlns:a16="http://schemas.microsoft.com/office/drawing/2014/main" id="{2DED4DCD-A501-54EC-F19D-4FBC632A7348}"/>
+              </a:ext>
+            </a:extLst>
+          </p:cNvPr>
+          <p:cNvPicPr>
+            <a:picLocks noChangeAspect="1"/>
+          </p:cNvPicPr>
+          <p:nvPr/>
+        </p:nvPicPr>
+        <p:blipFill>
+          <a:blip r:embed="rId3">
+            <a:extLst>
+              <a:ext uri="{96DAC541-7B7A-43D3-8B79-37D633B846F1}">
+                <asvg:svgBlip xmlns:asvg="http://schemas.microsoft.com/office/drawing/2016/SVG/main" r:embed="rId4"/>
+              </a:ext>
+            </a:extLst>
+          </a:blip>
+          <a:stretch>
+            <a:fillRect/>
+          </a:stretch>
+        </p:blipFill>
+        <p:spPr>
+          <a:xfrm>
+            <a:off x="3493091" y="739817"/>
+            <a:ext cx="843680" cy="843680"/>
+          </a:xfrm>
+          <a:prstGeom prst="rect">
+            <a:avLst/>
+          </a:prstGeom>
+        </p:spPr>
+      </p:pic>
+      <p:pic>
+        <p:nvPicPr>
+          <p:cNvPr id="22" name="Рисунок 21" descr="Закрыть">
+            <a:extLst>
+              <a:ext uri="{FF2B5EF4-FFF2-40B4-BE49-F238E27FC236}">
+                <a16:creationId xmlns:a16="http://schemas.microsoft.com/office/drawing/2014/main" id="{BFC84884-41C4-C785-2CE7-E96F210EE077}"/>
+              </a:ext>
+            </a:extLst>
+          </p:cNvPr>
+          <p:cNvPicPr>
+            <a:picLocks noChangeAspect="1"/>
+          </p:cNvPicPr>
+          <p:nvPr/>
+        </p:nvPicPr>
+        <p:blipFill>
+          <a:blip r:embed="rId3">
+            <a:extLst>
+              <a:ext uri="{96DAC541-7B7A-43D3-8B79-37D633B846F1}">
+                <asvg:svgBlip xmlns:asvg="http://schemas.microsoft.com/office/drawing/2016/SVG/main" r:embed="rId4"/>
+              </a:ext>
+            </a:extLst>
+          </a:blip>
+          <a:stretch>
+            <a:fillRect/>
+          </a:stretch>
+        </p:blipFill>
+        <p:spPr>
+          <a:xfrm>
+            <a:off x="4132079" y="544167"/>
+            <a:ext cx="843680" cy="843680"/>
+          </a:xfrm>
+          <a:prstGeom prst="rect">
+            <a:avLst/>
+          </a:prstGeom>
+        </p:spPr>
+      </p:pic>
+      <p:pic>
+        <p:nvPicPr>
+          <p:cNvPr id="23" name="Рисунок 22" descr="Закрыть">
+            <a:extLst>
+              <a:ext uri="{FF2B5EF4-FFF2-40B4-BE49-F238E27FC236}">
+                <a16:creationId xmlns:a16="http://schemas.microsoft.com/office/drawing/2014/main" id="{3E6CA4FF-9C6D-5DE4-7C1A-8578A89471BB}"/>
+              </a:ext>
+            </a:extLst>
+          </p:cNvPr>
+          <p:cNvPicPr>
+            <a:picLocks noChangeAspect="1"/>
+          </p:cNvPicPr>
+          <p:nvPr/>
+        </p:nvPicPr>
+        <p:blipFill>
+          <a:blip r:embed="rId3">
+            <a:extLst>
+              <a:ext uri="{96DAC541-7B7A-43D3-8B79-37D633B846F1}">
+                <asvg:svgBlip xmlns:asvg="http://schemas.microsoft.com/office/drawing/2016/SVG/main" r:embed="rId4"/>
+              </a:ext>
+            </a:extLst>
+          </a:blip>
+          <a:stretch>
+            <a:fillRect/>
+          </a:stretch>
+        </p:blipFill>
+        <p:spPr>
+          <a:xfrm>
+            <a:off x="2746646" y="1507572"/>
+            <a:ext cx="843680" cy="843680"/>
+          </a:xfrm>
+          <a:prstGeom prst="rect">
+            <a:avLst/>
+          </a:prstGeom>
+        </p:spPr>
+      </p:pic>
+      <p:pic>
+        <p:nvPicPr>
+          <p:cNvPr id="25" name="Рисунок 24" descr="Закрыть">
+            <a:extLst>
+              <a:ext uri="{FF2B5EF4-FFF2-40B4-BE49-F238E27FC236}">
+                <a16:creationId xmlns:a16="http://schemas.microsoft.com/office/drawing/2014/main" id="{8343F00E-32A6-7A76-AF2B-7E29D1ACC96B}"/>
+              </a:ext>
+            </a:extLst>
+          </p:cNvPr>
+          <p:cNvPicPr>
+            <a:picLocks noChangeAspect="1"/>
+          </p:cNvPicPr>
+          <p:nvPr/>
+        </p:nvPicPr>
+        <p:blipFill>
+          <a:blip r:embed="rId3">
+            <a:extLst>
+              <a:ext uri="{96DAC541-7B7A-43D3-8B79-37D633B846F1}">
+                <asvg:svgBlip xmlns:asvg="http://schemas.microsoft.com/office/drawing/2016/SVG/main" r:embed="rId4"/>
+              </a:ext>
+            </a:extLst>
+          </a:blip>
+          <a:stretch>
+            <a:fillRect/>
+          </a:stretch>
+        </p:blipFill>
+        <p:spPr>
+          <a:xfrm>
+            <a:off x="2712748" y="2149910"/>
+            <a:ext cx="843680" cy="843680"/>
+          </a:xfrm>
+          <a:prstGeom prst="rect">
+            <a:avLst/>
+          </a:prstGeom>
+        </p:spPr>
+      </p:pic>
+      <p:pic>
+        <p:nvPicPr>
+          <p:cNvPr id="29" name="Рисунок 28" descr="Закрыть">
+            <a:extLst>
+              <a:ext uri="{FF2B5EF4-FFF2-40B4-BE49-F238E27FC236}">
+                <a16:creationId xmlns:a16="http://schemas.microsoft.com/office/drawing/2014/main" id="{0B88FA55-222E-0D90-176A-7877730F6952}"/>
+              </a:ext>
+            </a:extLst>
+          </p:cNvPr>
+          <p:cNvPicPr>
+            <a:picLocks noChangeAspect="1"/>
+          </p:cNvPicPr>
+          <p:nvPr/>
+        </p:nvPicPr>
+        <p:blipFill>
+          <a:blip r:embed="rId3">
+            <a:extLst>
+              <a:ext uri="{96DAC541-7B7A-43D3-8B79-37D633B846F1}">
+                <asvg:svgBlip xmlns:asvg="http://schemas.microsoft.com/office/drawing/2016/SVG/main" r:embed="rId4"/>
+              </a:ext>
+            </a:extLst>
+          </a:blip>
+          <a:stretch>
+            <a:fillRect/>
+          </a:stretch>
+        </p:blipFill>
+        <p:spPr>
+          <a:xfrm>
+            <a:off x="3466458" y="1501181"/>
+            <a:ext cx="843680" cy="843680"/>
+          </a:xfrm>
+          <a:prstGeom prst="rect">
+            <a:avLst/>
+          </a:prstGeom>
+        </p:spPr>
+      </p:pic>
+      <p:pic>
+        <p:nvPicPr>
+          <p:cNvPr id="30" name="Рисунок 29" descr="Закрыть">
+            <a:extLst>
+              <a:ext uri="{FF2B5EF4-FFF2-40B4-BE49-F238E27FC236}">
+                <a16:creationId xmlns:a16="http://schemas.microsoft.com/office/drawing/2014/main" id="{66EEE1AF-877C-4BE7-7E0A-DC153B5EA40A}"/>
+              </a:ext>
+            </a:extLst>
+          </p:cNvPr>
+          <p:cNvPicPr>
+            <a:picLocks noChangeAspect="1"/>
+          </p:cNvPicPr>
+          <p:nvPr/>
+        </p:nvPicPr>
+        <p:blipFill>
+          <a:blip r:embed="rId3">
+            <a:extLst>
+              <a:ext uri="{96DAC541-7B7A-43D3-8B79-37D633B846F1}">
+                <asvg:svgBlip xmlns:asvg="http://schemas.microsoft.com/office/drawing/2016/SVG/main" r:embed="rId4"/>
+              </a:ext>
+            </a:extLst>
+          </a:blip>
+          <a:stretch>
+            <a:fillRect/>
+          </a:stretch>
+        </p:blipFill>
+        <p:spPr>
+          <a:xfrm>
+            <a:off x="4273382" y="1191813"/>
+            <a:ext cx="843680" cy="843680"/>
+          </a:xfrm>
+          <a:prstGeom prst="rect">
+            <a:avLst/>
+          </a:prstGeom>
+        </p:spPr>
+      </p:pic>
+      <p:pic>
+        <p:nvPicPr>
+          <p:cNvPr id="31" name="Рисунок 30" descr="Закрыть">
+            <a:extLst>
+              <a:ext uri="{FF2B5EF4-FFF2-40B4-BE49-F238E27FC236}">
+                <a16:creationId xmlns:a16="http://schemas.microsoft.com/office/drawing/2014/main" id="{C11A7A55-18E3-6A30-F49E-6CF27C222FBB}"/>
+              </a:ext>
+            </a:extLst>
+          </p:cNvPr>
+          <p:cNvPicPr>
+            <a:picLocks noChangeAspect="1"/>
+          </p:cNvPicPr>
+          <p:nvPr/>
+        </p:nvPicPr>
+        <p:blipFill>
+          <a:blip r:embed="rId3">
+            <a:extLst>
+              <a:ext uri="{96DAC541-7B7A-43D3-8B79-37D633B846F1}">
+                <asvg:svgBlip xmlns:asvg="http://schemas.microsoft.com/office/drawing/2016/SVG/main" r:embed="rId4"/>
+              </a:ext>
+            </a:extLst>
+          </a:blip>
+          <a:stretch>
+            <a:fillRect/>
+          </a:stretch>
+        </p:blipFill>
+        <p:spPr>
+          <a:xfrm>
+            <a:off x="3510014" y="2211049"/>
+            <a:ext cx="843680" cy="843680"/>
+          </a:xfrm>
+          <a:prstGeom prst="rect">
+            <a:avLst/>
+          </a:prstGeom>
+        </p:spPr>
+      </p:pic>
+      <p:pic>
+        <p:nvPicPr>
+          <p:cNvPr id="130" name="Рисунок 129" descr="Закрыть">
+            <a:extLst>
+              <a:ext uri="{FF2B5EF4-FFF2-40B4-BE49-F238E27FC236}">
+                <a16:creationId xmlns:a16="http://schemas.microsoft.com/office/drawing/2014/main" id="{4A0FCC2C-A79E-0E5D-0E73-BE0F58140B45}"/>
+              </a:ext>
+            </a:extLst>
+          </p:cNvPr>
+          <p:cNvPicPr>
+            <a:picLocks noChangeAspect="1"/>
+          </p:cNvPicPr>
+          <p:nvPr/>
+        </p:nvPicPr>
+        <p:blipFill>
+          <a:blip r:embed="rId3">
+            <a:extLst>
+              <a:ext uri="{96DAC541-7B7A-43D3-8B79-37D633B846F1}">
+                <asvg:svgBlip xmlns:asvg="http://schemas.microsoft.com/office/drawing/2016/SVG/main" r:embed="rId4"/>
+              </a:ext>
+            </a:extLst>
+          </a:blip>
+          <a:stretch>
+            <a:fillRect/>
+          </a:stretch>
+        </p:blipFill>
+        <p:spPr>
+          <a:xfrm>
+            <a:off x="4181202" y="1877223"/>
+            <a:ext cx="843680" cy="843680"/>
+          </a:xfrm>
+          <a:prstGeom prst="rect">
+            <a:avLst/>
+          </a:prstGeom>
+        </p:spPr>
+      </p:pic>
+    </p:spTree>
+    <p:extLst>
+      <p:ext uri="{BB962C8B-B14F-4D97-AF65-F5344CB8AC3E}">
+        <p14:creationId xmlns:p14="http://schemas.microsoft.com/office/powerpoint/2010/main" val="948836552"/>
+      </p:ext>
+    </p:extLst>
+  </p:cSld>
+  <p:clrMapOvr>
+    <a:masterClrMapping/>
+  </p:clrMapOvr>
+</p:sld>
+</file>
+
+<file path=ppt/slides/slide16.xml><?xml version="1.0" encoding="utf-8"?>
+<p:sld xmlns:a="http://schemas.openxmlformats.org/drawingml/2006/main" xmlns:r="http://schemas.openxmlformats.org/officeDocument/2006/relationships" xmlns:p="http://schemas.openxmlformats.org/presentationml/2006/main">
+  <p:cSld>
+    <p:spTree>
+      <p:nvGrpSpPr>
+        <p:cNvPr id="1" name="Shape 127"/>
+        <p:cNvGrpSpPr/>
+        <p:nvPr/>
+      </p:nvGrpSpPr>
+      <p:grpSpPr>
+        <a:xfrm>
+          <a:off x="0" y="0"/>
+          <a:ext cx="0" cy="0"/>
+          <a:chOff x="0" y="0"/>
+          <a:chExt cx="0" cy="0"/>
+        </a:xfrm>
+      </p:grpSpPr>
+      <p:sp>
+        <p:nvSpPr>
+          <p:cNvPr id="128" name="Google Shape;128;p23"/>
+          <p:cNvSpPr txBox="1">
+            <a:spLocks noGrp="1"/>
+          </p:cNvSpPr>
+          <p:nvPr>
+            <p:ph type="title"/>
+          </p:nvPr>
+        </p:nvSpPr>
+        <p:spPr>
+          <a:xfrm>
+            <a:off x="408137" y="1"/>
             <a:ext cx="2101599" cy="316148"/>
           </a:xfrm>
           <a:prstGeom prst="rect">
@@ -15234,7 +20212,451 @@
 </p:sld>
 </file>
 
-<file path=ppt/slides/slide14.xml><?xml version="1.0" encoding="utf-8"?>
+<file path=ppt/slides/slide17.xml><?xml version="1.0" encoding="utf-8"?>
+<p:sld xmlns:a="http://schemas.openxmlformats.org/drawingml/2006/main" xmlns:r="http://schemas.openxmlformats.org/officeDocument/2006/relationships" xmlns:p="http://schemas.openxmlformats.org/presentationml/2006/main">
+  <p:cSld>
+    <p:spTree>
+      <p:nvGrpSpPr>
+        <p:cNvPr id="1" name="Shape 140"/>
+        <p:cNvGrpSpPr/>
+        <p:nvPr/>
+      </p:nvGrpSpPr>
+      <p:grpSpPr>
+        <a:xfrm>
+          <a:off x="0" y="0"/>
+          <a:ext cx="0" cy="0"/>
+          <a:chOff x="0" y="0"/>
+          <a:chExt cx="0" cy="0"/>
+        </a:xfrm>
+      </p:grpSpPr>
+      <p:sp>
+        <p:nvSpPr>
+          <p:cNvPr id="141" name="Google Shape;141;p25"/>
+          <p:cNvSpPr txBox="1">
+            <a:spLocks noGrp="1"/>
+          </p:cNvSpPr>
+          <p:nvPr>
+            <p:ph type="title"/>
+          </p:nvPr>
+        </p:nvSpPr>
+        <p:spPr>
+          <a:xfrm>
+            <a:off x="500550" y="330724"/>
+            <a:ext cx="8520600" cy="1095900"/>
+          </a:xfrm>
+          <a:prstGeom prst="rect">
+            <a:avLst/>
+          </a:prstGeom>
+        </p:spPr>
+        <p:txBody>
+          <a:bodyPr spcFirstLastPara="1" wrap="square" lIns="91425" tIns="91425" rIns="91425" bIns="91425" anchor="t" anchorCtr="0">
+            <a:noAutofit/>
+          </a:bodyPr>
+          <a:lstStyle/>
+          <a:p>
+            <a:pPr marL="0" lvl="0" indent="0" algn="l" rtl="0">
+              <a:spcBef>
+                <a:spcPts val="0"/>
+              </a:spcBef>
+              <a:spcAft>
+                <a:spcPts val="0"/>
+              </a:spcAft>
+              <a:buNone/>
+            </a:pPr>
+            <a:r>
+              <a:rPr lang="ru" sz="3400" dirty="0"/>
+              <a:t>Выводы и планы по развитию</a:t>
+            </a:r>
+            <a:endParaRPr sz="3000" dirty="0"/>
+          </a:p>
+          <a:p>
+            <a:pPr marL="0" lvl="0" indent="0" algn="l" rtl="0">
+              <a:spcBef>
+                <a:spcPts val="0"/>
+              </a:spcBef>
+              <a:spcAft>
+                <a:spcPts val="0"/>
+              </a:spcAft>
+              <a:buNone/>
+            </a:pPr>
+            <a:endParaRPr sz="3000" dirty="0"/>
+          </a:p>
+        </p:txBody>
+      </p:sp>
+      <p:graphicFrame>
+        <p:nvGraphicFramePr>
+          <p:cNvPr id="142" name="Google Shape;142;p25"/>
+          <p:cNvGraphicFramePr/>
+          <p:nvPr>
+            <p:extLst>
+              <p:ext uri="{D42A27DB-BD31-4B8C-83A1-F6EECF244321}">
+                <p14:modId xmlns:p14="http://schemas.microsoft.com/office/powerpoint/2010/main" val="3219943778"/>
+              </p:ext>
+            </p:extLst>
+          </p:nvPr>
+        </p:nvGraphicFramePr>
+        <p:xfrm>
+          <a:off x="952500" y="1544194"/>
+          <a:ext cx="7239000" cy="698608"/>
+        </p:xfrm>
+        <a:graphic>
+          <a:graphicData uri="http://schemas.openxmlformats.org/drawingml/2006/table">
+            <a:tbl>
+              <a:tblPr>
+                <a:noFill/>
+              </a:tblPr>
+              <a:tblGrid>
+                <a:gridCol w="489425">
+                  <a:extLst>
+                    <a:ext uri="{9D8B030D-6E8A-4147-A177-3AD203B41FA5}">
+                      <a16:colId xmlns:a16="http://schemas.microsoft.com/office/drawing/2014/main" val="20000"/>
+                    </a:ext>
+                  </a:extLst>
+                </a:gridCol>
+                <a:gridCol w="6749575">
+                  <a:extLst>
+                    <a:ext uri="{9D8B030D-6E8A-4147-A177-3AD203B41FA5}">
+                      <a16:colId xmlns:a16="http://schemas.microsoft.com/office/drawing/2014/main" val="20001"/>
+                    </a:ext>
+                  </a:extLst>
+                </a:gridCol>
+              </a:tblGrid>
+              <a:tr h="285750">
+                <a:tc>
+                  <a:txBody>
+                    <a:bodyPr/>
+                    <a:lstStyle/>
+                    <a:p>
+                      <a:pPr marL="0" lvl="0" indent="0" algn="l" rtl="0">
+                        <a:spcBef>
+                          <a:spcPts val="0"/>
+                        </a:spcBef>
+                        <a:spcAft>
+                          <a:spcPts val="0"/>
+                        </a:spcAft>
+                        <a:buNone/>
+                      </a:pPr>
+                      <a:r>
+                        <a:rPr lang="ru" sz="1300" b="1">
+                          <a:solidFill>
+                            <a:srgbClr val="013D85"/>
+                          </a:solidFill>
+                          <a:latin typeface="Roboto"/>
+                          <a:ea typeface="Roboto"/>
+                          <a:cs typeface="Roboto"/>
+                          <a:sym typeface="Roboto"/>
+                        </a:rPr>
+                        <a:t>1.</a:t>
+                      </a:r>
+                      <a:endParaRPr sz="1300" b="1">
+                        <a:solidFill>
+                          <a:srgbClr val="013D85"/>
+                        </a:solidFill>
+                        <a:latin typeface="Roboto"/>
+                        <a:ea typeface="Roboto"/>
+                        <a:cs typeface="Roboto"/>
+                        <a:sym typeface="Roboto"/>
+                      </a:endParaRPr>
+                    </a:p>
+                  </a:txBody>
+                  <a:tcPr marL="198000" marR="91425" marT="68575" marB="68575">
+                    <a:lnL w="9525" cap="flat" cmpd="sng">
+                      <a:solidFill>
+                        <a:srgbClr val="BFC1F0">
+                          <a:alpha val="0"/>
+                        </a:srgbClr>
+                      </a:solidFill>
+                      <a:prstDash val="solid"/>
+                      <a:round/>
+                      <a:headEnd type="none" w="sm" len="sm"/>
+                      <a:tailEnd type="none" w="sm" len="sm"/>
+                    </a:lnL>
+                    <a:lnR w="9525" cap="flat" cmpd="sng">
+                      <a:solidFill>
+                        <a:schemeClr val="lt1">
+                          <a:alpha val="0"/>
+                        </a:schemeClr>
+                      </a:solidFill>
+                      <a:prstDash val="solid"/>
+                      <a:round/>
+                      <a:headEnd type="none" w="sm" len="sm"/>
+                      <a:tailEnd type="none" w="sm" len="sm"/>
+                    </a:lnR>
+                    <a:lnT w="9525" cap="flat" cmpd="sng">
+                      <a:solidFill>
+                        <a:srgbClr val="BFC1F0">
+                          <a:alpha val="0"/>
+                        </a:srgbClr>
+                      </a:solidFill>
+                      <a:prstDash val="solid"/>
+                      <a:round/>
+                      <a:headEnd type="none" w="sm" len="sm"/>
+                      <a:tailEnd type="none" w="sm" len="sm"/>
+                    </a:lnT>
+                    <a:lnB w="9525" cap="flat" cmpd="sng">
+                      <a:solidFill>
+                        <a:srgbClr val="BFC1F0"/>
+                      </a:solidFill>
+                      <a:prstDash val="solid"/>
+                      <a:round/>
+                      <a:headEnd type="none" w="sm" len="sm"/>
+                      <a:tailEnd type="none" w="sm" len="sm"/>
+                    </a:lnB>
+                  </a:tcPr>
+                </a:tc>
+                <a:tc>
+                  <a:txBody>
+                    <a:bodyPr/>
+                    <a:lstStyle/>
+                    <a:p>
+                      <a:pPr marL="0" lvl="0" indent="0" algn="l" rtl="0">
+                        <a:lnSpc>
+                          <a:spcPct val="115000"/>
+                        </a:lnSpc>
+                        <a:spcBef>
+                          <a:spcPts val="0"/>
+                        </a:spcBef>
+                        <a:spcAft>
+                          <a:spcPts val="0"/>
+                        </a:spcAft>
+                        <a:buNone/>
+                      </a:pPr>
+                      <a:r>
+                        <a:rPr lang="ru-RU" sz="1300" dirty="0">
+                          <a:latin typeface="Roboto"/>
+                          <a:ea typeface="Roboto"/>
+                          <a:cs typeface="Roboto"/>
+                          <a:sym typeface="Roboto"/>
+                        </a:rPr>
+                        <a:t>Доработать процедуру в части проверки вводимых параметров </a:t>
+                      </a:r>
+                      <a:endParaRPr sz="1300" dirty="0">
+                        <a:latin typeface="Roboto"/>
+                        <a:ea typeface="Roboto"/>
+                        <a:cs typeface="Roboto"/>
+                        <a:sym typeface="Roboto"/>
+                      </a:endParaRPr>
+                    </a:p>
+                  </a:txBody>
+                  <a:tcPr marL="198000" marR="91425" marT="68575" marB="68575">
+                    <a:lnL w="9525" cap="flat" cmpd="sng">
+                      <a:solidFill>
+                        <a:schemeClr val="lt1">
+                          <a:alpha val="0"/>
+                        </a:schemeClr>
+                      </a:solidFill>
+                      <a:prstDash val="solid"/>
+                      <a:round/>
+                      <a:headEnd type="none" w="sm" len="sm"/>
+                      <a:tailEnd type="none" w="sm" len="sm"/>
+                    </a:lnL>
+                    <a:lnR w="9525" cap="flat" cmpd="sng">
+                      <a:solidFill>
+                        <a:srgbClr val="BFC1F0">
+                          <a:alpha val="0"/>
+                        </a:srgbClr>
+                      </a:solidFill>
+                      <a:prstDash val="solid"/>
+                      <a:round/>
+                      <a:headEnd type="none" w="sm" len="sm"/>
+                      <a:tailEnd type="none" w="sm" len="sm"/>
+                    </a:lnR>
+                    <a:lnT w="9525" cap="flat" cmpd="sng">
+                      <a:solidFill>
+                        <a:srgbClr val="BFC1F0">
+                          <a:alpha val="0"/>
+                        </a:srgbClr>
+                      </a:solidFill>
+                      <a:prstDash val="solid"/>
+                      <a:round/>
+                      <a:headEnd type="none" w="sm" len="sm"/>
+                      <a:tailEnd type="none" w="sm" len="sm"/>
+                    </a:lnT>
+                    <a:lnB w="9525" cap="flat" cmpd="sng">
+                      <a:solidFill>
+                        <a:srgbClr val="BFC1F0"/>
+                      </a:solidFill>
+                      <a:prstDash val="solid"/>
+                      <a:round/>
+                      <a:headEnd type="none" w="sm" len="sm"/>
+                      <a:tailEnd type="none" w="sm" len="sm"/>
+                    </a:lnB>
+                  </a:tcPr>
+                </a:tc>
+                <a:extLst>
+                  <a:ext uri="{0D108BD9-81ED-4DB2-BD59-A6C34878D82A}">
+                    <a16:rowId xmlns:a16="http://schemas.microsoft.com/office/drawing/2014/main" val="10000"/>
+                  </a:ext>
+                </a:extLst>
+              </a:tr>
+              <a:tr h="285750">
+                <a:tc>
+                  <a:txBody>
+                    <a:bodyPr/>
+                    <a:lstStyle/>
+                    <a:p>
+                      <a:pPr marL="0" lvl="0" indent="0" algn="l" rtl="0">
+                        <a:spcBef>
+                          <a:spcPts val="0"/>
+                        </a:spcBef>
+                        <a:spcAft>
+                          <a:spcPts val="0"/>
+                        </a:spcAft>
+                        <a:buNone/>
+                      </a:pPr>
+                      <a:r>
+                        <a:rPr lang="ru" sz="1300" b="1">
+                          <a:solidFill>
+                            <a:srgbClr val="013D85"/>
+                          </a:solidFill>
+                          <a:latin typeface="Roboto"/>
+                          <a:ea typeface="Roboto"/>
+                          <a:cs typeface="Roboto"/>
+                          <a:sym typeface="Roboto"/>
+                        </a:rPr>
+                        <a:t>2.</a:t>
+                      </a:r>
+                      <a:endParaRPr sz="1300" b="1">
+                        <a:solidFill>
+                          <a:srgbClr val="013D85"/>
+                        </a:solidFill>
+                        <a:latin typeface="Roboto"/>
+                        <a:ea typeface="Roboto"/>
+                        <a:cs typeface="Roboto"/>
+                        <a:sym typeface="Roboto"/>
+                      </a:endParaRPr>
+                    </a:p>
+                  </a:txBody>
+                  <a:tcPr marL="198000" marR="91425" marT="68575" marB="68575">
+                    <a:lnL w="9525" cap="flat" cmpd="sng">
+                      <a:solidFill>
+                        <a:srgbClr val="BFC1F0">
+                          <a:alpha val="0"/>
+                        </a:srgbClr>
+                      </a:solidFill>
+                      <a:prstDash val="solid"/>
+                      <a:round/>
+                      <a:headEnd type="none" w="sm" len="sm"/>
+                      <a:tailEnd type="none" w="sm" len="sm"/>
+                    </a:lnL>
+                    <a:lnR w="9525" cap="flat" cmpd="sng">
+                      <a:solidFill>
+                        <a:schemeClr val="lt1">
+                          <a:alpha val="0"/>
+                        </a:schemeClr>
+                      </a:solidFill>
+                      <a:prstDash val="solid"/>
+                      <a:round/>
+                      <a:headEnd type="none" w="sm" len="sm"/>
+                      <a:tailEnd type="none" w="sm" len="sm"/>
+                    </a:lnR>
+                    <a:lnT w="9525" cap="flat" cmpd="sng">
+                      <a:solidFill>
+                        <a:srgbClr val="BFC1F0"/>
+                      </a:solidFill>
+                      <a:prstDash val="solid"/>
+                      <a:round/>
+                      <a:headEnd type="none" w="sm" len="sm"/>
+                      <a:tailEnd type="none" w="sm" len="sm"/>
+                    </a:lnT>
+                    <a:lnB w="9525" cap="flat" cmpd="sng">
+                      <a:solidFill>
+                        <a:srgbClr val="BFC1F0"/>
+                      </a:solidFill>
+                      <a:prstDash val="solid"/>
+                      <a:round/>
+                      <a:headEnd type="none" w="sm" len="sm"/>
+                      <a:tailEnd type="none" w="sm" len="sm"/>
+                    </a:lnB>
+                  </a:tcPr>
+                </a:tc>
+                <a:tc>
+                  <a:txBody>
+                    <a:bodyPr/>
+                    <a:lstStyle/>
+                    <a:p>
+                      <a:pPr marL="0" lvl="0" indent="0" algn="l" rtl="0">
+                        <a:lnSpc>
+                          <a:spcPct val="115000"/>
+                        </a:lnSpc>
+                        <a:spcBef>
+                          <a:spcPts val="0"/>
+                        </a:spcBef>
+                        <a:spcAft>
+                          <a:spcPts val="0"/>
+                        </a:spcAft>
+                        <a:buNone/>
+                      </a:pPr>
+                      <a:endParaRPr sz="1300" dirty="0">
+                        <a:latin typeface="Roboto"/>
+                        <a:ea typeface="Roboto"/>
+                        <a:cs typeface="Roboto"/>
+                        <a:sym typeface="Roboto"/>
+                      </a:endParaRPr>
+                    </a:p>
+                  </a:txBody>
+                  <a:tcPr marL="198000" marR="91425" marT="68575" marB="68575">
+                    <a:lnL w="9525" cap="flat" cmpd="sng">
+                      <a:solidFill>
+                        <a:schemeClr val="lt1">
+                          <a:alpha val="0"/>
+                        </a:schemeClr>
+                      </a:solidFill>
+                      <a:prstDash val="solid"/>
+                      <a:round/>
+                      <a:headEnd type="none" w="sm" len="sm"/>
+                      <a:tailEnd type="none" w="sm" len="sm"/>
+                    </a:lnL>
+                    <a:lnR w="9525" cap="flat" cmpd="sng">
+                      <a:solidFill>
+                        <a:srgbClr val="BFC1F0">
+                          <a:alpha val="0"/>
+                        </a:srgbClr>
+                      </a:solidFill>
+                      <a:prstDash val="solid"/>
+                      <a:round/>
+                      <a:headEnd type="none" w="sm" len="sm"/>
+                      <a:tailEnd type="none" w="sm" len="sm"/>
+                    </a:lnR>
+                    <a:lnT w="9525" cap="flat" cmpd="sng">
+                      <a:solidFill>
+                        <a:srgbClr val="BFC1F0"/>
+                      </a:solidFill>
+                      <a:prstDash val="solid"/>
+                      <a:round/>
+                      <a:headEnd type="none" w="sm" len="sm"/>
+                      <a:tailEnd type="none" w="sm" len="sm"/>
+                    </a:lnT>
+                    <a:lnB w="9525" cap="flat" cmpd="sng">
+                      <a:solidFill>
+                        <a:srgbClr val="BFC1F0"/>
+                      </a:solidFill>
+                      <a:prstDash val="solid"/>
+                      <a:round/>
+                      <a:headEnd type="none" w="sm" len="sm"/>
+                      <a:tailEnd type="none" w="sm" len="sm"/>
+                    </a:lnB>
+                  </a:tcPr>
+                </a:tc>
+                <a:extLst>
+                  <a:ext uri="{0D108BD9-81ED-4DB2-BD59-A6C34878D82A}">
+                    <a16:rowId xmlns:a16="http://schemas.microsoft.com/office/drawing/2014/main" val="10001"/>
+                  </a:ext>
+                </a:extLst>
+              </a:tr>
+            </a:tbl>
+          </a:graphicData>
+        </a:graphic>
+      </p:graphicFrame>
+    </p:spTree>
+  </p:cSld>
+  <p:clrMapOvr>
+    <a:masterClrMapping/>
+  </p:clrMapOvr>
+</p:sld>
+</file>
+
+<file path=ppt/slides/slide18.xml><?xml version="1.0" encoding="utf-8"?>
 <p:sld xmlns:a="http://schemas.openxmlformats.org/drawingml/2006/main" xmlns:r="http://schemas.openxmlformats.org/officeDocument/2006/relationships" xmlns:p="http://schemas.openxmlformats.org/presentationml/2006/main">
   <p:cSld>
     <p:spTree>
@@ -15362,7 +20784,7 @@
 </p:sld>
 </file>
 
-<file path=ppt/slides/slide15.xml><?xml version="1.0" encoding="utf-8"?>
+<file path=ppt/slides/slide19.xml><?xml version="1.0" encoding="utf-8"?>
 <p:sld xmlns:a="http://schemas.openxmlformats.org/drawingml/2006/main" xmlns:r="http://schemas.openxmlformats.org/officeDocument/2006/relationships" xmlns:p="http://schemas.openxmlformats.org/presentationml/2006/main">
   <p:cSld>
     <p:spTree>

--- a/8.Проектная работа/Презентация проектной работы.pptx
+++ b/8.Проектная работа/Презентация проектной работы.pptx
@@ -20290,14 +20290,14 @@
           <p:nvPr>
             <p:extLst>
               <p:ext uri="{D42A27DB-BD31-4B8C-83A1-F6EECF244321}">
-                <p14:modId xmlns:p14="http://schemas.microsoft.com/office/powerpoint/2010/main" val="3219943778"/>
+                <p14:modId xmlns:p14="http://schemas.microsoft.com/office/powerpoint/2010/main" val="1776214003"/>
               </p:ext>
             </p:extLst>
           </p:nvPr>
         </p:nvGraphicFramePr>
         <p:xfrm>
           <a:off x="952500" y="1544194"/>
-          <a:ext cx="7239000" cy="698608"/>
+          <a:ext cx="7239000" cy="1609960"/>
         </p:xfrm>
         <a:graphic>
           <a:graphicData uri="http://schemas.openxmlformats.org/drawingml/2006/table">
@@ -20587,6 +20587,15 @@
                         </a:spcAft>
                         <a:buNone/>
                       </a:pPr>
+                      <a:r>
+                        <a:rPr lang="ru-RU" sz="1300" dirty="0">
+                          <a:latin typeface="Roboto"/>
+                          <a:ea typeface="Roboto"/>
+                          <a:cs typeface="Roboto"/>
+                          <a:sym typeface="Roboto"/>
+                        </a:rPr>
+                        <a:t>Сделать возможность запуска по расписанию более гибким, за счет ввода дополнительного параметра - интервал времени, который будет вычитаться из отчетной даты по умолчанию (конец месяца, конец квартала, конец полугодия, конец года) и если это будет эквивалентно текущей дате, то  будет происходить запуск процедуры.</a:t>
+                      </a:r>
                       <a:endParaRPr sz="1300" dirty="0">
                         <a:latin typeface="Roboto"/>
                         <a:ea typeface="Roboto"/>
